--- a/powerpoint/doctor_validation_ppt.pptx
+++ b/powerpoint/doctor_validation_ppt.pptx
@@ -14,10 +14,10 @@
     <p:sldId id="256" r:id="rId2"/>
     <p:sldId id="257" r:id="rId3"/>
     <p:sldId id="258" r:id="rId4"/>
-    <p:sldId id="259" r:id="rId5"/>
-    <p:sldId id="260" r:id="rId6"/>
-    <p:sldId id="261" r:id="rId7"/>
-    <p:sldId id="262" r:id="rId8"/>
+    <p:sldId id="268" r:id="rId5"/>
+    <p:sldId id="259" r:id="rId6"/>
+    <p:sldId id="260" r:id="rId7"/>
+    <p:sldId id="269" r:id="rId8"/>
     <p:sldId id="263" r:id="rId9"/>
     <p:sldId id="267" r:id="rId10"/>
   </p:sldIdLst>
@@ -138,6 +138,2863 @@
     </p:ext>
   </p:extLst>
 </p:presentation>
+</file>
+
+<file path=ppt/diagrams/colors1.xml><?xml version="1.0" encoding="utf-8"?>
+<dgm:colorsDef xmlns:dgm="http://schemas.openxmlformats.org/drawingml/2006/diagram" xmlns:a="http://schemas.openxmlformats.org/drawingml/2006/main" uniqueId="urn:microsoft.com/office/officeart/2005/8/colors/accent1_2">
+  <dgm:title val=""/>
+  <dgm:desc val=""/>
+  <dgm:catLst>
+    <dgm:cat type="accent1" pri="11200"/>
+  </dgm:catLst>
+  <dgm:styleLbl name="node0">
+    <dgm:fillClrLst meth="repeat">
+      <a:schemeClr val="accent1"/>
+    </dgm:fillClrLst>
+    <dgm:linClrLst meth="repeat">
+      <a:schemeClr val="lt1"/>
+    </dgm:linClrLst>
+    <dgm:effectClrLst/>
+    <dgm:txLinClrLst/>
+    <dgm:txFillClrLst/>
+    <dgm:txEffectClrLst/>
+  </dgm:styleLbl>
+  <dgm:styleLbl name="alignNode1">
+    <dgm:fillClrLst meth="repeat">
+      <a:schemeClr val="accent1"/>
+    </dgm:fillClrLst>
+    <dgm:linClrLst meth="repeat">
+      <a:schemeClr val="accent1"/>
+    </dgm:linClrLst>
+    <dgm:effectClrLst/>
+    <dgm:txLinClrLst/>
+    <dgm:txFillClrLst/>
+    <dgm:txEffectClrLst/>
+  </dgm:styleLbl>
+  <dgm:styleLbl name="node1">
+    <dgm:fillClrLst meth="repeat">
+      <a:schemeClr val="accent1"/>
+    </dgm:fillClrLst>
+    <dgm:linClrLst meth="repeat">
+      <a:schemeClr val="lt1"/>
+    </dgm:linClrLst>
+    <dgm:effectClrLst/>
+    <dgm:txLinClrLst/>
+    <dgm:txFillClrLst/>
+    <dgm:txEffectClrLst/>
+  </dgm:styleLbl>
+  <dgm:styleLbl name="lnNode1">
+    <dgm:fillClrLst meth="repeat">
+      <a:schemeClr val="accent1"/>
+    </dgm:fillClrLst>
+    <dgm:linClrLst meth="repeat">
+      <a:schemeClr val="lt1"/>
+    </dgm:linClrLst>
+    <dgm:effectClrLst/>
+    <dgm:txLinClrLst/>
+    <dgm:txFillClrLst/>
+    <dgm:txEffectClrLst/>
+  </dgm:styleLbl>
+  <dgm:styleLbl name="vennNode1">
+    <dgm:fillClrLst meth="repeat">
+      <a:schemeClr val="accent1">
+        <a:alpha val="50000"/>
+      </a:schemeClr>
+    </dgm:fillClrLst>
+    <dgm:linClrLst meth="repeat">
+      <a:schemeClr val="lt1"/>
+    </dgm:linClrLst>
+    <dgm:effectClrLst/>
+    <dgm:txLinClrLst/>
+    <dgm:txFillClrLst/>
+    <dgm:txEffectClrLst/>
+  </dgm:styleLbl>
+  <dgm:styleLbl name="node2">
+    <dgm:fillClrLst meth="repeat">
+      <a:schemeClr val="accent1"/>
+    </dgm:fillClrLst>
+    <dgm:linClrLst meth="repeat">
+      <a:schemeClr val="lt1"/>
+    </dgm:linClrLst>
+    <dgm:effectClrLst/>
+    <dgm:txLinClrLst/>
+    <dgm:txFillClrLst/>
+    <dgm:txEffectClrLst/>
+  </dgm:styleLbl>
+  <dgm:styleLbl name="node3">
+    <dgm:fillClrLst meth="repeat">
+      <a:schemeClr val="accent1"/>
+    </dgm:fillClrLst>
+    <dgm:linClrLst meth="repeat">
+      <a:schemeClr val="lt1"/>
+    </dgm:linClrLst>
+    <dgm:effectClrLst/>
+    <dgm:txLinClrLst/>
+    <dgm:txFillClrLst/>
+    <dgm:txEffectClrLst/>
+  </dgm:styleLbl>
+  <dgm:styleLbl name="node4">
+    <dgm:fillClrLst meth="repeat">
+      <a:schemeClr val="accent1"/>
+    </dgm:fillClrLst>
+    <dgm:linClrLst meth="repeat">
+      <a:schemeClr val="lt1"/>
+    </dgm:linClrLst>
+    <dgm:effectClrLst/>
+    <dgm:txLinClrLst/>
+    <dgm:txFillClrLst/>
+    <dgm:txEffectClrLst/>
+  </dgm:styleLbl>
+  <dgm:styleLbl name="fgImgPlace1">
+    <dgm:fillClrLst meth="repeat">
+      <a:schemeClr val="accent1">
+        <a:tint val="50000"/>
+      </a:schemeClr>
+    </dgm:fillClrLst>
+    <dgm:linClrLst meth="repeat">
+      <a:schemeClr val="lt1"/>
+    </dgm:linClrLst>
+    <dgm:effectClrLst/>
+    <dgm:txLinClrLst/>
+    <dgm:txFillClrLst meth="repeat">
+      <a:schemeClr val="lt1"/>
+    </dgm:txFillClrLst>
+    <dgm:txEffectClrLst/>
+  </dgm:styleLbl>
+  <dgm:styleLbl name="alignImgPlace1">
+    <dgm:fillClrLst meth="repeat">
+      <a:schemeClr val="accent1">
+        <a:tint val="50000"/>
+      </a:schemeClr>
+    </dgm:fillClrLst>
+    <dgm:linClrLst meth="repeat">
+      <a:schemeClr val="lt1"/>
+    </dgm:linClrLst>
+    <dgm:effectClrLst/>
+    <dgm:txLinClrLst/>
+    <dgm:txFillClrLst meth="repeat">
+      <a:schemeClr val="lt1"/>
+    </dgm:txFillClrLst>
+    <dgm:txEffectClrLst/>
+  </dgm:styleLbl>
+  <dgm:styleLbl name="bgImgPlace1">
+    <dgm:fillClrLst meth="repeat">
+      <a:schemeClr val="accent1">
+        <a:tint val="50000"/>
+      </a:schemeClr>
+    </dgm:fillClrLst>
+    <dgm:linClrLst meth="repeat">
+      <a:schemeClr val="lt1"/>
+    </dgm:linClrLst>
+    <dgm:effectClrLst/>
+    <dgm:txLinClrLst/>
+    <dgm:txFillClrLst meth="repeat">
+      <a:schemeClr val="lt1"/>
+    </dgm:txFillClrLst>
+    <dgm:txEffectClrLst/>
+  </dgm:styleLbl>
+  <dgm:styleLbl name="sibTrans2D1">
+    <dgm:fillClrLst meth="repeat">
+      <a:schemeClr val="accent1">
+        <a:tint val="60000"/>
+      </a:schemeClr>
+    </dgm:fillClrLst>
+    <dgm:linClrLst meth="repeat">
+      <a:schemeClr val="accent1">
+        <a:tint val="60000"/>
+      </a:schemeClr>
+    </dgm:linClrLst>
+    <dgm:effectClrLst/>
+    <dgm:txLinClrLst/>
+    <dgm:txFillClrLst/>
+    <dgm:txEffectClrLst/>
+  </dgm:styleLbl>
+  <dgm:styleLbl name="fgSibTrans2D1">
+    <dgm:fillClrLst meth="repeat">
+      <a:schemeClr val="accent1">
+        <a:tint val="60000"/>
+      </a:schemeClr>
+    </dgm:fillClrLst>
+    <dgm:linClrLst meth="repeat">
+      <a:schemeClr val="accent1">
+        <a:tint val="60000"/>
+      </a:schemeClr>
+    </dgm:linClrLst>
+    <dgm:effectClrLst/>
+    <dgm:txLinClrLst/>
+    <dgm:txFillClrLst/>
+    <dgm:txEffectClrLst/>
+  </dgm:styleLbl>
+  <dgm:styleLbl name="bgSibTrans2D1">
+    <dgm:fillClrLst meth="repeat">
+      <a:schemeClr val="accent1">
+        <a:tint val="60000"/>
+      </a:schemeClr>
+    </dgm:fillClrLst>
+    <dgm:linClrLst meth="repeat">
+      <a:schemeClr val="accent1">
+        <a:tint val="60000"/>
+      </a:schemeClr>
+    </dgm:linClrLst>
+    <dgm:effectClrLst/>
+    <dgm:txLinClrLst/>
+    <dgm:txFillClrLst/>
+    <dgm:txEffectClrLst/>
+  </dgm:styleLbl>
+  <dgm:styleLbl name="sibTrans1D1">
+    <dgm:fillClrLst meth="repeat">
+      <a:schemeClr val="accent1"/>
+    </dgm:fillClrLst>
+    <dgm:linClrLst meth="repeat">
+      <a:schemeClr val="accent1"/>
+    </dgm:linClrLst>
+    <dgm:effectClrLst/>
+    <dgm:txLinClrLst/>
+    <dgm:txFillClrLst meth="repeat">
+      <a:schemeClr val="tx1"/>
+    </dgm:txFillClrLst>
+    <dgm:txEffectClrLst/>
+  </dgm:styleLbl>
+  <dgm:styleLbl name="callout">
+    <dgm:fillClrLst meth="repeat">
+      <a:schemeClr val="accent1"/>
+    </dgm:fillClrLst>
+    <dgm:linClrLst meth="repeat">
+      <a:schemeClr val="accent1">
+        <a:tint val="50000"/>
+      </a:schemeClr>
+    </dgm:linClrLst>
+    <dgm:effectClrLst/>
+    <dgm:txLinClrLst/>
+    <dgm:txFillClrLst meth="repeat">
+      <a:schemeClr val="tx1"/>
+    </dgm:txFillClrLst>
+    <dgm:txEffectClrLst/>
+  </dgm:styleLbl>
+  <dgm:styleLbl name="asst0">
+    <dgm:fillClrLst meth="repeat">
+      <a:schemeClr val="accent1"/>
+    </dgm:fillClrLst>
+    <dgm:linClrLst meth="repeat">
+      <a:schemeClr val="lt1"/>
+    </dgm:linClrLst>
+    <dgm:effectClrLst/>
+    <dgm:txLinClrLst/>
+    <dgm:txFillClrLst/>
+    <dgm:txEffectClrLst/>
+  </dgm:styleLbl>
+  <dgm:styleLbl name="asst1">
+    <dgm:fillClrLst meth="repeat">
+      <a:schemeClr val="accent1"/>
+    </dgm:fillClrLst>
+    <dgm:linClrLst meth="repeat">
+      <a:schemeClr val="lt1"/>
+    </dgm:linClrLst>
+    <dgm:effectClrLst/>
+    <dgm:txLinClrLst/>
+    <dgm:txFillClrLst/>
+    <dgm:txEffectClrLst/>
+  </dgm:styleLbl>
+  <dgm:styleLbl name="asst2">
+    <dgm:fillClrLst meth="repeat">
+      <a:schemeClr val="accent1"/>
+    </dgm:fillClrLst>
+    <dgm:linClrLst meth="repeat">
+      <a:schemeClr val="lt1"/>
+    </dgm:linClrLst>
+    <dgm:effectClrLst/>
+    <dgm:txLinClrLst/>
+    <dgm:txFillClrLst/>
+    <dgm:txEffectClrLst/>
+  </dgm:styleLbl>
+  <dgm:styleLbl name="asst3">
+    <dgm:fillClrLst meth="repeat">
+      <a:schemeClr val="accent1"/>
+    </dgm:fillClrLst>
+    <dgm:linClrLst meth="repeat">
+      <a:schemeClr val="lt1"/>
+    </dgm:linClrLst>
+    <dgm:effectClrLst/>
+    <dgm:txLinClrLst/>
+    <dgm:txFillClrLst/>
+    <dgm:txEffectClrLst/>
+  </dgm:styleLbl>
+  <dgm:styleLbl name="asst4">
+    <dgm:fillClrLst meth="repeat">
+      <a:schemeClr val="accent1"/>
+    </dgm:fillClrLst>
+    <dgm:linClrLst meth="repeat">
+      <a:schemeClr val="lt1"/>
+    </dgm:linClrLst>
+    <dgm:effectClrLst/>
+    <dgm:txLinClrLst/>
+    <dgm:txFillClrLst/>
+    <dgm:txEffectClrLst/>
+  </dgm:styleLbl>
+  <dgm:styleLbl name="parChTrans2D1">
+    <dgm:fillClrLst meth="repeat">
+      <a:schemeClr val="accent1">
+        <a:tint val="60000"/>
+      </a:schemeClr>
+    </dgm:fillClrLst>
+    <dgm:linClrLst meth="repeat">
+      <a:schemeClr val="accent1">
+        <a:tint val="60000"/>
+      </a:schemeClr>
+    </dgm:linClrLst>
+    <dgm:effectClrLst/>
+    <dgm:txLinClrLst/>
+    <dgm:txFillClrLst meth="repeat">
+      <a:schemeClr val="lt1"/>
+    </dgm:txFillClrLst>
+    <dgm:txEffectClrLst/>
+  </dgm:styleLbl>
+  <dgm:styleLbl name="parChTrans2D2">
+    <dgm:fillClrLst meth="repeat">
+      <a:schemeClr val="accent1"/>
+    </dgm:fillClrLst>
+    <dgm:linClrLst meth="repeat">
+      <a:schemeClr val="accent1"/>
+    </dgm:linClrLst>
+    <dgm:effectClrLst/>
+    <dgm:txLinClrLst/>
+    <dgm:txFillClrLst meth="repeat">
+      <a:schemeClr val="lt1"/>
+    </dgm:txFillClrLst>
+    <dgm:txEffectClrLst/>
+  </dgm:styleLbl>
+  <dgm:styleLbl name="parChTrans2D3">
+    <dgm:fillClrLst meth="repeat">
+      <a:schemeClr val="accent1"/>
+    </dgm:fillClrLst>
+    <dgm:linClrLst meth="repeat">
+      <a:schemeClr val="accent1"/>
+    </dgm:linClrLst>
+    <dgm:effectClrLst/>
+    <dgm:txLinClrLst/>
+    <dgm:txFillClrLst meth="repeat">
+      <a:schemeClr val="lt1"/>
+    </dgm:txFillClrLst>
+    <dgm:txEffectClrLst/>
+  </dgm:styleLbl>
+  <dgm:styleLbl name="parChTrans2D4">
+    <dgm:fillClrLst meth="repeat">
+      <a:schemeClr val="accent1"/>
+    </dgm:fillClrLst>
+    <dgm:linClrLst meth="repeat">
+      <a:schemeClr val="accent1"/>
+    </dgm:linClrLst>
+    <dgm:effectClrLst/>
+    <dgm:txLinClrLst/>
+    <dgm:txFillClrLst meth="repeat">
+      <a:schemeClr val="lt1"/>
+    </dgm:txFillClrLst>
+    <dgm:txEffectClrLst/>
+  </dgm:styleLbl>
+  <dgm:styleLbl name="parChTrans1D1">
+    <dgm:fillClrLst meth="repeat">
+      <a:schemeClr val="accent1"/>
+    </dgm:fillClrLst>
+    <dgm:linClrLst meth="repeat">
+      <a:schemeClr val="accent1">
+        <a:shade val="60000"/>
+      </a:schemeClr>
+    </dgm:linClrLst>
+    <dgm:effectClrLst/>
+    <dgm:txLinClrLst/>
+    <dgm:txFillClrLst meth="repeat">
+      <a:schemeClr val="tx1"/>
+    </dgm:txFillClrLst>
+    <dgm:txEffectClrLst/>
+  </dgm:styleLbl>
+  <dgm:styleLbl name="parChTrans1D2">
+    <dgm:fillClrLst meth="repeat">
+      <a:schemeClr val="accent1"/>
+    </dgm:fillClrLst>
+    <dgm:linClrLst meth="repeat">
+      <a:schemeClr val="accent1">
+        <a:shade val="60000"/>
+      </a:schemeClr>
+    </dgm:linClrLst>
+    <dgm:effectClrLst/>
+    <dgm:txLinClrLst/>
+    <dgm:txFillClrLst meth="repeat">
+      <a:schemeClr val="tx1"/>
+    </dgm:txFillClrLst>
+    <dgm:txEffectClrLst/>
+  </dgm:styleLbl>
+  <dgm:styleLbl name="parChTrans1D3">
+    <dgm:fillClrLst meth="repeat">
+      <a:schemeClr val="accent1"/>
+    </dgm:fillClrLst>
+    <dgm:linClrLst meth="repeat">
+      <a:schemeClr val="accent1">
+        <a:shade val="80000"/>
+      </a:schemeClr>
+    </dgm:linClrLst>
+    <dgm:effectClrLst/>
+    <dgm:txLinClrLst/>
+    <dgm:txFillClrLst meth="repeat">
+      <a:schemeClr val="tx1"/>
+    </dgm:txFillClrLst>
+    <dgm:txEffectClrLst/>
+  </dgm:styleLbl>
+  <dgm:styleLbl name="parChTrans1D4">
+    <dgm:fillClrLst meth="repeat">
+      <a:schemeClr val="accent1"/>
+    </dgm:fillClrLst>
+    <dgm:linClrLst meth="repeat">
+      <a:schemeClr val="accent1">
+        <a:shade val="80000"/>
+      </a:schemeClr>
+    </dgm:linClrLst>
+    <dgm:effectClrLst/>
+    <dgm:txLinClrLst/>
+    <dgm:txFillClrLst meth="repeat">
+      <a:schemeClr val="tx1"/>
+    </dgm:txFillClrLst>
+    <dgm:txEffectClrLst/>
+  </dgm:styleLbl>
+  <dgm:styleLbl name="fgAcc1">
+    <dgm:fillClrLst meth="repeat">
+      <a:schemeClr val="lt1">
+        <a:alpha val="90000"/>
+      </a:schemeClr>
+    </dgm:fillClrLst>
+    <dgm:linClrLst meth="repeat">
+      <a:schemeClr val="accent1"/>
+    </dgm:linClrLst>
+    <dgm:effectClrLst/>
+    <dgm:txLinClrLst/>
+    <dgm:txFillClrLst meth="repeat">
+      <a:schemeClr val="dk1"/>
+    </dgm:txFillClrLst>
+    <dgm:txEffectClrLst/>
+  </dgm:styleLbl>
+  <dgm:styleLbl name="conFgAcc1">
+    <dgm:fillClrLst meth="repeat">
+      <a:schemeClr val="lt1">
+        <a:alpha val="90000"/>
+      </a:schemeClr>
+    </dgm:fillClrLst>
+    <dgm:linClrLst meth="repeat">
+      <a:schemeClr val="accent1"/>
+    </dgm:linClrLst>
+    <dgm:effectClrLst/>
+    <dgm:txLinClrLst/>
+    <dgm:txFillClrLst meth="repeat">
+      <a:schemeClr val="dk1"/>
+    </dgm:txFillClrLst>
+    <dgm:txEffectClrLst/>
+  </dgm:styleLbl>
+  <dgm:styleLbl name="alignAcc1">
+    <dgm:fillClrLst meth="repeat">
+      <a:schemeClr val="lt1">
+        <a:alpha val="90000"/>
+      </a:schemeClr>
+    </dgm:fillClrLst>
+    <dgm:linClrLst meth="repeat">
+      <a:schemeClr val="accent1"/>
+    </dgm:linClrLst>
+    <dgm:effectClrLst/>
+    <dgm:txLinClrLst/>
+    <dgm:txFillClrLst meth="repeat">
+      <a:schemeClr val="dk1"/>
+    </dgm:txFillClrLst>
+    <dgm:txEffectClrLst/>
+  </dgm:styleLbl>
+  <dgm:styleLbl name="trAlignAcc1">
+    <dgm:fillClrLst meth="repeat">
+      <a:schemeClr val="lt1">
+        <a:alpha val="40000"/>
+      </a:schemeClr>
+    </dgm:fillClrLst>
+    <dgm:linClrLst meth="repeat">
+      <a:schemeClr val="accent1"/>
+    </dgm:linClrLst>
+    <dgm:effectClrLst/>
+    <dgm:txLinClrLst/>
+    <dgm:txFillClrLst meth="repeat">
+      <a:schemeClr val="dk1"/>
+    </dgm:txFillClrLst>
+    <dgm:txEffectClrLst/>
+  </dgm:styleLbl>
+  <dgm:styleLbl name="bgAcc1">
+    <dgm:fillClrLst meth="repeat">
+      <a:schemeClr val="lt1">
+        <a:alpha val="90000"/>
+      </a:schemeClr>
+    </dgm:fillClrLst>
+    <dgm:linClrLst meth="repeat">
+      <a:schemeClr val="accent1"/>
+    </dgm:linClrLst>
+    <dgm:effectClrLst/>
+    <dgm:txLinClrLst/>
+    <dgm:txFillClrLst meth="repeat">
+      <a:schemeClr val="dk1"/>
+    </dgm:txFillClrLst>
+    <dgm:txEffectClrLst/>
+  </dgm:styleLbl>
+  <dgm:styleLbl name="solidFgAcc1">
+    <dgm:fillClrLst meth="repeat">
+      <a:schemeClr val="lt1"/>
+    </dgm:fillClrLst>
+    <dgm:linClrLst meth="repeat">
+      <a:schemeClr val="accent1"/>
+    </dgm:linClrLst>
+    <dgm:effectClrLst/>
+    <dgm:txLinClrLst/>
+    <dgm:txFillClrLst meth="repeat">
+      <a:schemeClr val="dk1"/>
+    </dgm:txFillClrLst>
+    <dgm:txEffectClrLst/>
+  </dgm:styleLbl>
+  <dgm:styleLbl name="solidAlignAcc1">
+    <dgm:fillClrLst meth="repeat">
+      <a:schemeClr val="lt1"/>
+    </dgm:fillClrLst>
+    <dgm:linClrLst meth="repeat">
+      <a:schemeClr val="accent1"/>
+    </dgm:linClrLst>
+    <dgm:effectClrLst/>
+    <dgm:txLinClrLst/>
+    <dgm:txFillClrLst meth="repeat">
+      <a:schemeClr val="dk1"/>
+    </dgm:txFillClrLst>
+    <dgm:txEffectClrLst/>
+  </dgm:styleLbl>
+  <dgm:styleLbl name="solidBgAcc1">
+    <dgm:fillClrLst meth="repeat">
+      <a:schemeClr val="lt1"/>
+    </dgm:fillClrLst>
+    <dgm:linClrLst meth="repeat">
+      <a:schemeClr val="accent1"/>
+    </dgm:linClrLst>
+    <dgm:effectClrLst/>
+    <dgm:txLinClrLst/>
+    <dgm:txFillClrLst meth="repeat">
+      <a:schemeClr val="dk1"/>
+    </dgm:txFillClrLst>
+    <dgm:txEffectClrLst/>
+  </dgm:styleLbl>
+  <dgm:styleLbl name="fgAccFollowNode1">
+    <dgm:fillClrLst meth="repeat">
+      <a:schemeClr val="accent1">
+        <a:alpha val="90000"/>
+        <a:tint val="40000"/>
+      </a:schemeClr>
+    </dgm:fillClrLst>
+    <dgm:linClrLst meth="repeat">
+      <a:schemeClr val="accent1">
+        <a:alpha val="90000"/>
+        <a:tint val="40000"/>
+      </a:schemeClr>
+    </dgm:linClrLst>
+    <dgm:effectClrLst/>
+    <dgm:txLinClrLst/>
+    <dgm:txFillClrLst meth="repeat">
+      <a:schemeClr val="dk1"/>
+    </dgm:txFillClrLst>
+    <dgm:txEffectClrLst/>
+  </dgm:styleLbl>
+  <dgm:styleLbl name="alignAccFollowNode1">
+    <dgm:fillClrLst meth="repeat">
+      <a:schemeClr val="accent1">
+        <a:alpha val="90000"/>
+        <a:tint val="40000"/>
+      </a:schemeClr>
+    </dgm:fillClrLst>
+    <dgm:linClrLst meth="repeat">
+      <a:schemeClr val="accent1">
+        <a:alpha val="90000"/>
+        <a:tint val="40000"/>
+      </a:schemeClr>
+    </dgm:linClrLst>
+    <dgm:effectClrLst/>
+    <dgm:txLinClrLst/>
+    <dgm:txFillClrLst meth="repeat">
+      <a:schemeClr val="dk1"/>
+    </dgm:txFillClrLst>
+    <dgm:txEffectClrLst/>
+  </dgm:styleLbl>
+  <dgm:styleLbl name="bgAccFollowNode1">
+    <dgm:fillClrLst meth="repeat">
+      <a:schemeClr val="accent1">
+        <a:alpha val="90000"/>
+        <a:tint val="40000"/>
+      </a:schemeClr>
+    </dgm:fillClrLst>
+    <dgm:linClrLst meth="repeat">
+      <a:schemeClr val="accent1">
+        <a:alpha val="90000"/>
+        <a:tint val="40000"/>
+      </a:schemeClr>
+    </dgm:linClrLst>
+    <dgm:effectClrLst/>
+    <dgm:txLinClrLst/>
+    <dgm:txFillClrLst meth="repeat">
+      <a:schemeClr val="dk1"/>
+    </dgm:txFillClrLst>
+    <dgm:txEffectClrLst/>
+  </dgm:styleLbl>
+  <dgm:styleLbl name="fgAcc0">
+    <dgm:fillClrLst meth="repeat">
+      <a:schemeClr val="lt1">
+        <a:alpha val="90000"/>
+      </a:schemeClr>
+    </dgm:fillClrLst>
+    <dgm:linClrLst meth="repeat">
+      <a:schemeClr val="accent1"/>
+    </dgm:linClrLst>
+    <dgm:effectClrLst/>
+    <dgm:txLinClrLst/>
+    <dgm:txFillClrLst meth="repeat">
+      <a:schemeClr val="dk1"/>
+    </dgm:txFillClrLst>
+    <dgm:txEffectClrLst/>
+  </dgm:styleLbl>
+  <dgm:styleLbl name="fgAcc2">
+    <dgm:fillClrLst meth="repeat">
+      <a:schemeClr val="lt1">
+        <a:alpha val="90000"/>
+      </a:schemeClr>
+    </dgm:fillClrLst>
+    <dgm:linClrLst meth="repeat">
+      <a:schemeClr val="accent1"/>
+    </dgm:linClrLst>
+    <dgm:effectClrLst/>
+    <dgm:txLinClrLst/>
+    <dgm:txFillClrLst meth="repeat">
+      <a:schemeClr val="dk1"/>
+    </dgm:txFillClrLst>
+    <dgm:txEffectClrLst/>
+  </dgm:styleLbl>
+  <dgm:styleLbl name="fgAcc3">
+    <dgm:fillClrLst meth="repeat">
+      <a:schemeClr val="lt1">
+        <a:alpha val="90000"/>
+      </a:schemeClr>
+    </dgm:fillClrLst>
+    <dgm:linClrLst meth="repeat">
+      <a:schemeClr val="accent1"/>
+    </dgm:linClrLst>
+    <dgm:effectClrLst/>
+    <dgm:txLinClrLst/>
+    <dgm:txFillClrLst meth="repeat">
+      <a:schemeClr val="dk1"/>
+    </dgm:txFillClrLst>
+    <dgm:txEffectClrLst/>
+  </dgm:styleLbl>
+  <dgm:styleLbl name="fgAcc4">
+    <dgm:fillClrLst meth="repeat">
+      <a:schemeClr val="lt1">
+        <a:alpha val="90000"/>
+      </a:schemeClr>
+    </dgm:fillClrLst>
+    <dgm:linClrLst meth="repeat">
+      <a:schemeClr val="accent1"/>
+    </dgm:linClrLst>
+    <dgm:effectClrLst/>
+    <dgm:txLinClrLst/>
+    <dgm:txFillClrLst meth="repeat">
+      <a:schemeClr val="dk1"/>
+    </dgm:txFillClrLst>
+    <dgm:txEffectClrLst/>
+  </dgm:styleLbl>
+  <dgm:styleLbl name="bgShp">
+    <dgm:fillClrLst meth="repeat">
+      <a:schemeClr val="accent1">
+        <a:tint val="40000"/>
+      </a:schemeClr>
+    </dgm:fillClrLst>
+    <dgm:linClrLst meth="repeat">
+      <a:schemeClr val="accent1"/>
+    </dgm:linClrLst>
+    <dgm:effectClrLst/>
+    <dgm:txLinClrLst/>
+    <dgm:txFillClrLst meth="repeat">
+      <a:schemeClr val="dk1"/>
+    </dgm:txFillClrLst>
+    <dgm:txEffectClrLst/>
+  </dgm:styleLbl>
+  <dgm:styleLbl name="dkBgShp">
+    <dgm:fillClrLst meth="repeat">
+      <a:schemeClr val="accent1">
+        <a:shade val="80000"/>
+      </a:schemeClr>
+    </dgm:fillClrLst>
+    <dgm:linClrLst meth="repeat">
+      <a:schemeClr val="accent1"/>
+    </dgm:linClrLst>
+    <dgm:effectClrLst/>
+    <dgm:txLinClrLst/>
+    <dgm:txFillClrLst meth="repeat">
+      <a:schemeClr val="lt1"/>
+    </dgm:txFillClrLst>
+    <dgm:txEffectClrLst/>
+  </dgm:styleLbl>
+  <dgm:styleLbl name="trBgShp">
+    <dgm:fillClrLst meth="repeat">
+      <a:schemeClr val="accent1">
+        <a:tint val="50000"/>
+        <a:alpha val="40000"/>
+      </a:schemeClr>
+    </dgm:fillClrLst>
+    <dgm:linClrLst meth="repeat">
+      <a:schemeClr val="accent1"/>
+    </dgm:linClrLst>
+    <dgm:effectClrLst/>
+    <dgm:txLinClrLst/>
+    <dgm:txFillClrLst meth="repeat">
+      <a:schemeClr val="lt1"/>
+    </dgm:txFillClrLst>
+    <dgm:txEffectClrLst/>
+  </dgm:styleLbl>
+  <dgm:styleLbl name="fgShp">
+    <dgm:fillClrLst meth="repeat">
+      <a:schemeClr val="accent1">
+        <a:tint val="60000"/>
+      </a:schemeClr>
+    </dgm:fillClrLst>
+    <dgm:linClrLst meth="repeat">
+      <a:schemeClr val="lt1"/>
+    </dgm:linClrLst>
+    <dgm:effectClrLst/>
+    <dgm:txLinClrLst/>
+    <dgm:txFillClrLst meth="repeat">
+      <a:schemeClr val="dk1"/>
+    </dgm:txFillClrLst>
+    <dgm:txEffectClrLst/>
+  </dgm:styleLbl>
+  <dgm:styleLbl name="revTx">
+    <dgm:fillClrLst meth="repeat">
+      <a:schemeClr val="lt1">
+        <a:alpha val="0"/>
+      </a:schemeClr>
+    </dgm:fillClrLst>
+    <dgm:linClrLst meth="repeat">
+      <a:schemeClr val="dk1">
+        <a:alpha val="0"/>
+      </a:schemeClr>
+    </dgm:linClrLst>
+    <dgm:effectClrLst/>
+    <dgm:txLinClrLst/>
+    <dgm:txFillClrLst meth="repeat">
+      <a:schemeClr val="tx1"/>
+    </dgm:txFillClrLst>
+    <dgm:txEffectClrLst/>
+  </dgm:styleLbl>
+</dgm:colorsDef>
+</file>
+
+<file path=ppt/diagrams/data1.xml><?xml version="1.0" encoding="utf-8"?>
+<dgm:dataModel xmlns:dgm="http://schemas.openxmlformats.org/drawingml/2006/diagram" xmlns:a="http://schemas.openxmlformats.org/drawingml/2006/main">
+  <dgm:ptLst>
+    <dgm:pt modelId="{AF72F1B2-BC9A-4183-9C5C-E7B6C0A496FD}" type="doc">
+      <dgm:prSet loTypeId="urn:microsoft.com/office/officeart/2005/8/layout/vList2" loCatId="list" qsTypeId="urn:microsoft.com/office/officeart/2005/8/quickstyle/simple1" qsCatId="simple" csTypeId="urn:microsoft.com/office/officeart/2005/8/colors/accent1_2" csCatId="accent1" phldr="1"/>
+      <dgm:spPr/>
+      <dgm:t>
+        <a:bodyPr/>
+        <a:lstStyle/>
+        <a:p>
+          <a:endParaRPr lang="en-GB"/>
+        </a:p>
+      </dgm:t>
+    </dgm:pt>
+    <dgm:pt modelId="{23C0F704-0F71-4287-84C9-ACE3A20F8FC4}">
+      <dgm:prSet custT="1"/>
+      <dgm:spPr/>
+      <dgm:t>
+        <a:bodyPr/>
+        <a:lstStyle/>
+        <a:p>
+          <a:r>
+            <a:rPr lang="en-US" sz="2200" dirty="0"/>
+            <a:t>1. Retrieve Official Medical Registry Periodically</a:t>
+          </a:r>
+          <a:endParaRPr lang="en-GB" sz="2200" dirty="0"/>
+        </a:p>
+      </dgm:t>
+    </dgm:pt>
+    <dgm:pt modelId="{B1B35BA0-1A38-4FC2-A9B9-30EDC3197290}" type="parTrans" cxnId="{DE79A0DB-F381-4A02-A686-761F740E323B}">
+      <dgm:prSet/>
+      <dgm:spPr/>
+      <dgm:t>
+        <a:bodyPr/>
+        <a:lstStyle/>
+        <a:p>
+          <a:endParaRPr lang="en-GB"/>
+        </a:p>
+      </dgm:t>
+    </dgm:pt>
+    <dgm:pt modelId="{6A32B928-D67A-454B-9489-6B66E4A2AE0B}" type="sibTrans" cxnId="{DE79A0DB-F381-4A02-A686-761F740E323B}">
+      <dgm:prSet/>
+      <dgm:spPr/>
+      <dgm:t>
+        <a:bodyPr/>
+        <a:lstStyle/>
+        <a:p>
+          <a:endParaRPr lang="en-GB"/>
+        </a:p>
+      </dgm:t>
+    </dgm:pt>
+    <dgm:pt modelId="{DEA76871-F657-4082-9A15-E4F59F6DC88E}">
+      <dgm:prSet custT="1"/>
+      <dgm:spPr/>
+      <dgm:t>
+        <a:bodyPr/>
+        <a:lstStyle/>
+        <a:p>
+          <a:r>
+            <a:rPr lang="en-GB" sz="1800" dirty="0"/>
+            <a:t>Download the latest registered provider list from the official medical authority (daily/weekly)</a:t>
+          </a:r>
+        </a:p>
+      </dgm:t>
+    </dgm:pt>
+    <dgm:pt modelId="{BB435129-B0F2-42F0-9020-20D5A927F00C}" type="parTrans" cxnId="{82B8E5A6-746F-480E-AF82-1BA35726329C}">
+      <dgm:prSet/>
+      <dgm:spPr/>
+      <dgm:t>
+        <a:bodyPr/>
+        <a:lstStyle/>
+        <a:p>
+          <a:endParaRPr lang="en-GB"/>
+        </a:p>
+      </dgm:t>
+    </dgm:pt>
+    <dgm:pt modelId="{A6DACD0A-0C18-40A9-AACA-844212756DBF}" type="sibTrans" cxnId="{82B8E5A6-746F-480E-AF82-1BA35726329C}">
+      <dgm:prSet/>
+      <dgm:spPr/>
+      <dgm:t>
+        <a:bodyPr/>
+        <a:lstStyle/>
+        <a:p>
+          <a:endParaRPr lang="en-GB"/>
+        </a:p>
+      </dgm:t>
+    </dgm:pt>
+    <dgm:pt modelId="{5391143F-3CAD-4968-9590-BDA76B5A6C6A}">
+      <dgm:prSet custT="1"/>
+      <dgm:spPr/>
+      <dgm:t>
+        <a:bodyPr/>
+        <a:lstStyle/>
+        <a:p>
+          <a:r>
+            <a:rPr lang="en-GB" sz="2200" dirty="0"/>
+            <a:t>2. Reconcile Entire Internal Provider List</a:t>
+          </a:r>
+        </a:p>
+      </dgm:t>
+    </dgm:pt>
+    <dgm:pt modelId="{1A181EA8-05FD-49BB-AD68-A1E630BED8F4}" type="parTrans" cxnId="{748F3867-D0BC-4F84-AE87-9B7E564F6E23}">
+      <dgm:prSet/>
+      <dgm:spPr/>
+      <dgm:t>
+        <a:bodyPr/>
+        <a:lstStyle/>
+        <a:p>
+          <a:endParaRPr lang="en-GB"/>
+        </a:p>
+      </dgm:t>
+    </dgm:pt>
+    <dgm:pt modelId="{86EC2B25-ADB3-4377-9BE6-2431A8647464}" type="sibTrans" cxnId="{748F3867-D0BC-4F84-AE87-9B7E564F6E23}">
+      <dgm:prSet/>
+      <dgm:spPr/>
+      <dgm:t>
+        <a:bodyPr/>
+        <a:lstStyle/>
+        <a:p>
+          <a:endParaRPr lang="en-GB"/>
+        </a:p>
+      </dgm:t>
+    </dgm:pt>
+    <dgm:pt modelId="{35E5C449-1353-47CA-8AEA-F52F2B887F67}">
+      <dgm:prSet custT="1"/>
+      <dgm:spPr/>
+      <dgm:t>
+        <a:bodyPr/>
+        <a:lstStyle/>
+        <a:p>
+          <a:r>
+            <a:rPr lang="en-GB" sz="1800" dirty="0"/>
+            <a:t>Perform automated comparison between the internal provider list and official registry</a:t>
+          </a:r>
+        </a:p>
+      </dgm:t>
+    </dgm:pt>
+    <dgm:pt modelId="{40C1B47E-5E28-4F43-AFE3-1FC45D9B9FE2}" type="parTrans" cxnId="{EFFEE83E-B8F3-420E-AA30-B29A88C435F0}">
+      <dgm:prSet/>
+      <dgm:spPr/>
+      <dgm:t>
+        <a:bodyPr/>
+        <a:lstStyle/>
+        <a:p>
+          <a:endParaRPr lang="en-GB"/>
+        </a:p>
+      </dgm:t>
+    </dgm:pt>
+    <dgm:pt modelId="{0DD0F408-487D-40E0-A294-1049859B96EB}" type="sibTrans" cxnId="{EFFEE83E-B8F3-420E-AA30-B29A88C435F0}">
+      <dgm:prSet/>
+      <dgm:spPr/>
+      <dgm:t>
+        <a:bodyPr/>
+        <a:lstStyle/>
+        <a:p>
+          <a:endParaRPr lang="en-GB"/>
+        </a:p>
+      </dgm:t>
+    </dgm:pt>
+    <dgm:pt modelId="{75939562-C762-4A16-9E48-3A2CB9D37433}">
+      <dgm:prSet custT="1"/>
+      <dgm:spPr/>
+      <dgm:t>
+        <a:bodyPr/>
+        <a:lstStyle/>
+        <a:p>
+          <a:r>
+            <a:rPr lang="en-GB" sz="2200" dirty="0"/>
+            <a:t>3. Identify and Flag Discrepancies</a:t>
+          </a:r>
+        </a:p>
+      </dgm:t>
+    </dgm:pt>
+    <dgm:pt modelId="{D5FBBE52-D9C3-434F-A318-2E2292587F46}" type="parTrans" cxnId="{AE043733-E04F-4F9C-8C32-70015DAE9A14}">
+      <dgm:prSet/>
+      <dgm:spPr/>
+      <dgm:t>
+        <a:bodyPr/>
+        <a:lstStyle/>
+        <a:p>
+          <a:endParaRPr lang="en-GB"/>
+        </a:p>
+      </dgm:t>
+    </dgm:pt>
+    <dgm:pt modelId="{D8F4099F-5548-4E63-B4ED-C0034940E65F}" type="sibTrans" cxnId="{AE043733-E04F-4F9C-8C32-70015DAE9A14}">
+      <dgm:prSet/>
+      <dgm:spPr/>
+      <dgm:t>
+        <a:bodyPr/>
+        <a:lstStyle/>
+        <a:p>
+          <a:endParaRPr lang="en-GB"/>
+        </a:p>
+      </dgm:t>
+    </dgm:pt>
+    <dgm:pt modelId="{94C324DB-28BB-4568-962F-5843D0530B81}">
+      <dgm:prSet custT="1"/>
+      <dgm:spPr/>
+      <dgm:t>
+        <a:bodyPr/>
+        <a:lstStyle/>
+        <a:p>
+          <a:r>
+            <a:rPr lang="en-GB" sz="1800" dirty="0"/>
+            <a:t>Flag providers where:</a:t>
+          </a:r>
+        </a:p>
+      </dgm:t>
+    </dgm:pt>
+    <dgm:pt modelId="{726E76C6-DE70-4552-B851-B8600420101B}" type="parTrans" cxnId="{0B0394BF-A179-4665-992A-5E5CD9D4A3E9}">
+      <dgm:prSet/>
+      <dgm:spPr/>
+      <dgm:t>
+        <a:bodyPr/>
+        <a:lstStyle/>
+        <a:p>
+          <a:endParaRPr lang="en-GB"/>
+        </a:p>
+      </dgm:t>
+    </dgm:pt>
+    <dgm:pt modelId="{445D7A4A-F6FA-45A8-AB75-ADF1E0983526}" type="sibTrans" cxnId="{0B0394BF-A179-4665-992A-5E5CD9D4A3E9}">
+      <dgm:prSet/>
+      <dgm:spPr/>
+      <dgm:t>
+        <a:bodyPr/>
+        <a:lstStyle/>
+        <a:p>
+          <a:endParaRPr lang="en-GB"/>
+        </a:p>
+      </dgm:t>
+    </dgm:pt>
+    <dgm:pt modelId="{E1FFD5BC-8DD4-4B60-B977-F30F37D352CE}">
+      <dgm:prSet custT="1"/>
+      <dgm:spPr/>
+      <dgm:t>
+        <a:bodyPr/>
+        <a:lstStyle/>
+        <a:p>
+          <a:r>
+            <a:rPr lang="en-GB" sz="1800" dirty="0"/>
+            <a:t>Provider not found in official registry </a:t>
+          </a:r>
+        </a:p>
+      </dgm:t>
+    </dgm:pt>
+    <dgm:pt modelId="{D5155580-BAA9-4FF2-B8A5-23F6C8638921}" type="parTrans" cxnId="{8C5B8146-6694-4640-A9D9-6FA4974C2531}">
+      <dgm:prSet/>
+      <dgm:spPr/>
+      <dgm:t>
+        <a:bodyPr/>
+        <a:lstStyle/>
+        <a:p>
+          <a:endParaRPr lang="en-GB"/>
+        </a:p>
+      </dgm:t>
+    </dgm:pt>
+    <dgm:pt modelId="{926FDBBB-DB96-488A-AA7E-68FCED98C9C1}" type="sibTrans" cxnId="{8C5B8146-6694-4640-A9D9-6FA4974C2531}">
+      <dgm:prSet/>
+      <dgm:spPr/>
+      <dgm:t>
+        <a:bodyPr/>
+        <a:lstStyle/>
+        <a:p>
+          <a:endParaRPr lang="en-GB"/>
+        </a:p>
+      </dgm:t>
+    </dgm:pt>
+    <dgm:pt modelId="{B433A020-31BE-41DE-AD5C-CC63054D7AB4}">
+      <dgm:prSet custT="1"/>
+      <dgm:spPr/>
+      <dgm:t>
+        <a:bodyPr/>
+        <a:lstStyle/>
+        <a:p>
+          <a:r>
+            <a:rPr lang="en-GB" sz="1800" dirty="0"/>
+            <a:t>Registration status changed (e.g. suspended, expired, deregistered)</a:t>
+          </a:r>
+        </a:p>
+      </dgm:t>
+    </dgm:pt>
+    <dgm:pt modelId="{176F3136-3322-466A-B99E-98C897FA19C8}" type="parTrans" cxnId="{80DE181E-95DC-4E31-B9ED-75A3E91925E1}">
+      <dgm:prSet/>
+      <dgm:spPr/>
+      <dgm:t>
+        <a:bodyPr/>
+        <a:lstStyle/>
+        <a:p>
+          <a:endParaRPr lang="en-GB"/>
+        </a:p>
+      </dgm:t>
+    </dgm:pt>
+    <dgm:pt modelId="{60561AF6-3AC8-4BDA-9C05-6294DE119C86}" type="sibTrans" cxnId="{80DE181E-95DC-4E31-B9ED-75A3E91925E1}">
+      <dgm:prSet/>
+      <dgm:spPr/>
+      <dgm:t>
+        <a:bodyPr/>
+        <a:lstStyle/>
+        <a:p>
+          <a:endParaRPr lang="en-GB"/>
+        </a:p>
+      </dgm:t>
+    </dgm:pt>
+    <dgm:pt modelId="{4C3B8F69-A3AF-428B-965B-E11F01F1EC22}">
+      <dgm:prSet custT="1"/>
+      <dgm:spPr/>
+      <dgm:t>
+        <a:bodyPr/>
+        <a:lstStyle/>
+        <a:p>
+          <a:endParaRPr lang="en-GB" sz="1800" dirty="0"/>
+        </a:p>
+      </dgm:t>
+    </dgm:pt>
+    <dgm:pt modelId="{3D5D1BC9-1732-4B5F-87DC-222968FB6A76}" type="parTrans" cxnId="{42AFD2AF-5002-4D46-A596-CAEF7CDEAA8E}">
+      <dgm:prSet/>
+      <dgm:spPr/>
+      <dgm:t>
+        <a:bodyPr/>
+        <a:lstStyle/>
+        <a:p>
+          <a:endParaRPr lang="en-GB"/>
+        </a:p>
+      </dgm:t>
+    </dgm:pt>
+    <dgm:pt modelId="{96FA5B32-05EB-4F65-AE77-8129D580AE58}" type="sibTrans" cxnId="{42AFD2AF-5002-4D46-A596-CAEF7CDEAA8E}">
+      <dgm:prSet/>
+      <dgm:spPr/>
+      <dgm:t>
+        <a:bodyPr/>
+        <a:lstStyle/>
+        <a:p>
+          <a:endParaRPr lang="en-GB"/>
+        </a:p>
+      </dgm:t>
+    </dgm:pt>
+    <dgm:pt modelId="{458F09F0-7B76-4600-9F45-6D3AAA126ED7}" type="pres">
+      <dgm:prSet presAssocID="{AF72F1B2-BC9A-4183-9C5C-E7B6C0A496FD}" presName="linear" presStyleCnt="0">
+        <dgm:presLayoutVars>
+          <dgm:animLvl val="lvl"/>
+          <dgm:resizeHandles val="exact"/>
+        </dgm:presLayoutVars>
+      </dgm:prSet>
+      <dgm:spPr/>
+    </dgm:pt>
+    <dgm:pt modelId="{9DF24910-F2B3-4A40-B3FB-2B06AE81A9C7}" type="pres">
+      <dgm:prSet presAssocID="{23C0F704-0F71-4287-84C9-ACE3A20F8FC4}" presName="parentText" presStyleLbl="node1" presStyleIdx="0" presStyleCnt="3">
+        <dgm:presLayoutVars>
+          <dgm:chMax val="0"/>
+          <dgm:bulletEnabled val="1"/>
+        </dgm:presLayoutVars>
+      </dgm:prSet>
+      <dgm:spPr/>
+    </dgm:pt>
+    <dgm:pt modelId="{28ED37E8-D1C4-4124-BEE1-2C3A05A85DC0}" type="pres">
+      <dgm:prSet presAssocID="{23C0F704-0F71-4287-84C9-ACE3A20F8FC4}" presName="childText" presStyleLbl="revTx" presStyleIdx="0" presStyleCnt="3">
+        <dgm:presLayoutVars>
+          <dgm:bulletEnabled val="1"/>
+        </dgm:presLayoutVars>
+      </dgm:prSet>
+      <dgm:spPr/>
+    </dgm:pt>
+    <dgm:pt modelId="{EC646298-8F3A-4CED-9852-67DF7E52E49B}" type="pres">
+      <dgm:prSet presAssocID="{5391143F-3CAD-4968-9590-BDA76B5A6C6A}" presName="parentText" presStyleLbl="node1" presStyleIdx="1" presStyleCnt="3">
+        <dgm:presLayoutVars>
+          <dgm:chMax val="0"/>
+          <dgm:bulletEnabled val="1"/>
+        </dgm:presLayoutVars>
+      </dgm:prSet>
+      <dgm:spPr/>
+    </dgm:pt>
+    <dgm:pt modelId="{601518BE-0DF1-4F07-92C6-85835E7F59CA}" type="pres">
+      <dgm:prSet presAssocID="{5391143F-3CAD-4968-9590-BDA76B5A6C6A}" presName="childText" presStyleLbl="revTx" presStyleIdx="1" presStyleCnt="3">
+        <dgm:presLayoutVars>
+          <dgm:bulletEnabled val="1"/>
+        </dgm:presLayoutVars>
+      </dgm:prSet>
+      <dgm:spPr/>
+    </dgm:pt>
+    <dgm:pt modelId="{1B86791A-5AEE-4E24-B0F1-FBF6616DB5DD}" type="pres">
+      <dgm:prSet presAssocID="{75939562-C762-4A16-9E48-3A2CB9D37433}" presName="parentText" presStyleLbl="node1" presStyleIdx="2" presStyleCnt="3">
+        <dgm:presLayoutVars>
+          <dgm:chMax val="0"/>
+          <dgm:bulletEnabled val="1"/>
+        </dgm:presLayoutVars>
+      </dgm:prSet>
+      <dgm:spPr/>
+    </dgm:pt>
+    <dgm:pt modelId="{CEEDDDCB-A1C6-42A4-AC81-0E4BE0D9E449}" type="pres">
+      <dgm:prSet presAssocID="{75939562-C762-4A16-9E48-3A2CB9D37433}" presName="childText" presStyleLbl="revTx" presStyleIdx="2" presStyleCnt="3">
+        <dgm:presLayoutVars>
+          <dgm:bulletEnabled val="1"/>
+        </dgm:presLayoutVars>
+      </dgm:prSet>
+      <dgm:spPr/>
+    </dgm:pt>
+  </dgm:ptLst>
+  <dgm:cxnLst>
+    <dgm:cxn modelId="{7AB71E16-39F0-428B-9341-FA70BB3F8E24}" type="presOf" srcId="{23C0F704-0F71-4287-84C9-ACE3A20F8FC4}" destId="{9DF24910-F2B3-4A40-B3FB-2B06AE81A9C7}" srcOrd="0" destOrd="0" presId="urn:microsoft.com/office/officeart/2005/8/layout/vList2"/>
+    <dgm:cxn modelId="{80DE181E-95DC-4E31-B9ED-75A3E91925E1}" srcId="{75939562-C762-4A16-9E48-3A2CB9D37433}" destId="{B433A020-31BE-41DE-AD5C-CC63054D7AB4}" srcOrd="2" destOrd="0" parTransId="{176F3136-3322-466A-B99E-98C897FA19C8}" sibTransId="{60561AF6-3AC8-4BDA-9C05-6294DE119C86}"/>
+    <dgm:cxn modelId="{C12EF725-EA68-4901-9FCA-D08C53A1231F}" type="presOf" srcId="{DEA76871-F657-4082-9A15-E4F59F6DC88E}" destId="{28ED37E8-D1C4-4124-BEE1-2C3A05A85DC0}" srcOrd="0" destOrd="0" presId="urn:microsoft.com/office/officeart/2005/8/layout/vList2"/>
+    <dgm:cxn modelId="{F1C3902D-EE72-47EF-BDCD-0618D69C531F}" type="presOf" srcId="{75939562-C762-4A16-9E48-3A2CB9D37433}" destId="{1B86791A-5AEE-4E24-B0F1-FBF6616DB5DD}" srcOrd="0" destOrd="0" presId="urn:microsoft.com/office/officeart/2005/8/layout/vList2"/>
+    <dgm:cxn modelId="{AE043733-E04F-4F9C-8C32-70015DAE9A14}" srcId="{AF72F1B2-BC9A-4183-9C5C-E7B6C0A496FD}" destId="{75939562-C762-4A16-9E48-3A2CB9D37433}" srcOrd="2" destOrd="0" parTransId="{D5FBBE52-D9C3-434F-A318-2E2292587F46}" sibTransId="{D8F4099F-5548-4E63-B4ED-C0034940E65F}"/>
+    <dgm:cxn modelId="{EFFEE83E-B8F3-420E-AA30-B29A88C435F0}" srcId="{5391143F-3CAD-4968-9590-BDA76B5A6C6A}" destId="{35E5C449-1353-47CA-8AEA-F52F2B887F67}" srcOrd="0" destOrd="0" parTransId="{40C1B47E-5E28-4F43-AFE3-1FC45D9B9FE2}" sibTransId="{0DD0F408-487D-40E0-A294-1049859B96EB}"/>
+    <dgm:cxn modelId="{3FB0705D-C906-4029-9ADE-150C63860E83}" type="presOf" srcId="{4C3B8F69-A3AF-428B-965B-E11F01F1EC22}" destId="{28ED37E8-D1C4-4124-BEE1-2C3A05A85DC0}" srcOrd="0" destOrd="1" presId="urn:microsoft.com/office/officeart/2005/8/layout/vList2"/>
+    <dgm:cxn modelId="{8C5B8146-6694-4640-A9D9-6FA4974C2531}" srcId="{75939562-C762-4A16-9E48-3A2CB9D37433}" destId="{E1FFD5BC-8DD4-4B60-B977-F30F37D352CE}" srcOrd="1" destOrd="0" parTransId="{D5155580-BAA9-4FF2-B8A5-23F6C8638921}" sibTransId="{926FDBBB-DB96-488A-AA7E-68FCED98C9C1}"/>
+    <dgm:cxn modelId="{748F3867-D0BC-4F84-AE87-9B7E564F6E23}" srcId="{AF72F1B2-BC9A-4183-9C5C-E7B6C0A496FD}" destId="{5391143F-3CAD-4968-9590-BDA76B5A6C6A}" srcOrd="1" destOrd="0" parTransId="{1A181EA8-05FD-49BB-AD68-A1E630BED8F4}" sibTransId="{86EC2B25-ADB3-4377-9BE6-2431A8647464}"/>
+    <dgm:cxn modelId="{9B3B1549-8898-439F-91B9-F5C37B309870}" type="presOf" srcId="{E1FFD5BC-8DD4-4B60-B977-F30F37D352CE}" destId="{CEEDDDCB-A1C6-42A4-AC81-0E4BE0D9E449}" srcOrd="0" destOrd="1" presId="urn:microsoft.com/office/officeart/2005/8/layout/vList2"/>
+    <dgm:cxn modelId="{77CD076B-C366-4D12-B4F5-1BCBA17A21AD}" type="presOf" srcId="{5391143F-3CAD-4968-9590-BDA76B5A6C6A}" destId="{EC646298-8F3A-4CED-9852-67DF7E52E49B}" srcOrd="0" destOrd="0" presId="urn:microsoft.com/office/officeart/2005/8/layout/vList2"/>
+    <dgm:cxn modelId="{BE6E0980-4CCF-4216-986A-B06A20A101C3}" type="presOf" srcId="{B433A020-31BE-41DE-AD5C-CC63054D7AB4}" destId="{CEEDDDCB-A1C6-42A4-AC81-0E4BE0D9E449}" srcOrd="0" destOrd="2" presId="urn:microsoft.com/office/officeart/2005/8/layout/vList2"/>
+    <dgm:cxn modelId="{302E3189-5A47-424E-A8DE-3ADF147317E2}" type="presOf" srcId="{35E5C449-1353-47CA-8AEA-F52F2B887F67}" destId="{601518BE-0DF1-4F07-92C6-85835E7F59CA}" srcOrd="0" destOrd="0" presId="urn:microsoft.com/office/officeart/2005/8/layout/vList2"/>
+    <dgm:cxn modelId="{2A558E8A-6995-442D-9F38-7B628691BE7E}" type="presOf" srcId="{94C324DB-28BB-4568-962F-5843D0530B81}" destId="{CEEDDDCB-A1C6-42A4-AC81-0E4BE0D9E449}" srcOrd="0" destOrd="0" presId="urn:microsoft.com/office/officeart/2005/8/layout/vList2"/>
+    <dgm:cxn modelId="{82B8E5A6-746F-480E-AF82-1BA35726329C}" srcId="{23C0F704-0F71-4287-84C9-ACE3A20F8FC4}" destId="{DEA76871-F657-4082-9A15-E4F59F6DC88E}" srcOrd="0" destOrd="0" parTransId="{BB435129-B0F2-42F0-9020-20D5A927F00C}" sibTransId="{A6DACD0A-0C18-40A9-AACA-844212756DBF}"/>
+    <dgm:cxn modelId="{42AFD2AF-5002-4D46-A596-CAEF7CDEAA8E}" srcId="{23C0F704-0F71-4287-84C9-ACE3A20F8FC4}" destId="{4C3B8F69-A3AF-428B-965B-E11F01F1EC22}" srcOrd="1" destOrd="0" parTransId="{3D5D1BC9-1732-4B5F-87DC-222968FB6A76}" sibTransId="{96FA5B32-05EB-4F65-AE77-8129D580AE58}"/>
+    <dgm:cxn modelId="{0B0394BF-A179-4665-992A-5E5CD9D4A3E9}" srcId="{75939562-C762-4A16-9E48-3A2CB9D37433}" destId="{94C324DB-28BB-4568-962F-5843D0530B81}" srcOrd="0" destOrd="0" parTransId="{726E76C6-DE70-4552-B851-B8600420101B}" sibTransId="{445D7A4A-F6FA-45A8-AB75-ADF1E0983526}"/>
+    <dgm:cxn modelId="{DE79A0DB-F381-4A02-A686-761F740E323B}" srcId="{AF72F1B2-BC9A-4183-9C5C-E7B6C0A496FD}" destId="{23C0F704-0F71-4287-84C9-ACE3A20F8FC4}" srcOrd="0" destOrd="0" parTransId="{B1B35BA0-1A38-4FC2-A9B9-30EDC3197290}" sibTransId="{6A32B928-D67A-454B-9489-6B66E4A2AE0B}"/>
+    <dgm:cxn modelId="{97D4F3DC-3C14-421A-B6EC-4A6759F212F8}" type="presOf" srcId="{AF72F1B2-BC9A-4183-9C5C-E7B6C0A496FD}" destId="{458F09F0-7B76-4600-9F45-6D3AAA126ED7}" srcOrd="0" destOrd="0" presId="urn:microsoft.com/office/officeart/2005/8/layout/vList2"/>
+    <dgm:cxn modelId="{E491C051-118F-4C27-AD92-86580480121E}" type="presParOf" srcId="{458F09F0-7B76-4600-9F45-6D3AAA126ED7}" destId="{9DF24910-F2B3-4A40-B3FB-2B06AE81A9C7}" srcOrd="0" destOrd="0" presId="urn:microsoft.com/office/officeart/2005/8/layout/vList2"/>
+    <dgm:cxn modelId="{A0003884-1C0E-47E6-A0C0-720188C0DDFF}" type="presParOf" srcId="{458F09F0-7B76-4600-9F45-6D3AAA126ED7}" destId="{28ED37E8-D1C4-4124-BEE1-2C3A05A85DC0}" srcOrd="1" destOrd="0" presId="urn:microsoft.com/office/officeart/2005/8/layout/vList2"/>
+    <dgm:cxn modelId="{9280F1EC-F0A5-4BEF-8294-7E32FCAE16D0}" type="presParOf" srcId="{458F09F0-7B76-4600-9F45-6D3AAA126ED7}" destId="{EC646298-8F3A-4CED-9852-67DF7E52E49B}" srcOrd="2" destOrd="0" presId="urn:microsoft.com/office/officeart/2005/8/layout/vList2"/>
+    <dgm:cxn modelId="{A4A1CC4C-D6AB-4D12-9C3A-70B529A935C5}" type="presParOf" srcId="{458F09F0-7B76-4600-9F45-6D3AAA126ED7}" destId="{601518BE-0DF1-4F07-92C6-85835E7F59CA}" srcOrd="3" destOrd="0" presId="urn:microsoft.com/office/officeart/2005/8/layout/vList2"/>
+    <dgm:cxn modelId="{B546ADBB-9A87-43C5-8523-054D59DE2B7A}" type="presParOf" srcId="{458F09F0-7B76-4600-9F45-6D3AAA126ED7}" destId="{1B86791A-5AEE-4E24-B0F1-FBF6616DB5DD}" srcOrd="4" destOrd="0" presId="urn:microsoft.com/office/officeart/2005/8/layout/vList2"/>
+    <dgm:cxn modelId="{1C9D18D4-2440-4A36-902A-7B6B003DBE01}" type="presParOf" srcId="{458F09F0-7B76-4600-9F45-6D3AAA126ED7}" destId="{CEEDDDCB-A1C6-42A4-AC81-0E4BE0D9E449}" srcOrd="5" destOrd="0" presId="urn:microsoft.com/office/officeart/2005/8/layout/vList2"/>
+  </dgm:cxnLst>
+  <dgm:bg/>
+  <dgm:whole/>
+  <dgm:extLst>
+    <a:ext uri="http://schemas.microsoft.com/office/drawing/2008/diagram">
+      <dsp:dataModelExt xmlns:dsp="http://schemas.microsoft.com/office/drawing/2008/diagram" relId="rId6" minVer="http://schemas.openxmlformats.org/drawingml/2006/diagram"/>
+    </a:ext>
+  </dgm:extLst>
+</dgm:dataModel>
+</file>
+
+<file path=ppt/diagrams/drawing1.xml><?xml version="1.0" encoding="utf-8"?>
+<dsp:drawing xmlns:dgm="http://schemas.openxmlformats.org/drawingml/2006/diagram" xmlns:dsp="http://schemas.microsoft.com/office/drawing/2008/diagram" xmlns:a="http://schemas.openxmlformats.org/drawingml/2006/main">
+  <dsp:spTree>
+    <dsp:nvGrpSpPr>
+      <dsp:cNvPr id="0" name=""/>
+      <dsp:cNvGrpSpPr/>
+    </dsp:nvGrpSpPr>
+    <dsp:grpSpPr/>
+    <dsp:sp modelId="{9DF24910-F2B3-4A40-B3FB-2B06AE81A9C7}">
+      <dsp:nvSpPr>
+        <dsp:cNvPr id="0" name=""/>
+        <dsp:cNvSpPr/>
+      </dsp:nvSpPr>
+      <dsp:spPr>
+        <a:xfrm>
+          <a:off x="0" y="13299"/>
+          <a:ext cx="9241200" cy="655200"/>
+        </a:xfrm>
+        <a:prstGeom prst="roundRect">
+          <a:avLst/>
+        </a:prstGeom>
+        <a:solidFill>
+          <a:schemeClr val="accent1">
+            <a:hueOff val="0"/>
+            <a:satOff val="0"/>
+            <a:lumOff val="0"/>
+            <a:alphaOff val="0"/>
+          </a:schemeClr>
+        </a:solidFill>
+        <a:ln w="25400" cap="flat" cmpd="sng" algn="ctr">
+          <a:solidFill>
+            <a:schemeClr val="lt1">
+              <a:hueOff val="0"/>
+              <a:satOff val="0"/>
+              <a:lumOff val="0"/>
+              <a:alphaOff val="0"/>
+            </a:schemeClr>
+          </a:solidFill>
+          <a:prstDash val="solid"/>
+        </a:ln>
+        <a:effectLst/>
+      </dsp:spPr>
+      <dsp:style>
+        <a:lnRef idx="2">
+          <a:scrgbClr r="0" g="0" b="0"/>
+        </a:lnRef>
+        <a:fillRef idx="1">
+          <a:scrgbClr r="0" g="0" b="0"/>
+        </a:fillRef>
+        <a:effectRef idx="0">
+          <a:scrgbClr r="0" g="0" b="0"/>
+        </a:effectRef>
+        <a:fontRef idx="minor">
+          <a:schemeClr val="lt1"/>
+        </a:fontRef>
+      </dsp:style>
+      <dsp:txBody>
+        <a:bodyPr spcFirstLastPara="0" vert="horz" wrap="square" lIns="83820" tIns="83820" rIns="83820" bIns="83820" numCol="1" spcCol="1270" anchor="ctr" anchorCtr="0">
+          <a:noAutofit/>
+        </a:bodyPr>
+        <a:lstStyle/>
+        <a:p>
+          <a:pPr marL="0" lvl="0" indent="0" algn="l" defTabSz="977900">
+            <a:lnSpc>
+              <a:spcPct val="90000"/>
+            </a:lnSpc>
+            <a:spcBef>
+              <a:spcPct val="0"/>
+            </a:spcBef>
+            <a:spcAft>
+              <a:spcPct val="35000"/>
+            </a:spcAft>
+            <a:buNone/>
+          </a:pPr>
+          <a:r>
+            <a:rPr lang="en-US" sz="2200" kern="1200" dirty="0"/>
+            <a:t>1. Retrieve Official Medical Registry Periodically</a:t>
+          </a:r>
+          <a:endParaRPr lang="en-GB" sz="2200" kern="1200" dirty="0"/>
+        </a:p>
+      </dsp:txBody>
+      <dsp:txXfrm>
+        <a:off x="31984" y="45283"/>
+        <a:ext cx="9177232" cy="591232"/>
+      </dsp:txXfrm>
+    </dsp:sp>
+    <dsp:sp modelId="{28ED37E8-D1C4-4124-BEE1-2C3A05A85DC0}">
+      <dsp:nvSpPr>
+        <dsp:cNvPr id="0" name=""/>
+        <dsp:cNvSpPr/>
+      </dsp:nvSpPr>
+      <dsp:spPr>
+        <a:xfrm>
+          <a:off x="0" y="668499"/>
+          <a:ext cx="9241200" cy="815062"/>
+        </a:xfrm>
+        <a:prstGeom prst="rect">
+          <a:avLst/>
+        </a:prstGeom>
+        <a:noFill/>
+        <a:ln>
+          <a:noFill/>
+        </a:ln>
+        <a:effectLst/>
+      </dsp:spPr>
+      <dsp:style>
+        <a:lnRef idx="0">
+          <a:scrgbClr r="0" g="0" b="0"/>
+        </a:lnRef>
+        <a:fillRef idx="0">
+          <a:scrgbClr r="0" g="0" b="0"/>
+        </a:fillRef>
+        <a:effectRef idx="0">
+          <a:scrgbClr r="0" g="0" b="0"/>
+        </a:effectRef>
+        <a:fontRef idx="minor"/>
+      </dsp:style>
+      <dsp:txBody>
+        <a:bodyPr spcFirstLastPara="0" vert="horz" wrap="square" lIns="293408" tIns="22860" rIns="128016" bIns="22860" numCol="1" spcCol="1270" anchor="t" anchorCtr="0">
+          <a:noAutofit/>
+        </a:bodyPr>
+        <a:lstStyle/>
+        <a:p>
+          <a:pPr marL="171450" lvl="1" indent="-171450" algn="l" defTabSz="800100">
+            <a:lnSpc>
+              <a:spcPct val="90000"/>
+            </a:lnSpc>
+            <a:spcBef>
+              <a:spcPct val="0"/>
+            </a:spcBef>
+            <a:spcAft>
+              <a:spcPct val="20000"/>
+            </a:spcAft>
+            <a:buChar char="•"/>
+          </a:pPr>
+          <a:r>
+            <a:rPr lang="en-GB" sz="1800" kern="1200" dirty="0"/>
+            <a:t>Download the latest registered provider list from the official medical authority (daily/weekly)</a:t>
+          </a:r>
+        </a:p>
+        <a:p>
+          <a:pPr marL="171450" lvl="1" indent="-171450" algn="l" defTabSz="800100">
+            <a:lnSpc>
+              <a:spcPct val="90000"/>
+            </a:lnSpc>
+            <a:spcBef>
+              <a:spcPct val="0"/>
+            </a:spcBef>
+            <a:spcAft>
+              <a:spcPct val="20000"/>
+            </a:spcAft>
+            <a:buChar char="•"/>
+          </a:pPr>
+          <a:endParaRPr lang="en-GB" sz="1800" kern="1200" dirty="0"/>
+        </a:p>
+      </dsp:txBody>
+      <dsp:txXfrm>
+        <a:off x="0" y="668499"/>
+        <a:ext cx="9241200" cy="815062"/>
+      </dsp:txXfrm>
+    </dsp:sp>
+    <dsp:sp modelId="{EC646298-8F3A-4CED-9852-67DF7E52E49B}">
+      <dsp:nvSpPr>
+        <dsp:cNvPr id="0" name=""/>
+        <dsp:cNvSpPr/>
+      </dsp:nvSpPr>
+      <dsp:spPr>
+        <a:xfrm>
+          <a:off x="0" y="1483562"/>
+          <a:ext cx="9241200" cy="655200"/>
+        </a:xfrm>
+        <a:prstGeom prst="roundRect">
+          <a:avLst/>
+        </a:prstGeom>
+        <a:solidFill>
+          <a:schemeClr val="accent1">
+            <a:hueOff val="0"/>
+            <a:satOff val="0"/>
+            <a:lumOff val="0"/>
+            <a:alphaOff val="0"/>
+          </a:schemeClr>
+        </a:solidFill>
+        <a:ln w="25400" cap="flat" cmpd="sng" algn="ctr">
+          <a:solidFill>
+            <a:schemeClr val="lt1">
+              <a:hueOff val="0"/>
+              <a:satOff val="0"/>
+              <a:lumOff val="0"/>
+              <a:alphaOff val="0"/>
+            </a:schemeClr>
+          </a:solidFill>
+          <a:prstDash val="solid"/>
+        </a:ln>
+        <a:effectLst/>
+      </dsp:spPr>
+      <dsp:style>
+        <a:lnRef idx="2">
+          <a:scrgbClr r="0" g="0" b="0"/>
+        </a:lnRef>
+        <a:fillRef idx="1">
+          <a:scrgbClr r="0" g="0" b="0"/>
+        </a:fillRef>
+        <a:effectRef idx="0">
+          <a:scrgbClr r="0" g="0" b="0"/>
+        </a:effectRef>
+        <a:fontRef idx="minor">
+          <a:schemeClr val="lt1"/>
+        </a:fontRef>
+      </dsp:style>
+      <dsp:txBody>
+        <a:bodyPr spcFirstLastPara="0" vert="horz" wrap="square" lIns="83820" tIns="83820" rIns="83820" bIns="83820" numCol="1" spcCol="1270" anchor="ctr" anchorCtr="0">
+          <a:noAutofit/>
+        </a:bodyPr>
+        <a:lstStyle/>
+        <a:p>
+          <a:pPr marL="0" lvl="0" indent="0" algn="l" defTabSz="977900">
+            <a:lnSpc>
+              <a:spcPct val="90000"/>
+            </a:lnSpc>
+            <a:spcBef>
+              <a:spcPct val="0"/>
+            </a:spcBef>
+            <a:spcAft>
+              <a:spcPct val="35000"/>
+            </a:spcAft>
+            <a:buNone/>
+          </a:pPr>
+          <a:r>
+            <a:rPr lang="en-GB" sz="2200" kern="1200" dirty="0"/>
+            <a:t>2. Reconcile Entire Internal Provider List</a:t>
+          </a:r>
+        </a:p>
+      </dsp:txBody>
+      <dsp:txXfrm>
+        <a:off x="31984" y="1515546"/>
+        <a:ext cx="9177232" cy="591232"/>
+      </dsp:txXfrm>
+    </dsp:sp>
+    <dsp:sp modelId="{601518BE-0DF1-4F07-92C6-85835E7F59CA}">
+      <dsp:nvSpPr>
+        <dsp:cNvPr id="0" name=""/>
+        <dsp:cNvSpPr/>
+      </dsp:nvSpPr>
+      <dsp:spPr>
+        <a:xfrm>
+          <a:off x="0" y="2138762"/>
+          <a:ext cx="9241200" cy="579600"/>
+        </a:xfrm>
+        <a:prstGeom prst="rect">
+          <a:avLst/>
+        </a:prstGeom>
+        <a:noFill/>
+        <a:ln>
+          <a:noFill/>
+        </a:ln>
+        <a:effectLst/>
+      </dsp:spPr>
+      <dsp:style>
+        <a:lnRef idx="0">
+          <a:scrgbClr r="0" g="0" b="0"/>
+        </a:lnRef>
+        <a:fillRef idx="0">
+          <a:scrgbClr r="0" g="0" b="0"/>
+        </a:fillRef>
+        <a:effectRef idx="0">
+          <a:scrgbClr r="0" g="0" b="0"/>
+        </a:effectRef>
+        <a:fontRef idx="minor"/>
+      </dsp:style>
+      <dsp:txBody>
+        <a:bodyPr spcFirstLastPara="0" vert="horz" wrap="square" lIns="293408" tIns="22860" rIns="128016" bIns="22860" numCol="1" spcCol="1270" anchor="t" anchorCtr="0">
+          <a:noAutofit/>
+        </a:bodyPr>
+        <a:lstStyle/>
+        <a:p>
+          <a:pPr marL="171450" lvl="1" indent="-171450" algn="l" defTabSz="800100">
+            <a:lnSpc>
+              <a:spcPct val="90000"/>
+            </a:lnSpc>
+            <a:spcBef>
+              <a:spcPct val="0"/>
+            </a:spcBef>
+            <a:spcAft>
+              <a:spcPct val="20000"/>
+            </a:spcAft>
+            <a:buChar char="•"/>
+          </a:pPr>
+          <a:r>
+            <a:rPr lang="en-GB" sz="1800" kern="1200" dirty="0"/>
+            <a:t>Perform automated comparison between the internal provider list and official registry</a:t>
+          </a:r>
+        </a:p>
+      </dsp:txBody>
+      <dsp:txXfrm>
+        <a:off x="0" y="2138762"/>
+        <a:ext cx="9241200" cy="579600"/>
+      </dsp:txXfrm>
+    </dsp:sp>
+    <dsp:sp modelId="{1B86791A-5AEE-4E24-B0F1-FBF6616DB5DD}">
+      <dsp:nvSpPr>
+        <dsp:cNvPr id="0" name=""/>
+        <dsp:cNvSpPr/>
+      </dsp:nvSpPr>
+      <dsp:spPr>
+        <a:xfrm>
+          <a:off x="0" y="2718362"/>
+          <a:ext cx="9241200" cy="655200"/>
+        </a:xfrm>
+        <a:prstGeom prst="roundRect">
+          <a:avLst/>
+        </a:prstGeom>
+        <a:solidFill>
+          <a:schemeClr val="accent1">
+            <a:hueOff val="0"/>
+            <a:satOff val="0"/>
+            <a:lumOff val="0"/>
+            <a:alphaOff val="0"/>
+          </a:schemeClr>
+        </a:solidFill>
+        <a:ln w="25400" cap="flat" cmpd="sng" algn="ctr">
+          <a:solidFill>
+            <a:schemeClr val="lt1">
+              <a:hueOff val="0"/>
+              <a:satOff val="0"/>
+              <a:lumOff val="0"/>
+              <a:alphaOff val="0"/>
+            </a:schemeClr>
+          </a:solidFill>
+          <a:prstDash val="solid"/>
+        </a:ln>
+        <a:effectLst/>
+      </dsp:spPr>
+      <dsp:style>
+        <a:lnRef idx="2">
+          <a:scrgbClr r="0" g="0" b="0"/>
+        </a:lnRef>
+        <a:fillRef idx="1">
+          <a:scrgbClr r="0" g="0" b="0"/>
+        </a:fillRef>
+        <a:effectRef idx="0">
+          <a:scrgbClr r="0" g="0" b="0"/>
+        </a:effectRef>
+        <a:fontRef idx="minor">
+          <a:schemeClr val="lt1"/>
+        </a:fontRef>
+      </dsp:style>
+      <dsp:txBody>
+        <a:bodyPr spcFirstLastPara="0" vert="horz" wrap="square" lIns="83820" tIns="83820" rIns="83820" bIns="83820" numCol="1" spcCol="1270" anchor="ctr" anchorCtr="0">
+          <a:noAutofit/>
+        </a:bodyPr>
+        <a:lstStyle/>
+        <a:p>
+          <a:pPr marL="0" lvl="0" indent="0" algn="l" defTabSz="977900">
+            <a:lnSpc>
+              <a:spcPct val="90000"/>
+            </a:lnSpc>
+            <a:spcBef>
+              <a:spcPct val="0"/>
+            </a:spcBef>
+            <a:spcAft>
+              <a:spcPct val="35000"/>
+            </a:spcAft>
+            <a:buNone/>
+          </a:pPr>
+          <a:r>
+            <a:rPr lang="en-GB" sz="2200" kern="1200" dirty="0"/>
+            <a:t>3. Identify and Flag Discrepancies</a:t>
+          </a:r>
+        </a:p>
+      </dsp:txBody>
+      <dsp:txXfrm>
+        <a:off x="31984" y="2750346"/>
+        <a:ext cx="9177232" cy="591232"/>
+      </dsp:txXfrm>
+    </dsp:sp>
+    <dsp:sp modelId="{CEEDDDCB-A1C6-42A4-AC81-0E4BE0D9E449}">
+      <dsp:nvSpPr>
+        <dsp:cNvPr id="0" name=""/>
+        <dsp:cNvSpPr/>
+      </dsp:nvSpPr>
+      <dsp:spPr>
+        <a:xfrm>
+          <a:off x="0" y="3373562"/>
+          <a:ext cx="9241200" cy="869400"/>
+        </a:xfrm>
+        <a:prstGeom prst="rect">
+          <a:avLst/>
+        </a:prstGeom>
+        <a:noFill/>
+        <a:ln>
+          <a:noFill/>
+        </a:ln>
+        <a:effectLst/>
+      </dsp:spPr>
+      <dsp:style>
+        <a:lnRef idx="0">
+          <a:scrgbClr r="0" g="0" b="0"/>
+        </a:lnRef>
+        <a:fillRef idx="0">
+          <a:scrgbClr r="0" g="0" b="0"/>
+        </a:fillRef>
+        <a:effectRef idx="0">
+          <a:scrgbClr r="0" g="0" b="0"/>
+        </a:effectRef>
+        <a:fontRef idx="minor"/>
+      </dsp:style>
+      <dsp:txBody>
+        <a:bodyPr spcFirstLastPara="0" vert="horz" wrap="square" lIns="293408" tIns="22860" rIns="128016" bIns="22860" numCol="1" spcCol="1270" anchor="t" anchorCtr="0">
+          <a:noAutofit/>
+        </a:bodyPr>
+        <a:lstStyle/>
+        <a:p>
+          <a:pPr marL="171450" lvl="1" indent="-171450" algn="l" defTabSz="800100">
+            <a:lnSpc>
+              <a:spcPct val="90000"/>
+            </a:lnSpc>
+            <a:spcBef>
+              <a:spcPct val="0"/>
+            </a:spcBef>
+            <a:spcAft>
+              <a:spcPct val="20000"/>
+            </a:spcAft>
+            <a:buChar char="•"/>
+          </a:pPr>
+          <a:r>
+            <a:rPr lang="en-GB" sz="1800" kern="1200" dirty="0"/>
+            <a:t>Flag providers where:</a:t>
+          </a:r>
+        </a:p>
+        <a:p>
+          <a:pPr marL="171450" lvl="1" indent="-171450" algn="l" defTabSz="800100">
+            <a:lnSpc>
+              <a:spcPct val="90000"/>
+            </a:lnSpc>
+            <a:spcBef>
+              <a:spcPct val="0"/>
+            </a:spcBef>
+            <a:spcAft>
+              <a:spcPct val="20000"/>
+            </a:spcAft>
+            <a:buChar char="•"/>
+          </a:pPr>
+          <a:r>
+            <a:rPr lang="en-GB" sz="1800" kern="1200" dirty="0"/>
+            <a:t>Provider not found in official registry </a:t>
+          </a:r>
+        </a:p>
+        <a:p>
+          <a:pPr marL="171450" lvl="1" indent="-171450" algn="l" defTabSz="800100">
+            <a:lnSpc>
+              <a:spcPct val="90000"/>
+            </a:lnSpc>
+            <a:spcBef>
+              <a:spcPct val="0"/>
+            </a:spcBef>
+            <a:spcAft>
+              <a:spcPct val="20000"/>
+            </a:spcAft>
+            <a:buChar char="•"/>
+          </a:pPr>
+          <a:r>
+            <a:rPr lang="en-GB" sz="1800" kern="1200" dirty="0"/>
+            <a:t>Registration status changed (e.g. suspended, expired, deregistered)</a:t>
+          </a:r>
+        </a:p>
+      </dsp:txBody>
+      <dsp:txXfrm>
+        <a:off x="0" y="3373562"/>
+        <a:ext cx="9241200" cy="869400"/>
+      </dsp:txXfrm>
+    </dsp:sp>
+  </dsp:spTree>
+</dsp:drawing>
+</file>
+
+<file path=ppt/diagrams/layout1.xml><?xml version="1.0" encoding="utf-8"?>
+<dgm:layoutDef xmlns:dgm="http://schemas.openxmlformats.org/drawingml/2006/diagram" xmlns:a="http://schemas.openxmlformats.org/drawingml/2006/main" uniqueId="urn:microsoft.com/office/officeart/2005/8/layout/vList2">
+  <dgm:title val=""/>
+  <dgm:desc val=""/>
+  <dgm:catLst>
+    <dgm:cat type="list" pri="3000"/>
+    <dgm:cat type="convert" pri="1000"/>
+  </dgm:catLst>
+  <dgm:sampData>
+    <dgm:dataModel>
+      <dgm:ptLst>
+        <dgm:pt modelId="0" type="doc"/>
+        <dgm:pt modelId="1">
+          <dgm:prSet phldr="1"/>
+        </dgm:pt>
+        <dgm:pt modelId="11">
+          <dgm:prSet phldr="1"/>
+        </dgm:pt>
+        <dgm:pt modelId="2">
+          <dgm:prSet phldr="1"/>
+        </dgm:pt>
+        <dgm:pt modelId="21">
+          <dgm:prSet phldr="1"/>
+        </dgm:pt>
+      </dgm:ptLst>
+      <dgm:cxnLst>
+        <dgm:cxn modelId="4" srcId="0" destId="1" srcOrd="0" destOrd="0"/>
+        <dgm:cxn modelId="5" srcId="0" destId="2" srcOrd="1" destOrd="0"/>
+        <dgm:cxn modelId="12" srcId="1" destId="11" srcOrd="0" destOrd="0"/>
+        <dgm:cxn modelId="23" srcId="2" destId="21" srcOrd="0" destOrd="0"/>
+      </dgm:cxnLst>
+      <dgm:bg/>
+      <dgm:whole/>
+    </dgm:dataModel>
+  </dgm:sampData>
+  <dgm:styleData>
+    <dgm:dataModel>
+      <dgm:ptLst>
+        <dgm:pt modelId="0" type="doc"/>
+        <dgm:pt modelId="1"/>
+        <dgm:pt modelId="2"/>
+      </dgm:ptLst>
+      <dgm:cxnLst>
+        <dgm:cxn modelId="3" srcId="0" destId="1" srcOrd="0" destOrd="0"/>
+        <dgm:cxn modelId="4" srcId="0" destId="2" srcOrd="1" destOrd="0"/>
+      </dgm:cxnLst>
+      <dgm:bg/>
+      <dgm:whole/>
+    </dgm:dataModel>
+  </dgm:styleData>
+  <dgm:clrData>
+    <dgm:dataModel>
+      <dgm:ptLst>
+        <dgm:pt modelId="0" type="doc"/>
+        <dgm:pt modelId="1"/>
+        <dgm:pt modelId="2"/>
+        <dgm:pt modelId="3"/>
+        <dgm:pt modelId="4"/>
+      </dgm:ptLst>
+      <dgm:cxnLst>
+        <dgm:cxn modelId="5" srcId="0" destId="1" srcOrd="0" destOrd="0"/>
+        <dgm:cxn modelId="6" srcId="0" destId="2" srcOrd="1" destOrd="0"/>
+        <dgm:cxn modelId="7" srcId="0" destId="3" srcOrd="2" destOrd="0"/>
+        <dgm:cxn modelId="8" srcId="0" destId="4" srcOrd="3" destOrd="0"/>
+      </dgm:cxnLst>
+      <dgm:bg/>
+      <dgm:whole/>
+    </dgm:dataModel>
+  </dgm:clrData>
+  <dgm:layoutNode name="linear">
+    <dgm:varLst>
+      <dgm:animLvl val="lvl"/>
+      <dgm:resizeHandles val="exact"/>
+    </dgm:varLst>
+    <dgm:alg type="lin">
+      <dgm:param type="linDir" val="fromT"/>
+      <dgm:param type="vertAlign" val="mid"/>
+    </dgm:alg>
+    <dgm:shape xmlns:r="http://schemas.openxmlformats.org/officeDocument/2006/relationships" r:blip="">
+      <dgm:adjLst/>
+    </dgm:shape>
+    <dgm:presOf/>
+    <dgm:constrLst>
+      <dgm:constr type="w" for="ch" forName="parentText" refType="w"/>
+      <dgm:constr type="h" for="ch" forName="parentText" refType="primFontSz" refFor="ch" refForName="parentText" fact="0.52"/>
+      <dgm:constr type="w" for="ch" forName="childText" refType="w"/>
+      <dgm:constr type="h" for="ch" forName="childText" refType="primFontSz" refFor="ch" refForName="parentText" fact="0.46"/>
+      <dgm:constr type="h" for="ch" forName="parentText" op="equ"/>
+      <dgm:constr type="primFontSz" for="ch" forName="parentText" op="equ" val="65"/>
+      <dgm:constr type="primFontSz" for="ch" forName="childText" refType="primFontSz" refFor="ch" refForName="parentText" op="equ"/>
+      <dgm:constr type="h" for="ch" forName="spacer" refType="primFontSz" refFor="ch" refForName="parentText" fact="0.08"/>
+    </dgm:constrLst>
+    <dgm:ruleLst>
+      <dgm:rule type="primFontSz" for="ch" forName="parentText" val="5" fact="NaN" max="NaN"/>
+    </dgm:ruleLst>
+    <dgm:forEach name="Name0" axis="ch" ptType="node">
+      <dgm:layoutNode name="parentText" styleLbl="node1">
+        <dgm:varLst>
+          <dgm:chMax val="0"/>
+          <dgm:bulletEnabled val="1"/>
+        </dgm:varLst>
+        <dgm:alg type="tx">
+          <dgm:param type="parTxLTRAlign" val="l"/>
+          <dgm:param type="parTxRTLAlign" val="r"/>
+        </dgm:alg>
+        <dgm:shape xmlns:r="http://schemas.openxmlformats.org/officeDocument/2006/relationships" type="roundRect" r:blip="">
+          <dgm:adjLst/>
+        </dgm:shape>
+        <dgm:presOf axis="self"/>
+        <dgm:constrLst>
+          <dgm:constr type="tMarg" refType="primFontSz" fact="0.3"/>
+          <dgm:constr type="bMarg" refType="primFontSz" fact="0.3"/>
+          <dgm:constr type="lMarg" refType="primFontSz" fact="0.3"/>
+          <dgm:constr type="rMarg" refType="primFontSz" fact="0.3"/>
+        </dgm:constrLst>
+        <dgm:ruleLst>
+          <dgm:rule type="h" val="INF" fact="NaN" max="NaN"/>
+        </dgm:ruleLst>
+      </dgm:layoutNode>
+      <dgm:choose name="Name1">
+        <dgm:if name="Name2" axis="ch" ptType="node" func="cnt" op="gte" val="1">
+          <dgm:layoutNode name="childText" styleLbl="revTx">
+            <dgm:varLst>
+              <dgm:bulletEnabled val="1"/>
+            </dgm:varLst>
+            <dgm:alg type="tx">
+              <dgm:param type="stBulletLvl" val="1"/>
+              <dgm:param type="lnSpAfChP" val="20"/>
+            </dgm:alg>
+            <dgm:shape xmlns:r="http://schemas.openxmlformats.org/officeDocument/2006/relationships" type="rect" r:blip="">
+              <dgm:adjLst/>
+            </dgm:shape>
+            <dgm:presOf axis="des" ptType="node"/>
+            <dgm:constrLst>
+              <dgm:constr type="tMarg" refType="primFontSz" fact="0.1"/>
+              <dgm:constr type="bMarg" refType="primFontSz" fact="0.1"/>
+              <dgm:constr type="lMarg" refType="w" fact="0.09"/>
+            </dgm:constrLst>
+            <dgm:ruleLst>
+              <dgm:rule type="h" val="INF" fact="NaN" max="NaN"/>
+            </dgm:ruleLst>
+          </dgm:layoutNode>
+        </dgm:if>
+        <dgm:else name="Name3">
+          <dgm:choose name="Name4">
+            <dgm:if name="Name5" axis="par ch" ptType="doc node" func="cnt" op="gte" val="2">
+              <dgm:forEach name="Name6" axis="followSib" ptType="sibTrans" cnt="1">
+                <dgm:layoutNode name="spacer">
+                  <dgm:alg type="sp"/>
+                  <dgm:shape xmlns:r="http://schemas.openxmlformats.org/officeDocument/2006/relationships" r:blip="">
+                    <dgm:adjLst/>
+                  </dgm:shape>
+                  <dgm:presOf/>
+                  <dgm:constrLst/>
+                  <dgm:ruleLst/>
+                </dgm:layoutNode>
+              </dgm:forEach>
+            </dgm:if>
+            <dgm:else name="Name7"/>
+          </dgm:choose>
+        </dgm:else>
+      </dgm:choose>
+    </dgm:forEach>
+  </dgm:layoutNode>
+</dgm:layoutDef>
+</file>
+
+<file path=ppt/diagrams/quickStyle1.xml><?xml version="1.0" encoding="utf-8"?>
+<dgm:styleDef xmlns:dgm="http://schemas.openxmlformats.org/drawingml/2006/diagram" xmlns:a="http://schemas.openxmlformats.org/drawingml/2006/main" uniqueId="urn:microsoft.com/office/officeart/2005/8/quickstyle/simple1">
+  <dgm:title val=""/>
+  <dgm:desc val=""/>
+  <dgm:catLst>
+    <dgm:cat type="simple" pri="10100"/>
+  </dgm:catLst>
+  <dgm:scene3d>
+    <a:camera prst="orthographicFront"/>
+    <a:lightRig rig="threePt" dir="t"/>
+  </dgm:scene3d>
+  <dgm:styleLbl name="node0">
+    <dgm:scene3d>
+      <a:camera prst="orthographicFront"/>
+      <a:lightRig rig="threePt" dir="t"/>
+    </dgm:scene3d>
+    <dgm:sp3d/>
+    <dgm:txPr/>
+    <dgm:style>
+      <a:lnRef idx="2">
+        <a:scrgbClr r="0" g="0" b="0"/>
+      </a:lnRef>
+      <a:fillRef idx="1">
+        <a:scrgbClr r="0" g="0" b="0"/>
+      </a:fillRef>
+      <a:effectRef idx="0">
+        <a:scrgbClr r="0" g="0" b="0"/>
+      </a:effectRef>
+      <a:fontRef idx="minor">
+        <a:schemeClr val="lt1"/>
+      </a:fontRef>
+    </dgm:style>
+  </dgm:styleLbl>
+  <dgm:styleLbl name="lnNode1">
+    <dgm:scene3d>
+      <a:camera prst="orthographicFront"/>
+      <a:lightRig rig="threePt" dir="t"/>
+    </dgm:scene3d>
+    <dgm:sp3d/>
+    <dgm:txPr/>
+    <dgm:style>
+      <a:lnRef idx="2">
+        <a:scrgbClr r="0" g="0" b="0"/>
+      </a:lnRef>
+      <a:fillRef idx="1">
+        <a:scrgbClr r="0" g="0" b="0"/>
+      </a:fillRef>
+      <a:effectRef idx="0">
+        <a:scrgbClr r="0" g="0" b="0"/>
+      </a:effectRef>
+      <a:fontRef idx="minor">
+        <a:schemeClr val="lt1"/>
+      </a:fontRef>
+    </dgm:style>
+  </dgm:styleLbl>
+  <dgm:styleLbl name="vennNode1">
+    <dgm:scene3d>
+      <a:camera prst="orthographicFront"/>
+      <a:lightRig rig="threePt" dir="t"/>
+    </dgm:scene3d>
+    <dgm:sp3d/>
+    <dgm:txPr/>
+    <dgm:style>
+      <a:lnRef idx="2">
+        <a:scrgbClr r="0" g="0" b="0"/>
+      </a:lnRef>
+      <a:fillRef idx="1">
+        <a:scrgbClr r="0" g="0" b="0"/>
+      </a:fillRef>
+      <a:effectRef idx="0">
+        <a:scrgbClr r="0" g="0" b="0"/>
+      </a:effectRef>
+      <a:fontRef idx="minor">
+        <a:schemeClr val="tx1"/>
+      </a:fontRef>
+    </dgm:style>
+  </dgm:styleLbl>
+  <dgm:styleLbl name="alignNode1">
+    <dgm:scene3d>
+      <a:camera prst="orthographicFront"/>
+      <a:lightRig rig="threePt" dir="t"/>
+    </dgm:scene3d>
+    <dgm:sp3d/>
+    <dgm:txPr/>
+    <dgm:style>
+      <a:lnRef idx="2">
+        <a:scrgbClr r="0" g="0" b="0"/>
+      </a:lnRef>
+      <a:fillRef idx="1">
+        <a:scrgbClr r="0" g="0" b="0"/>
+      </a:fillRef>
+      <a:effectRef idx="0">
+        <a:scrgbClr r="0" g="0" b="0"/>
+      </a:effectRef>
+      <a:fontRef idx="minor">
+        <a:schemeClr val="lt1"/>
+      </a:fontRef>
+    </dgm:style>
+  </dgm:styleLbl>
+  <dgm:styleLbl name="node1">
+    <dgm:scene3d>
+      <a:camera prst="orthographicFront"/>
+      <a:lightRig rig="threePt" dir="t"/>
+    </dgm:scene3d>
+    <dgm:sp3d/>
+    <dgm:txPr/>
+    <dgm:style>
+      <a:lnRef idx="2">
+        <a:scrgbClr r="0" g="0" b="0"/>
+      </a:lnRef>
+      <a:fillRef idx="1">
+        <a:scrgbClr r="0" g="0" b="0"/>
+      </a:fillRef>
+      <a:effectRef idx="0">
+        <a:scrgbClr r="0" g="0" b="0"/>
+      </a:effectRef>
+      <a:fontRef idx="minor">
+        <a:schemeClr val="lt1"/>
+      </a:fontRef>
+    </dgm:style>
+  </dgm:styleLbl>
+  <dgm:styleLbl name="node2">
+    <dgm:scene3d>
+      <a:camera prst="orthographicFront"/>
+      <a:lightRig rig="threePt" dir="t"/>
+    </dgm:scene3d>
+    <dgm:sp3d/>
+    <dgm:txPr/>
+    <dgm:style>
+      <a:lnRef idx="2">
+        <a:scrgbClr r="0" g="0" b="0"/>
+      </a:lnRef>
+      <a:fillRef idx="1">
+        <a:scrgbClr r="0" g="0" b="0"/>
+      </a:fillRef>
+      <a:effectRef idx="0">
+        <a:scrgbClr r="0" g="0" b="0"/>
+      </a:effectRef>
+      <a:fontRef idx="minor">
+        <a:schemeClr val="lt1"/>
+      </a:fontRef>
+    </dgm:style>
+  </dgm:styleLbl>
+  <dgm:styleLbl name="node3">
+    <dgm:scene3d>
+      <a:camera prst="orthographicFront"/>
+      <a:lightRig rig="threePt" dir="t"/>
+    </dgm:scene3d>
+    <dgm:sp3d/>
+    <dgm:txPr/>
+    <dgm:style>
+      <a:lnRef idx="2">
+        <a:scrgbClr r="0" g="0" b="0"/>
+      </a:lnRef>
+      <a:fillRef idx="1">
+        <a:scrgbClr r="0" g="0" b="0"/>
+      </a:fillRef>
+      <a:effectRef idx="0">
+        <a:scrgbClr r="0" g="0" b="0"/>
+      </a:effectRef>
+      <a:fontRef idx="minor">
+        <a:schemeClr val="lt1"/>
+      </a:fontRef>
+    </dgm:style>
+  </dgm:styleLbl>
+  <dgm:styleLbl name="node4">
+    <dgm:scene3d>
+      <a:camera prst="orthographicFront"/>
+      <a:lightRig rig="threePt" dir="t"/>
+    </dgm:scene3d>
+    <dgm:sp3d/>
+    <dgm:txPr/>
+    <dgm:style>
+      <a:lnRef idx="2">
+        <a:scrgbClr r="0" g="0" b="0"/>
+      </a:lnRef>
+      <a:fillRef idx="1">
+        <a:scrgbClr r="0" g="0" b="0"/>
+      </a:fillRef>
+      <a:effectRef idx="0">
+        <a:scrgbClr r="0" g="0" b="0"/>
+      </a:effectRef>
+      <a:fontRef idx="minor">
+        <a:schemeClr val="lt1"/>
+      </a:fontRef>
+    </dgm:style>
+  </dgm:styleLbl>
+  <dgm:styleLbl name="fgImgPlace1">
+    <dgm:scene3d>
+      <a:camera prst="orthographicFront"/>
+      <a:lightRig rig="threePt" dir="t"/>
+    </dgm:scene3d>
+    <dgm:sp3d/>
+    <dgm:txPr/>
+    <dgm:style>
+      <a:lnRef idx="2">
+        <a:scrgbClr r="0" g="0" b="0"/>
+      </a:lnRef>
+      <a:fillRef idx="1">
+        <a:scrgbClr r="0" g="0" b="0"/>
+      </a:fillRef>
+      <a:effectRef idx="0">
+        <a:scrgbClr r="0" g="0" b="0"/>
+      </a:effectRef>
+      <a:fontRef idx="minor"/>
+    </dgm:style>
+  </dgm:styleLbl>
+  <dgm:styleLbl name="alignImgPlace1">
+    <dgm:scene3d>
+      <a:camera prst="orthographicFront"/>
+      <a:lightRig rig="threePt" dir="t"/>
+    </dgm:scene3d>
+    <dgm:sp3d/>
+    <dgm:txPr/>
+    <dgm:style>
+      <a:lnRef idx="2">
+        <a:scrgbClr r="0" g="0" b="0"/>
+      </a:lnRef>
+      <a:fillRef idx="1">
+        <a:scrgbClr r="0" g="0" b="0"/>
+      </a:fillRef>
+      <a:effectRef idx="0">
+        <a:scrgbClr r="0" g="0" b="0"/>
+      </a:effectRef>
+      <a:fontRef idx="minor"/>
+    </dgm:style>
+  </dgm:styleLbl>
+  <dgm:styleLbl name="bgImgPlace1">
+    <dgm:scene3d>
+      <a:camera prst="orthographicFront"/>
+      <a:lightRig rig="threePt" dir="t"/>
+    </dgm:scene3d>
+    <dgm:sp3d/>
+    <dgm:txPr/>
+    <dgm:style>
+      <a:lnRef idx="2">
+        <a:scrgbClr r="0" g="0" b="0"/>
+      </a:lnRef>
+      <a:fillRef idx="1">
+        <a:scrgbClr r="0" g="0" b="0"/>
+      </a:fillRef>
+      <a:effectRef idx="0">
+        <a:scrgbClr r="0" g="0" b="0"/>
+      </a:effectRef>
+      <a:fontRef idx="minor"/>
+    </dgm:style>
+  </dgm:styleLbl>
+  <dgm:styleLbl name="sibTrans2D1">
+    <dgm:scene3d>
+      <a:camera prst="orthographicFront"/>
+      <a:lightRig rig="threePt" dir="t"/>
+    </dgm:scene3d>
+    <dgm:sp3d/>
+    <dgm:txPr/>
+    <dgm:style>
+      <a:lnRef idx="0">
+        <a:scrgbClr r="0" g="0" b="0"/>
+      </a:lnRef>
+      <a:fillRef idx="1">
+        <a:scrgbClr r="0" g="0" b="0"/>
+      </a:fillRef>
+      <a:effectRef idx="0">
+        <a:scrgbClr r="0" g="0" b="0"/>
+      </a:effectRef>
+      <a:fontRef idx="minor">
+        <a:schemeClr val="lt1"/>
+      </a:fontRef>
+    </dgm:style>
+  </dgm:styleLbl>
+  <dgm:styleLbl name="fgSibTrans2D1">
+    <dgm:scene3d>
+      <a:camera prst="orthographicFront"/>
+      <a:lightRig rig="threePt" dir="t"/>
+    </dgm:scene3d>
+    <dgm:sp3d/>
+    <dgm:txPr/>
+    <dgm:style>
+      <a:lnRef idx="0">
+        <a:scrgbClr r="0" g="0" b="0"/>
+      </a:lnRef>
+      <a:fillRef idx="1">
+        <a:scrgbClr r="0" g="0" b="0"/>
+      </a:fillRef>
+      <a:effectRef idx="0">
+        <a:scrgbClr r="0" g="0" b="0"/>
+      </a:effectRef>
+      <a:fontRef idx="minor">
+        <a:schemeClr val="lt1"/>
+      </a:fontRef>
+    </dgm:style>
+  </dgm:styleLbl>
+  <dgm:styleLbl name="bgSibTrans2D1">
+    <dgm:scene3d>
+      <a:camera prst="orthographicFront"/>
+      <a:lightRig rig="threePt" dir="t"/>
+    </dgm:scene3d>
+    <dgm:sp3d/>
+    <dgm:txPr/>
+    <dgm:style>
+      <a:lnRef idx="0">
+        <a:scrgbClr r="0" g="0" b="0"/>
+      </a:lnRef>
+      <a:fillRef idx="1">
+        <a:scrgbClr r="0" g="0" b="0"/>
+      </a:fillRef>
+      <a:effectRef idx="0">
+        <a:scrgbClr r="0" g="0" b="0"/>
+      </a:effectRef>
+      <a:fontRef idx="minor">
+        <a:schemeClr val="lt1"/>
+      </a:fontRef>
+    </dgm:style>
+  </dgm:styleLbl>
+  <dgm:styleLbl name="sibTrans1D1">
+    <dgm:scene3d>
+      <a:camera prst="orthographicFront"/>
+      <a:lightRig rig="threePt" dir="t"/>
+    </dgm:scene3d>
+    <dgm:sp3d/>
+    <dgm:txPr/>
+    <dgm:style>
+      <a:lnRef idx="1">
+        <a:scrgbClr r="0" g="0" b="0"/>
+      </a:lnRef>
+      <a:fillRef idx="0">
+        <a:scrgbClr r="0" g="0" b="0"/>
+      </a:fillRef>
+      <a:effectRef idx="0">
+        <a:scrgbClr r="0" g="0" b="0"/>
+      </a:effectRef>
+      <a:fontRef idx="minor"/>
+    </dgm:style>
+  </dgm:styleLbl>
+  <dgm:styleLbl name="callout">
+    <dgm:scene3d>
+      <a:camera prst="orthographicFront"/>
+      <a:lightRig rig="threePt" dir="t"/>
+    </dgm:scene3d>
+    <dgm:sp3d/>
+    <dgm:txPr/>
+    <dgm:style>
+      <a:lnRef idx="2">
+        <a:scrgbClr r="0" g="0" b="0"/>
+      </a:lnRef>
+      <a:fillRef idx="1">
+        <a:scrgbClr r="0" g="0" b="0"/>
+      </a:fillRef>
+      <a:effectRef idx="0">
+        <a:scrgbClr r="0" g="0" b="0"/>
+      </a:effectRef>
+      <a:fontRef idx="minor"/>
+    </dgm:style>
+  </dgm:styleLbl>
+  <dgm:styleLbl name="asst0">
+    <dgm:scene3d>
+      <a:camera prst="orthographicFront"/>
+      <a:lightRig rig="threePt" dir="t"/>
+    </dgm:scene3d>
+    <dgm:sp3d/>
+    <dgm:txPr/>
+    <dgm:style>
+      <a:lnRef idx="2">
+        <a:scrgbClr r="0" g="0" b="0"/>
+      </a:lnRef>
+      <a:fillRef idx="1">
+        <a:scrgbClr r="0" g="0" b="0"/>
+      </a:fillRef>
+      <a:effectRef idx="0">
+        <a:scrgbClr r="0" g="0" b="0"/>
+      </a:effectRef>
+      <a:fontRef idx="minor">
+        <a:schemeClr val="lt1"/>
+      </a:fontRef>
+    </dgm:style>
+  </dgm:styleLbl>
+  <dgm:styleLbl name="asst1">
+    <dgm:scene3d>
+      <a:camera prst="orthographicFront"/>
+      <a:lightRig rig="threePt" dir="t"/>
+    </dgm:scene3d>
+    <dgm:sp3d/>
+    <dgm:txPr/>
+    <dgm:style>
+      <a:lnRef idx="2">
+        <a:scrgbClr r="0" g="0" b="0"/>
+      </a:lnRef>
+      <a:fillRef idx="1">
+        <a:scrgbClr r="0" g="0" b="0"/>
+      </a:fillRef>
+      <a:effectRef idx="0">
+        <a:scrgbClr r="0" g="0" b="0"/>
+      </a:effectRef>
+      <a:fontRef idx="minor">
+        <a:schemeClr val="lt1"/>
+      </a:fontRef>
+    </dgm:style>
+  </dgm:styleLbl>
+  <dgm:styleLbl name="asst2">
+    <dgm:scene3d>
+      <a:camera prst="orthographicFront"/>
+      <a:lightRig rig="threePt" dir="t"/>
+    </dgm:scene3d>
+    <dgm:sp3d/>
+    <dgm:txPr/>
+    <dgm:style>
+      <a:lnRef idx="2">
+        <a:scrgbClr r="0" g="0" b="0"/>
+      </a:lnRef>
+      <a:fillRef idx="1">
+        <a:scrgbClr r="0" g="0" b="0"/>
+      </a:fillRef>
+      <a:effectRef idx="0">
+        <a:scrgbClr r="0" g="0" b="0"/>
+      </a:effectRef>
+      <a:fontRef idx="minor">
+        <a:schemeClr val="lt1"/>
+      </a:fontRef>
+    </dgm:style>
+  </dgm:styleLbl>
+  <dgm:styleLbl name="asst3">
+    <dgm:scene3d>
+      <a:camera prst="orthographicFront"/>
+      <a:lightRig rig="threePt" dir="t"/>
+    </dgm:scene3d>
+    <dgm:sp3d/>
+    <dgm:txPr/>
+    <dgm:style>
+      <a:lnRef idx="2">
+        <a:scrgbClr r="0" g="0" b="0"/>
+      </a:lnRef>
+      <a:fillRef idx="1">
+        <a:scrgbClr r="0" g="0" b="0"/>
+      </a:fillRef>
+      <a:effectRef idx="0">
+        <a:scrgbClr r="0" g="0" b="0"/>
+      </a:effectRef>
+      <a:fontRef idx="minor">
+        <a:schemeClr val="lt1"/>
+      </a:fontRef>
+    </dgm:style>
+  </dgm:styleLbl>
+  <dgm:styleLbl name="asst4">
+    <dgm:scene3d>
+      <a:camera prst="orthographicFront"/>
+      <a:lightRig rig="threePt" dir="t"/>
+    </dgm:scene3d>
+    <dgm:sp3d/>
+    <dgm:txPr/>
+    <dgm:style>
+      <a:lnRef idx="2">
+        <a:scrgbClr r="0" g="0" b="0"/>
+      </a:lnRef>
+      <a:fillRef idx="1">
+        <a:scrgbClr r="0" g="0" b="0"/>
+      </a:fillRef>
+      <a:effectRef idx="0">
+        <a:scrgbClr r="0" g="0" b="0"/>
+      </a:effectRef>
+      <a:fontRef idx="minor">
+        <a:schemeClr val="lt1"/>
+      </a:fontRef>
+    </dgm:style>
+  </dgm:styleLbl>
+  <dgm:styleLbl name="parChTrans2D1">
+    <dgm:scene3d>
+      <a:camera prst="orthographicFront"/>
+      <a:lightRig rig="threePt" dir="t"/>
+    </dgm:scene3d>
+    <dgm:sp3d/>
+    <dgm:txPr/>
+    <dgm:style>
+      <a:lnRef idx="2">
+        <a:scrgbClr r="0" g="0" b="0"/>
+      </a:lnRef>
+      <a:fillRef idx="1">
+        <a:scrgbClr r="0" g="0" b="0"/>
+      </a:fillRef>
+      <a:effectRef idx="0">
+        <a:scrgbClr r="0" g="0" b="0"/>
+      </a:effectRef>
+      <a:fontRef idx="minor">
+        <a:schemeClr val="lt1"/>
+      </a:fontRef>
+    </dgm:style>
+  </dgm:styleLbl>
+  <dgm:styleLbl name="parChTrans2D2">
+    <dgm:scene3d>
+      <a:camera prst="orthographicFront"/>
+      <a:lightRig rig="threePt" dir="t"/>
+    </dgm:scene3d>
+    <dgm:sp3d/>
+    <dgm:txPr/>
+    <dgm:style>
+      <a:lnRef idx="2">
+        <a:scrgbClr r="0" g="0" b="0"/>
+      </a:lnRef>
+      <a:fillRef idx="1">
+        <a:scrgbClr r="0" g="0" b="0"/>
+      </a:fillRef>
+      <a:effectRef idx="0">
+        <a:scrgbClr r="0" g="0" b="0"/>
+      </a:effectRef>
+      <a:fontRef idx="minor">
+        <a:schemeClr val="lt1"/>
+      </a:fontRef>
+    </dgm:style>
+  </dgm:styleLbl>
+  <dgm:styleLbl name="parChTrans2D3">
+    <dgm:scene3d>
+      <a:camera prst="orthographicFront"/>
+      <a:lightRig rig="threePt" dir="t"/>
+    </dgm:scene3d>
+    <dgm:sp3d/>
+    <dgm:txPr/>
+    <dgm:style>
+      <a:lnRef idx="2">
+        <a:scrgbClr r="0" g="0" b="0"/>
+      </a:lnRef>
+      <a:fillRef idx="1">
+        <a:scrgbClr r="0" g="0" b="0"/>
+      </a:fillRef>
+      <a:effectRef idx="0">
+        <a:scrgbClr r="0" g="0" b="0"/>
+      </a:effectRef>
+      <a:fontRef idx="minor">
+        <a:schemeClr val="lt1"/>
+      </a:fontRef>
+    </dgm:style>
+  </dgm:styleLbl>
+  <dgm:styleLbl name="parChTrans2D4">
+    <dgm:scene3d>
+      <a:camera prst="orthographicFront"/>
+      <a:lightRig rig="threePt" dir="t"/>
+    </dgm:scene3d>
+    <dgm:sp3d/>
+    <dgm:txPr/>
+    <dgm:style>
+      <a:lnRef idx="2">
+        <a:scrgbClr r="0" g="0" b="0"/>
+      </a:lnRef>
+      <a:fillRef idx="1">
+        <a:scrgbClr r="0" g="0" b="0"/>
+      </a:fillRef>
+      <a:effectRef idx="0">
+        <a:scrgbClr r="0" g="0" b="0"/>
+      </a:effectRef>
+      <a:fontRef idx="minor">
+        <a:schemeClr val="lt1"/>
+      </a:fontRef>
+    </dgm:style>
+  </dgm:styleLbl>
+  <dgm:styleLbl name="parChTrans1D1">
+    <dgm:scene3d>
+      <a:camera prst="orthographicFront"/>
+      <a:lightRig rig="threePt" dir="t"/>
+    </dgm:scene3d>
+    <dgm:sp3d/>
+    <dgm:txPr/>
+    <dgm:style>
+      <a:lnRef idx="2">
+        <a:scrgbClr r="0" g="0" b="0"/>
+      </a:lnRef>
+      <a:fillRef idx="0">
+        <a:scrgbClr r="0" g="0" b="0"/>
+      </a:fillRef>
+      <a:effectRef idx="0">
+        <a:scrgbClr r="0" g="0" b="0"/>
+      </a:effectRef>
+      <a:fontRef idx="minor"/>
+    </dgm:style>
+  </dgm:styleLbl>
+  <dgm:styleLbl name="parChTrans1D2">
+    <dgm:scene3d>
+      <a:camera prst="orthographicFront"/>
+      <a:lightRig rig="threePt" dir="t"/>
+    </dgm:scene3d>
+    <dgm:sp3d/>
+    <dgm:txPr/>
+    <dgm:style>
+      <a:lnRef idx="2">
+        <a:scrgbClr r="0" g="0" b="0"/>
+      </a:lnRef>
+      <a:fillRef idx="0">
+        <a:scrgbClr r="0" g="0" b="0"/>
+      </a:fillRef>
+      <a:effectRef idx="0">
+        <a:scrgbClr r="0" g="0" b="0"/>
+      </a:effectRef>
+      <a:fontRef idx="minor"/>
+    </dgm:style>
+  </dgm:styleLbl>
+  <dgm:styleLbl name="parChTrans1D3">
+    <dgm:scene3d>
+      <a:camera prst="orthographicFront"/>
+      <a:lightRig rig="threePt" dir="t"/>
+    </dgm:scene3d>
+    <dgm:sp3d/>
+    <dgm:txPr/>
+    <dgm:style>
+      <a:lnRef idx="2">
+        <a:scrgbClr r="0" g="0" b="0"/>
+      </a:lnRef>
+      <a:fillRef idx="0">
+        <a:scrgbClr r="0" g="0" b="0"/>
+      </a:fillRef>
+      <a:effectRef idx="0">
+        <a:scrgbClr r="0" g="0" b="0"/>
+      </a:effectRef>
+      <a:fontRef idx="minor"/>
+    </dgm:style>
+  </dgm:styleLbl>
+  <dgm:styleLbl name="parChTrans1D4">
+    <dgm:scene3d>
+      <a:camera prst="orthographicFront"/>
+      <a:lightRig rig="threePt" dir="t"/>
+    </dgm:scene3d>
+    <dgm:sp3d/>
+    <dgm:txPr/>
+    <dgm:style>
+      <a:lnRef idx="2">
+        <a:scrgbClr r="0" g="0" b="0"/>
+      </a:lnRef>
+      <a:fillRef idx="0">
+        <a:scrgbClr r="0" g="0" b="0"/>
+      </a:fillRef>
+      <a:effectRef idx="0">
+        <a:scrgbClr r="0" g="0" b="0"/>
+      </a:effectRef>
+      <a:fontRef idx="minor"/>
+    </dgm:style>
+  </dgm:styleLbl>
+  <dgm:styleLbl name="fgAcc1">
+    <dgm:scene3d>
+      <a:camera prst="orthographicFront"/>
+      <a:lightRig rig="threePt" dir="t"/>
+    </dgm:scene3d>
+    <dgm:sp3d/>
+    <dgm:txPr/>
+    <dgm:style>
+      <a:lnRef idx="2">
+        <a:scrgbClr r="0" g="0" b="0"/>
+      </a:lnRef>
+      <a:fillRef idx="1">
+        <a:scrgbClr r="0" g="0" b="0"/>
+      </a:fillRef>
+      <a:effectRef idx="0">
+        <a:scrgbClr r="0" g="0" b="0"/>
+      </a:effectRef>
+      <a:fontRef idx="minor"/>
+    </dgm:style>
+  </dgm:styleLbl>
+  <dgm:styleLbl name="conFgAcc1">
+    <dgm:scene3d>
+      <a:camera prst="orthographicFront"/>
+      <a:lightRig rig="threePt" dir="t"/>
+    </dgm:scene3d>
+    <dgm:sp3d/>
+    <dgm:txPr/>
+    <dgm:style>
+      <a:lnRef idx="2">
+        <a:scrgbClr r="0" g="0" b="0"/>
+      </a:lnRef>
+      <a:fillRef idx="1">
+        <a:scrgbClr r="0" g="0" b="0"/>
+      </a:fillRef>
+      <a:effectRef idx="0">
+        <a:scrgbClr r="0" g="0" b="0"/>
+      </a:effectRef>
+      <a:fontRef idx="minor"/>
+    </dgm:style>
+  </dgm:styleLbl>
+  <dgm:styleLbl name="alignAcc1">
+    <dgm:scene3d>
+      <a:camera prst="orthographicFront"/>
+      <a:lightRig rig="threePt" dir="t"/>
+    </dgm:scene3d>
+    <dgm:sp3d/>
+    <dgm:txPr/>
+    <dgm:style>
+      <a:lnRef idx="2">
+        <a:scrgbClr r="0" g="0" b="0"/>
+      </a:lnRef>
+      <a:fillRef idx="1">
+        <a:scrgbClr r="0" g="0" b="0"/>
+      </a:fillRef>
+      <a:effectRef idx="0">
+        <a:scrgbClr r="0" g="0" b="0"/>
+      </a:effectRef>
+      <a:fontRef idx="minor"/>
+    </dgm:style>
+  </dgm:styleLbl>
+  <dgm:styleLbl name="trAlignAcc1">
+    <dgm:scene3d>
+      <a:camera prst="orthographicFront"/>
+      <a:lightRig rig="threePt" dir="t"/>
+    </dgm:scene3d>
+    <dgm:sp3d/>
+    <dgm:txPr/>
+    <dgm:style>
+      <a:lnRef idx="1">
+        <a:scrgbClr r="0" g="0" b="0"/>
+      </a:lnRef>
+      <a:fillRef idx="1">
+        <a:scrgbClr r="0" g="0" b="0"/>
+      </a:fillRef>
+      <a:effectRef idx="0">
+        <a:scrgbClr r="0" g="0" b="0"/>
+      </a:effectRef>
+      <a:fontRef idx="minor"/>
+    </dgm:style>
+  </dgm:styleLbl>
+  <dgm:styleLbl name="bgAcc1">
+    <dgm:scene3d>
+      <a:camera prst="orthographicFront"/>
+      <a:lightRig rig="threePt" dir="t"/>
+    </dgm:scene3d>
+    <dgm:sp3d/>
+    <dgm:txPr/>
+    <dgm:style>
+      <a:lnRef idx="2">
+        <a:scrgbClr r="0" g="0" b="0"/>
+      </a:lnRef>
+      <a:fillRef idx="1">
+        <a:scrgbClr r="0" g="0" b="0"/>
+      </a:fillRef>
+      <a:effectRef idx="0">
+        <a:scrgbClr r="0" g="0" b="0"/>
+      </a:effectRef>
+      <a:fontRef idx="minor"/>
+    </dgm:style>
+  </dgm:styleLbl>
+  <dgm:styleLbl name="solidFgAcc1">
+    <dgm:scene3d>
+      <a:camera prst="orthographicFront"/>
+      <a:lightRig rig="threePt" dir="t"/>
+    </dgm:scene3d>
+    <dgm:sp3d/>
+    <dgm:txPr/>
+    <dgm:style>
+      <a:lnRef idx="2">
+        <a:scrgbClr r="0" g="0" b="0"/>
+      </a:lnRef>
+      <a:fillRef idx="1">
+        <a:scrgbClr r="0" g="0" b="0"/>
+      </a:fillRef>
+      <a:effectRef idx="0">
+        <a:scrgbClr r="0" g="0" b="0"/>
+      </a:effectRef>
+      <a:fontRef idx="minor"/>
+    </dgm:style>
+  </dgm:styleLbl>
+  <dgm:styleLbl name="solidAlignAcc1">
+    <dgm:scene3d>
+      <a:camera prst="orthographicFront"/>
+      <a:lightRig rig="threePt" dir="t"/>
+    </dgm:scene3d>
+    <dgm:sp3d/>
+    <dgm:txPr/>
+    <dgm:style>
+      <a:lnRef idx="2">
+        <a:scrgbClr r="0" g="0" b="0"/>
+      </a:lnRef>
+      <a:fillRef idx="1">
+        <a:scrgbClr r="0" g="0" b="0"/>
+      </a:fillRef>
+      <a:effectRef idx="0">
+        <a:scrgbClr r="0" g="0" b="0"/>
+      </a:effectRef>
+      <a:fontRef idx="minor"/>
+    </dgm:style>
+  </dgm:styleLbl>
+  <dgm:styleLbl name="solidBgAcc1">
+    <dgm:scene3d>
+      <a:camera prst="orthographicFront"/>
+      <a:lightRig rig="threePt" dir="t"/>
+    </dgm:scene3d>
+    <dgm:sp3d/>
+    <dgm:txPr/>
+    <dgm:style>
+      <a:lnRef idx="2">
+        <a:scrgbClr r="0" g="0" b="0"/>
+      </a:lnRef>
+      <a:fillRef idx="1">
+        <a:scrgbClr r="0" g="0" b="0"/>
+      </a:fillRef>
+      <a:effectRef idx="0">
+        <a:scrgbClr r="0" g="0" b="0"/>
+      </a:effectRef>
+      <a:fontRef idx="minor"/>
+    </dgm:style>
+  </dgm:styleLbl>
+  <dgm:styleLbl name="fgAccFollowNode1">
+    <dgm:scene3d>
+      <a:camera prst="orthographicFront"/>
+      <a:lightRig rig="threePt" dir="t"/>
+    </dgm:scene3d>
+    <dgm:sp3d/>
+    <dgm:txPr/>
+    <dgm:style>
+      <a:lnRef idx="2">
+        <a:scrgbClr r="0" g="0" b="0"/>
+      </a:lnRef>
+      <a:fillRef idx="1">
+        <a:scrgbClr r="0" g="0" b="0"/>
+      </a:fillRef>
+      <a:effectRef idx="0">
+        <a:scrgbClr r="0" g="0" b="0"/>
+      </a:effectRef>
+      <a:fontRef idx="minor"/>
+    </dgm:style>
+  </dgm:styleLbl>
+  <dgm:styleLbl name="alignAccFollowNode1">
+    <dgm:scene3d>
+      <a:camera prst="orthographicFront"/>
+      <a:lightRig rig="threePt" dir="t"/>
+    </dgm:scene3d>
+    <dgm:sp3d/>
+    <dgm:txPr/>
+    <dgm:style>
+      <a:lnRef idx="2">
+        <a:scrgbClr r="0" g="0" b="0"/>
+      </a:lnRef>
+      <a:fillRef idx="1">
+        <a:scrgbClr r="0" g="0" b="0"/>
+      </a:fillRef>
+      <a:effectRef idx="0">
+        <a:scrgbClr r="0" g="0" b="0"/>
+      </a:effectRef>
+      <a:fontRef idx="minor"/>
+    </dgm:style>
+  </dgm:styleLbl>
+  <dgm:styleLbl name="bgAccFollowNode1">
+    <dgm:scene3d>
+      <a:camera prst="orthographicFront"/>
+      <a:lightRig rig="threePt" dir="t"/>
+    </dgm:scene3d>
+    <dgm:sp3d/>
+    <dgm:txPr/>
+    <dgm:style>
+      <a:lnRef idx="2">
+        <a:scrgbClr r="0" g="0" b="0"/>
+      </a:lnRef>
+      <a:fillRef idx="1">
+        <a:scrgbClr r="0" g="0" b="0"/>
+      </a:fillRef>
+      <a:effectRef idx="0">
+        <a:scrgbClr r="0" g="0" b="0"/>
+      </a:effectRef>
+      <a:fontRef idx="minor"/>
+    </dgm:style>
+  </dgm:styleLbl>
+  <dgm:styleLbl name="fgAcc0">
+    <dgm:scene3d>
+      <a:camera prst="orthographicFront"/>
+      <a:lightRig rig="threePt" dir="t"/>
+    </dgm:scene3d>
+    <dgm:sp3d/>
+    <dgm:txPr/>
+    <dgm:style>
+      <a:lnRef idx="2">
+        <a:scrgbClr r="0" g="0" b="0"/>
+      </a:lnRef>
+      <a:fillRef idx="1">
+        <a:scrgbClr r="0" g="0" b="0"/>
+      </a:fillRef>
+      <a:effectRef idx="0">
+        <a:scrgbClr r="0" g="0" b="0"/>
+      </a:effectRef>
+      <a:fontRef idx="minor"/>
+    </dgm:style>
+  </dgm:styleLbl>
+  <dgm:styleLbl name="fgAcc2">
+    <dgm:scene3d>
+      <a:camera prst="orthographicFront"/>
+      <a:lightRig rig="threePt" dir="t"/>
+    </dgm:scene3d>
+    <dgm:sp3d/>
+    <dgm:txPr/>
+    <dgm:style>
+      <a:lnRef idx="2">
+        <a:scrgbClr r="0" g="0" b="0"/>
+      </a:lnRef>
+      <a:fillRef idx="1">
+        <a:scrgbClr r="0" g="0" b="0"/>
+      </a:fillRef>
+      <a:effectRef idx="0">
+        <a:scrgbClr r="0" g="0" b="0"/>
+      </a:effectRef>
+      <a:fontRef idx="minor"/>
+    </dgm:style>
+  </dgm:styleLbl>
+  <dgm:styleLbl name="fgAcc3">
+    <dgm:scene3d>
+      <a:camera prst="orthographicFront"/>
+      <a:lightRig rig="threePt" dir="t"/>
+    </dgm:scene3d>
+    <dgm:sp3d/>
+    <dgm:txPr/>
+    <dgm:style>
+      <a:lnRef idx="2">
+        <a:scrgbClr r="0" g="0" b="0"/>
+      </a:lnRef>
+      <a:fillRef idx="1">
+        <a:scrgbClr r="0" g="0" b="0"/>
+      </a:fillRef>
+      <a:effectRef idx="0">
+        <a:scrgbClr r="0" g="0" b="0"/>
+      </a:effectRef>
+      <a:fontRef idx="minor"/>
+    </dgm:style>
+  </dgm:styleLbl>
+  <dgm:styleLbl name="fgAcc4">
+    <dgm:scene3d>
+      <a:camera prst="orthographicFront"/>
+      <a:lightRig rig="threePt" dir="t"/>
+    </dgm:scene3d>
+    <dgm:sp3d/>
+    <dgm:txPr/>
+    <dgm:style>
+      <a:lnRef idx="2">
+        <a:scrgbClr r="0" g="0" b="0"/>
+      </a:lnRef>
+      <a:fillRef idx="1">
+        <a:scrgbClr r="0" g="0" b="0"/>
+      </a:fillRef>
+      <a:effectRef idx="0">
+        <a:scrgbClr r="0" g="0" b="0"/>
+      </a:effectRef>
+      <a:fontRef idx="minor"/>
+    </dgm:style>
+  </dgm:styleLbl>
+  <dgm:styleLbl name="bgShp">
+    <dgm:scene3d>
+      <a:camera prst="orthographicFront"/>
+      <a:lightRig rig="threePt" dir="t"/>
+    </dgm:scene3d>
+    <dgm:sp3d/>
+    <dgm:txPr/>
+    <dgm:style>
+      <a:lnRef idx="0">
+        <a:scrgbClr r="0" g="0" b="0"/>
+      </a:lnRef>
+      <a:fillRef idx="1">
+        <a:scrgbClr r="0" g="0" b="0"/>
+      </a:fillRef>
+      <a:effectRef idx="0">
+        <a:scrgbClr r="0" g="0" b="0"/>
+      </a:effectRef>
+      <a:fontRef idx="minor"/>
+    </dgm:style>
+  </dgm:styleLbl>
+  <dgm:styleLbl name="dkBgShp">
+    <dgm:scene3d>
+      <a:camera prst="orthographicFront"/>
+      <a:lightRig rig="threePt" dir="t"/>
+    </dgm:scene3d>
+    <dgm:sp3d/>
+    <dgm:txPr/>
+    <dgm:style>
+      <a:lnRef idx="0">
+        <a:scrgbClr r="0" g="0" b="0"/>
+      </a:lnRef>
+      <a:fillRef idx="1">
+        <a:scrgbClr r="0" g="0" b="0"/>
+      </a:fillRef>
+      <a:effectRef idx="0">
+        <a:scrgbClr r="0" g="0" b="0"/>
+      </a:effectRef>
+      <a:fontRef idx="minor"/>
+    </dgm:style>
+  </dgm:styleLbl>
+  <dgm:styleLbl name="trBgShp">
+    <dgm:scene3d>
+      <a:camera prst="orthographicFront"/>
+      <a:lightRig rig="threePt" dir="t"/>
+    </dgm:scene3d>
+    <dgm:sp3d/>
+    <dgm:txPr/>
+    <dgm:style>
+      <a:lnRef idx="0">
+        <a:scrgbClr r="0" g="0" b="0"/>
+      </a:lnRef>
+      <a:fillRef idx="1">
+        <a:scrgbClr r="0" g="0" b="0"/>
+      </a:fillRef>
+      <a:effectRef idx="0">
+        <a:scrgbClr r="0" g="0" b="0"/>
+      </a:effectRef>
+      <a:fontRef idx="minor"/>
+    </dgm:style>
+  </dgm:styleLbl>
+  <dgm:styleLbl name="fgShp">
+    <dgm:scene3d>
+      <a:camera prst="orthographicFront"/>
+      <a:lightRig rig="threePt" dir="t"/>
+    </dgm:scene3d>
+    <dgm:sp3d/>
+    <dgm:txPr/>
+    <dgm:style>
+      <a:lnRef idx="2">
+        <a:scrgbClr r="0" g="0" b="0"/>
+      </a:lnRef>
+      <a:fillRef idx="1">
+        <a:scrgbClr r="0" g="0" b="0"/>
+      </a:fillRef>
+      <a:effectRef idx="0">
+        <a:scrgbClr r="0" g="0" b="0"/>
+      </a:effectRef>
+      <a:fontRef idx="minor"/>
+    </dgm:style>
+  </dgm:styleLbl>
+  <dgm:styleLbl name="revTx">
+    <dgm:scene3d>
+      <a:camera prst="orthographicFront"/>
+      <a:lightRig rig="threePt" dir="t"/>
+    </dgm:scene3d>
+    <dgm:sp3d/>
+    <dgm:txPr/>
+    <dgm:style>
+      <a:lnRef idx="0">
+        <a:scrgbClr r="0" g="0" b="0"/>
+      </a:lnRef>
+      <a:fillRef idx="0">
+        <a:scrgbClr r="0" g="0" b="0"/>
+      </a:fillRef>
+      <a:effectRef idx="0">
+        <a:scrgbClr r="0" g="0" b="0"/>
+      </a:effectRef>
+      <a:fontRef idx="minor"/>
+    </dgm:style>
+  </dgm:styleLbl>
+</dgm:styleDef>
 </file>
 
 <file path=ppt/handoutMasters/handoutMaster1.xml><?xml version="1.0" encoding="utf-8"?>
@@ -6426,12 +9283,186 @@
           </a:p>
         </p:txBody>
       </p:sp>
+      <p:pic>
+        <p:nvPicPr>
+          <p:cNvPr id="1028" name="Picture 4">
+            <a:extLst>
+              <a:ext uri="{FF2B5EF4-FFF2-40B4-BE49-F238E27FC236}">
+                <a16:creationId xmlns:a16="http://schemas.microsoft.com/office/drawing/2014/main" id="{B3EF7F33-0942-4806-00E6-7F61C800BC70}"/>
+              </a:ext>
+            </a:extLst>
+          </p:cNvPr>
+          <p:cNvPicPr>
+            <a:picLocks noChangeAspect="1" noChangeArrowheads="1"/>
+          </p:cNvPicPr>
+          <p:nvPr/>
+        </p:nvPicPr>
+        <p:blipFill>
+          <a:blip r:embed="rId2" cstate="print">
+            <a:extLst>
+              <a:ext uri="{28A0092B-C50C-407E-A947-70E740481C1C}">
+                <a14:useLocalDpi xmlns:a14="http://schemas.microsoft.com/office/drawing/2010/main" val="0"/>
+              </a:ext>
+            </a:extLst>
+          </a:blip>
+          <a:srcRect/>
+          <a:stretch>
+            <a:fillRect/>
+          </a:stretch>
+        </p:blipFill>
+        <p:spPr bwMode="auto">
+          <a:xfrm>
+            <a:off x="359999" y="2326128"/>
+            <a:ext cx="11604126" cy="2205743"/>
+          </a:xfrm>
+          <a:prstGeom prst="rect">
+            <a:avLst/>
+          </a:prstGeom>
+          <a:noFill/>
+          <a:extLst>
+            <a:ext uri="{909E8E84-426E-40DD-AFC4-6F175D3DCCD1}">
+              <a14:hiddenFill xmlns:a14="http://schemas.microsoft.com/office/drawing/2010/main">
+                <a:solidFill>
+                  <a:srgbClr val="FFFFFF"/>
+                </a:solidFill>
+              </a14:hiddenFill>
+            </a:ext>
+          </a:extLst>
+        </p:spPr>
+      </p:pic>
+    </p:spTree>
+    <p:extLst>
+      <p:ext uri="{BB962C8B-B14F-4D97-AF65-F5344CB8AC3E}">
+        <p14:creationId xmlns:p14="http://schemas.microsoft.com/office/powerpoint/2010/main" val="1858363788"/>
+      </p:ext>
+    </p:extLst>
+  </p:cSld>
+  <p:clrMapOvr>
+    <a:masterClrMapping/>
+  </p:clrMapOvr>
+</p:sld>
+</file>
+
+<file path=ppt/slides/slide4.xml><?xml version="1.0" encoding="utf-8"?>
+<p:sld xmlns:a="http://schemas.openxmlformats.org/drawingml/2006/main" xmlns:r="http://schemas.openxmlformats.org/officeDocument/2006/relationships" xmlns:p="http://schemas.openxmlformats.org/presentationml/2006/main">
+  <p:cSld>
+    <p:spTree>
+      <p:nvGrpSpPr>
+        <p:cNvPr id="1" name=""/>
+        <p:cNvGrpSpPr/>
+        <p:nvPr/>
+      </p:nvGrpSpPr>
+      <p:grpSpPr>
+        <a:xfrm>
+          <a:off x="0" y="0"/>
+          <a:ext cx="0" cy="0"/>
+          <a:chOff x="0" y="0"/>
+          <a:chExt cx="0" cy="0"/>
+        </a:xfrm>
+      </p:grpSpPr>
       <p:sp>
         <p:nvSpPr>
-          <p:cNvPr id="17" name="Text Placeholder 2">
+          <p:cNvPr id="4" name="Text Placeholder 3">
             <a:extLst>
               <a:ext uri="{FF2B5EF4-FFF2-40B4-BE49-F238E27FC236}">
-                <a16:creationId xmlns:a16="http://schemas.microsoft.com/office/drawing/2014/main" id="{F1FAD167-085A-50CB-BC94-53DD6EE947BB}"/>
+                <a16:creationId xmlns:a16="http://schemas.microsoft.com/office/drawing/2014/main" id="{C9E688F5-02E0-35C1-DF22-4392FC6DCE4C}"/>
+              </a:ext>
+            </a:extLst>
+          </p:cNvPr>
+          <p:cNvSpPr>
+            <a:spLocks noGrp="1"/>
+          </p:cNvSpPr>
+          <p:nvPr>
+            <p:ph type="body" sz="quarter" idx="10"/>
+          </p:nvPr>
+        </p:nvSpPr>
+        <p:spPr>
+          <a:xfrm>
+            <a:off x="359999" y="540000"/>
+            <a:ext cx="11160001" cy="758121"/>
+          </a:xfrm>
+        </p:spPr>
+        <p:txBody>
+          <a:bodyPr/>
+          <a:lstStyle/>
+          <a:p>
+            <a:r>
+              <a:rPr lang="en-US" dirty="0"/>
+              <a:t>Provider Validation Logic – Zoom In</a:t>
+            </a:r>
+            <a:endParaRPr lang="en-GB" dirty="0"/>
+          </a:p>
+          <a:p>
+            <a:endParaRPr lang="en-GB" dirty="0"/>
+          </a:p>
+        </p:txBody>
+      </p:sp>
+      <p:sp>
+        <p:nvSpPr>
+          <p:cNvPr id="5" name="Slide Number Placeholder 4">
+            <a:extLst>
+              <a:ext uri="{FF2B5EF4-FFF2-40B4-BE49-F238E27FC236}">
+                <a16:creationId xmlns:a16="http://schemas.microsoft.com/office/drawing/2014/main" id="{621E7C99-074A-4B37-3254-9D89E038996A}"/>
+              </a:ext>
+            </a:extLst>
+          </p:cNvPr>
+          <p:cNvSpPr>
+            <a:spLocks noGrp="1"/>
+          </p:cNvSpPr>
+          <p:nvPr>
+            <p:ph type="sldNum" sz="quarter" idx="4"/>
+          </p:nvPr>
+        </p:nvSpPr>
+        <p:spPr/>
+        <p:txBody>
+          <a:bodyPr/>
+          <a:lstStyle/>
+          <a:p>
+            <a:fld id="{18A41853-EF22-D446-BDBC-A7CF3FE93503}" type="slidenum">
+              <a:rPr lang="en-US" smtClean="0"/>
+              <a:pPr/>
+              <a:t>4</a:t>
+            </a:fld>
+            <a:endParaRPr lang="en-US" dirty="0"/>
+          </a:p>
+        </p:txBody>
+      </p:sp>
+      <p:pic>
+        <p:nvPicPr>
+          <p:cNvPr id="7" name="Picture 6">
+            <a:extLst>
+              <a:ext uri="{FF2B5EF4-FFF2-40B4-BE49-F238E27FC236}">
+                <a16:creationId xmlns:a16="http://schemas.microsoft.com/office/drawing/2014/main" id="{7980684D-119B-74FD-5AC5-B0864F6EAE2F}"/>
+              </a:ext>
+            </a:extLst>
+          </p:cNvPr>
+          <p:cNvPicPr>
+            <a:picLocks noChangeAspect="1"/>
+          </p:cNvPicPr>
+          <p:nvPr/>
+        </p:nvPicPr>
+        <p:blipFill>
+          <a:blip r:embed="rId2"/>
+          <a:stretch>
+            <a:fillRect/>
+          </a:stretch>
+        </p:blipFill>
+        <p:spPr>
+          <a:xfrm>
+            <a:off x="1981170" y="1298121"/>
+            <a:ext cx="7917656" cy="3465962"/>
+          </a:xfrm>
+          <a:prstGeom prst="rect">
+            <a:avLst/>
+          </a:prstGeom>
+        </p:spPr>
+      </p:pic>
+      <p:sp>
+        <p:nvSpPr>
+          <p:cNvPr id="10" name="Text Placeholder 2">
+            <a:extLst>
+              <a:ext uri="{FF2B5EF4-FFF2-40B4-BE49-F238E27FC236}">
+                <a16:creationId xmlns:a16="http://schemas.microsoft.com/office/drawing/2014/main" id="{851840E7-F9CC-E0FC-4DF1-AD21C2EB9AB2}"/>
               </a:ext>
             </a:extLst>
           </p:cNvPr>
@@ -6442,8 +9473,8 @@
         </p:nvSpPr>
         <p:spPr>
           <a:xfrm>
-            <a:off x="3375567" y="4987802"/>
-            <a:ext cx="5128865" cy="767444"/>
+            <a:off x="3728704" y="4764083"/>
+            <a:ext cx="4422589" cy="697247"/>
           </a:xfrm>
           <a:prstGeom prst="rect">
             <a:avLst/>
@@ -6623,46 +9654,10 @@
           </a:p>
         </p:txBody>
       </p:sp>
-      <p:pic>
-        <p:nvPicPr>
-          <p:cNvPr id="19" name="Picture 18" descr="A diagram of a diagram&#10;&#10;AI-generated content may be incorrect.">
-            <a:extLst>
-              <a:ext uri="{FF2B5EF4-FFF2-40B4-BE49-F238E27FC236}">
-                <a16:creationId xmlns:a16="http://schemas.microsoft.com/office/drawing/2014/main" id="{C8F7FAA6-458D-BA29-6A58-B9F28569432F}"/>
-              </a:ext>
-            </a:extLst>
-          </p:cNvPr>
-          <p:cNvPicPr>
-            <a:picLocks noChangeAspect="1"/>
-          </p:cNvPicPr>
-          <p:nvPr/>
-        </p:nvPicPr>
-        <p:blipFill>
-          <a:blip r:embed="rId2">
-            <a:extLst>
-              <a:ext uri="{28A0092B-C50C-407E-A947-70E740481C1C}">
-                <a14:useLocalDpi xmlns:a14="http://schemas.microsoft.com/office/drawing/2010/main" val="0"/>
-              </a:ext>
-            </a:extLst>
-          </a:blip>
-          <a:stretch>
-            <a:fillRect/>
-          </a:stretch>
-        </p:blipFill>
-        <p:spPr>
-          <a:xfrm>
-            <a:off x="376993" y="1989807"/>
-            <a:ext cx="11438014" cy="2245309"/>
-          </a:xfrm>
-          <a:prstGeom prst="rect">
-            <a:avLst/>
-          </a:prstGeom>
-        </p:spPr>
-      </p:pic>
     </p:spTree>
     <p:extLst>
       <p:ext uri="{BB962C8B-B14F-4D97-AF65-F5344CB8AC3E}">
-        <p14:creationId xmlns:p14="http://schemas.microsoft.com/office/powerpoint/2010/main" val="1858363788"/>
+        <p14:creationId xmlns:p14="http://schemas.microsoft.com/office/powerpoint/2010/main" val="2615537354"/>
       </p:ext>
     </p:extLst>
   </p:cSld>
@@ -6672,7 +9667,7 @@
 </p:sld>
 </file>
 
-<file path=ppt/slides/slide4.xml><?xml version="1.0" encoding="utf-8"?>
+<file path=ppt/slides/slide5.xml><?xml version="1.0" encoding="utf-8"?>
 <p:sld xmlns:a="http://schemas.openxmlformats.org/drawingml/2006/main" xmlns:r="http://schemas.openxmlformats.org/officeDocument/2006/relationships" xmlns:p="http://schemas.openxmlformats.org/presentationml/2006/main">
   <p:cSld>
     <p:spTree>
@@ -6744,7 +9739,7 @@
               <a:buChar char="•"/>
             </a:pPr>
             <a:r>
-              <a:rPr lang="en-US" sz="2000" dirty="0">
+              <a:rPr lang="en-US" sz="1800" dirty="0">
                 <a:solidFill>
                   <a:schemeClr val="tx1"/>
                 </a:solidFill>
@@ -6758,7 +9753,7 @@
               <a:buChar char="•"/>
             </a:pPr>
             <a:r>
-              <a:rPr lang="en-US" sz="2000" dirty="0"/>
+              <a:rPr lang="en-US" sz="1800" dirty="0"/>
               <a:t>Banned</a:t>
             </a:r>
           </a:p>
@@ -6768,7 +9763,7 @@
               <a:buChar char="•"/>
             </a:pPr>
             <a:r>
-              <a:rPr lang="en-US" sz="2000" dirty="0"/>
+              <a:rPr lang="en-US" sz="1800" dirty="0"/>
               <a:t>License expired</a:t>
             </a:r>
           </a:p>
@@ -6778,8 +9773,8 @@
               <a:buChar char="•"/>
             </a:pPr>
             <a:r>
-              <a:rPr lang="en-US" sz="2000" dirty="0"/>
-              <a:t>Other reasons</a:t>
+              <a:rPr lang="en-US" sz="1800" dirty="0"/>
+              <a:t>Other status changes</a:t>
             </a:r>
           </a:p>
           <a:p>
@@ -6848,7 +9843,7 @@
             <a:fld id="{18A41853-EF22-D446-BDBC-A7CF3FE93503}" type="slidenum">
               <a:rPr lang="en-US" smtClean="0"/>
               <a:pPr/>
-              <a:t>4</a:t>
+              <a:t>5</a:t>
             </a:fld>
             <a:endParaRPr lang="en-US" dirty="0"/>
           </a:p>
@@ -6867,7 +9862,7 @@
 </p:sld>
 </file>
 
-<file path=ppt/slides/slide5.xml><?xml version="1.0" encoding="utf-8"?>
+<file path=ppt/slides/slide6.xml><?xml version="1.0" encoding="utf-8"?>
 <p:sld xmlns:a="http://schemas.openxmlformats.org/drawingml/2006/main" xmlns:r="http://schemas.openxmlformats.org/officeDocument/2006/relationships" xmlns:p="http://schemas.openxmlformats.org/presentationml/2006/main">
   <p:cSld>
     <p:spTree>
@@ -6918,7 +9913,7 @@
               <a:buChar char="•"/>
             </a:pPr>
             <a:r>
-              <a:rPr lang="en-US" sz="1800" dirty="0"/>
+              <a:rPr lang="en-US" sz="2000" dirty="0"/>
               <a:t>Reliance on static internal list.</a:t>
             </a:r>
           </a:p>
@@ -6931,7 +9926,7 @@
               <a:buChar char="•"/>
             </a:pPr>
             <a:r>
-              <a:rPr lang="en-US" sz="1800" dirty="0"/>
+              <a:rPr lang="en-US" sz="2000" dirty="0"/>
               <a:t>Potential outdated provider status.</a:t>
             </a:r>
           </a:p>
@@ -6944,7 +9939,7 @@
               <a:buChar char="•"/>
             </a:pPr>
             <a:r>
-              <a:rPr lang="en-US" sz="1800" dirty="0"/>
+              <a:rPr lang="en-US" sz="2000" dirty="0"/>
               <a:t>Exposure to compliance and audit findings.</a:t>
             </a:r>
           </a:p>
@@ -6957,10 +9952,10 @@
               <a:buChar char="•"/>
             </a:pPr>
             <a:r>
-              <a:rPr lang="en-US" sz="1800" dirty="0"/>
+              <a:rPr lang="en-US" sz="2000" dirty="0"/>
               <a:t>Process design does not ensure ongoing eligibility.</a:t>
             </a:r>
-            <a:endParaRPr lang="en-GB" sz="1800" dirty="0"/>
+            <a:endParaRPr lang="en-GB" sz="2000" dirty="0"/>
           </a:p>
         </p:txBody>
       </p:sp>
@@ -7017,873 +10012,16 @@
             <a:fld id="{18A41853-EF22-D446-BDBC-A7CF3FE93503}" type="slidenum">
               <a:rPr lang="en-US" smtClean="0"/>
               <a:pPr/>
-              <a:t>5</a:t>
-            </a:fld>
-            <a:endParaRPr lang="en-US" dirty="0"/>
-          </a:p>
-        </p:txBody>
-      </p:sp>
-      <p:pic>
-        <p:nvPicPr>
-          <p:cNvPr id="1026" name="Picture 2" descr="High risk icon on white background. vector illustration. EPS 10 ...">
-            <a:extLst>
-              <a:ext uri="{FF2B5EF4-FFF2-40B4-BE49-F238E27FC236}">
-                <a16:creationId xmlns:a16="http://schemas.microsoft.com/office/drawing/2014/main" id="{893FCD44-F44A-9DC0-8905-9741EC93CCA7}"/>
-              </a:ext>
-            </a:extLst>
-          </p:cNvPr>
-          <p:cNvPicPr>
-            <a:picLocks noChangeAspect="1" noChangeArrowheads="1"/>
-          </p:cNvPicPr>
-          <p:nvPr/>
-        </p:nvPicPr>
-        <p:blipFill>
-          <a:blip r:embed="rId2" cstate="print">
-            <a:extLst>
-              <a:ext uri="{28A0092B-C50C-407E-A947-70E740481C1C}">
-                <a14:useLocalDpi xmlns:a14="http://schemas.microsoft.com/office/drawing/2010/main" val="0"/>
-              </a:ext>
-            </a:extLst>
-          </a:blip>
-          <a:srcRect/>
-          <a:stretch>
-            <a:fillRect/>
-          </a:stretch>
-        </p:blipFill>
-        <p:spPr bwMode="auto">
-          <a:xfrm>
-            <a:off x="7217890" y="1778185"/>
-            <a:ext cx="3201140" cy="3201140"/>
-          </a:xfrm>
-          <a:prstGeom prst="rect">
-            <a:avLst/>
-          </a:prstGeom>
-          <a:noFill/>
-          <a:extLst>
-            <a:ext uri="{909E8E84-426E-40DD-AFC4-6F175D3DCCD1}">
-              <a14:hiddenFill xmlns:a14="http://schemas.microsoft.com/office/drawing/2010/main">
-                <a:solidFill>
-                  <a:srgbClr val="FFFFFF"/>
-                </a:solidFill>
-              </a14:hiddenFill>
-            </a:ext>
-          </a:extLst>
-        </p:spPr>
-      </p:pic>
-    </p:spTree>
-    <p:extLst>
-      <p:ext uri="{BB962C8B-B14F-4D97-AF65-F5344CB8AC3E}">
-        <p14:creationId xmlns:p14="http://schemas.microsoft.com/office/powerpoint/2010/main" val="2340582072"/>
-      </p:ext>
-    </p:extLst>
-  </p:cSld>
-  <p:clrMapOvr>
-    <a:masterClrMapping/>
-  </p:clrMapOvr>
-</p:sld>
-</file>
-
-<file path=ppt/slides/slide6.xml><?xml version="1.0" encoding="utf-8"?>
-<p:sld xmlns:a="http://schemas.openxmlformats.org/drawingml/2006/main" xmlns:r="http://schemas.openxmlformats.org/officeDocument/2006/relationships" xmlns:p="http://schemas.openxmlformats.org/presentationml/2006/main">
-  <p:cSld>
-    <p:spTree>
-      <p:nvGrpSpPr>
-        <p:cNvPr id="1" name=""/>
-        <p:cNvGrpSpPr/>
-        <p:nvPr/>
-      </p:nvGrpSpPr>
-      <p:grpSpPr>
-        <a:xfrm>
-          <a:off x="0" y="0"/>
-          <a:ext cx="0" cy="0"/>
-          <a:chOff x="0" y="0"/>
-          <a:chExt cx="0" cy="0"/>
-        </a:xfrm>
-      </p:grpSpPr>
-      <p:sp>
-        <p:nvSpPr>
-          <p:cNvPr id="5" name="Slide Number Placeholder 4">
-            <a:extLst>
-              <a:ext uri="{FF2B5EF4-FFF2-40B4-BE49-F238E27FC236}">
-                <a16:creationId xmlns:a16="http://schemas.microsoft.com/office/drawing/2014/main" id="{813AEACB-1107-68F3-AB5F-B8D9AF5C3470}"/>
-              </a:ext>
-            </a:extLst>
-          </p:cNvPr>
-          <p:cNvSpPr>
-            <a:spLocks noGrp="1"/>
-          </p:cNvSpPr>
-          <p:nvPr>
-            <p:ph type="sldNum" sz="quarter" idx="4"/>
-          </p:nvPr>
-        </p:nvSpPr>
-        <p:spPr/>
-        <p:txBody>
-          <a:bodyPr/>
-          <a:lstStyle/>
-          <a:p>
-            <a:fld id="{18A41853-EF22-D446-BDBC-A7CF3FE93503}" type="slidenum">
-              <a:rPr lang="en-US" smtClean="0"/>
-              <a:pPr/>
               <a:t>6</a:t>
             </a:fld>
             <a:endParaRPr lang="en-US" dirty="0"/>
           </a:p>
         </p:txBody>
       </p:sp>
-      <p:sp>
-        <p:nvSpPr>
-          <p:cNvPr id="8" name="Text Placeholder 1">
-            <a:extLst>
-              <a:ext uri="{FF2B5EF4-FFF2-40B4-BE49-F238E27FC236}">
-                <a16:creationId xmlns:a16="http://schemas.microsoft.com/office/drawing/2014/main" id="{7B836E60-BF85-2CC7-6FE5-1D43E4BA6005}"/>
-              </a:ext>
-            </a:extLst>
-          </p:cNvPr>
-          <p:cNvSpPr txBox="1">
-            <a:spLocks/>
-          </p:cNvSpPr>
-          <p:nvPr/>
-        </p:nvSpPr>
-        <p:spPr>
-          <a:xfrm>
-            <a:off x="360000" y="1236752"/>
-            <a:ext cx="5350896" cy="424354"/>
-          </a:xfrm>
-          <a:prstGeom prst="rect">
-            <a:avLst/>
-          </a:prstGeom>
-        </p:spPr>
-        <p:txBody>
-          <a:bodyPr/>
-          <a:lstStyle>
-            <a:lvl1pPr marL="0" indent="0" algn="l" defTabSz="914400" rtl="0" eaLnBrk="1" latinLnBrk="0" hangingPunct="1">
-              <a:lnSpc>
-                <a:spcPct val="100000"/>
-              </a:lnSpc>
-              <a:spcBef>
-                <a:spcPts val="1200"/>
-              </a:spcBef>
-              <a:buFont typeface="Arial" panose="020B0604020202020204" pitchFamily="34" charset="0"/>
-              <a:buNone/>
-              <a:defRPr sz="1600" kern="1200">
-                <a:solidFill>
-                  <a:schemeClr val="tx1"/>
-                </a:solidFill>
-                <a:latin typeface="Arial" panose="020B0604020202020204" pitchFamily="34" charset="0"/>
-                <a:ea typeface="+mn-ea"/>
-                <a:cs typeface="Arial" panose="020B0604020202020204" pitchFamily="34" charset="0"/>
-              </a:defRPr>
-            </a:lvl1pPr>
-            <a:lvl2pPr marL="742950" indent="-285750" algn="l" defTabSz="914400" rtl="0" eaLnBrk="1" latinLnBrk="0" hangingPunct="1">
-              <a:lnSpc>
-                <a:spcPct val="100000"/>
-              </a:lnSpc>
-              <a:spcBef>
-                <a:spcPts val="1200"/>
-              </a:spcBef>
-              <a:buFont typeface="Arial" panose="020B0604020202020204" pitchFamily="34" charset="0"/>
-              <a:buChar char="–"/>
-              <a:defRPr sz="1600" kern="1200">
-                <a:solidFill>
-                  <a:schemeClr val="tx1"/>
-                </a:solidFill>
-                <a:latin typeface="Arial" panose="020B0604020202020204" pitchFamily="34" charset="0"/>
-                <a:ea typeface="+mn-ea"/>
-                <a:cs typeface="Arial" panose="020B0604020202020204" pitchFamily="34" charset="0"/>
-              </a:defRPr>
-            </a:lvl2pPr>
-            <a:lvl3pPr marL="1143000" indent="-228600" algn="l" defTabSz="914400" rtl="0" eaLnBrk="1" latinLnBrk="0" hangingPunct="1">
-              <a:lnSpc>
-                <a:spcPct val="100000"/>
-              </a:lnSpc>
-              <a:spcBef>
-                <a:spcPts val="1200"/>
-              </a:spcBef>
-              <a:buFont typeface="Arial" panose="020B0604020202020204" pitchFamily="34" charset="0"/>
-              <a:buChar char="•"/>
-              <a:defRPr sz="1400" kern="1200">
-                <a:solidFill>
-                  <a:schemeClr val="tx1"/>
-                </a:solidFill>
-                <a:latin typeface="Arial" panose="020B0604020202020204" pitchFamily="34" charset="0"/>
-                <a:ea typeface="+mn-ea"/>
-                <a:cs typeface="Arial" panose="020B0604020202020204" pitchFamily="34" charset="0"/>
-              </a:defRPr>
-            </a:lvl3pPr>
-            <a:lvl4pPr marL="1600200" indent="-228600" algn="l" defTabSz="914400" rtl="0" eaLnBrk="1" latinLnBrk="0" hangingPunct="1">
-              <a:lnSpc>
-                <a:spcPct val="100000"/>
-              </a:lnSpc>
-              <a:spcBef>
-                <a:spcPts val="1200"/>
-              </a:spcBef>
-              <a:buFont typeface="Arial" panose="020B0604020202020204" pitchFamily="34" charset="0"/>
-              <a:buChar char="–"/>
-              <a:defRPr sz="1400" kern="1200">
-                <a:solidFill>
-                  <a:schemeClr val="tx1"/>
-                </a:solidFill>
-                <a:latin typeface="Arial" panose="020B0604020202020204" pitchFamily="34" charset="0"/>
-                <a:ea typeface="+mn-ea"/>
-                <a:cs typeface="Arial" panose="020B0604020202020204" pitchFamily="34" charset="0"/>
-              </a:defRPr>
-            </a:lvl4pPr>
-            <a:lvl5pPr marL="2057400" indent="-228600" algn="l" defTabSz="914400" rtl="0" eaLnBrk="1" latinLnBrk="0" hangingPunct="1">
-              <a:lnSpc>
-                <a:spcPct val="100000"/>
-              </a:lnSpc>
-              <a:spcBef>
-                <a:spcPts val="1200"/>
-              </a:spcBef>
-              <a:buFont typeface="Arial" panose="020B0604020202020204" pitchFamily="34" charset="0"/>
-              <a:buChar char="»"/>
-              <a:defRPr sz="1400" kern="1200">
-                <a:solidFill>
-                  <a:schemeClr val="tx1"/>
-                </a:solidFill>
-                <a:latin typeface="Arial" panose="020B0604020202020204" pitchFamily="34" charset="0"/>
-                <a:ea typeface="+mn-ea"/>
-                <a:cs typeface="Arial" panose="020B0604020202020204" pitchFamily="34" charset="0"/>
-              </a:defRPr>
-            </a:lvl5pPr>
-            <a:lvl6pPr marL="2514600" indent="-228600" algn="l" defTabSz="914400" rtl="0" eaLnBrk="1" latinLnBrk="0" hangingPunct="1">
-              <a:spcBef>
-                <a:spcPct val="20000"/>
-              </a:spcBef>
-              <a:buFont typeface="Arial" panose="020B0604020202020204" pitchFamily="34" charset="0"/>
-              <a:buChar char="•"/>
-              <a:defRPr sz="2000" kern="1200">
-                <a:solidFill>
-                  <a:schemeClr val="tx1"/>
-                </a:solidFill>
-                <a:latin typeface="+mn-lt"/>
-                <a:ea typeface="+mn-ea"/>
-                <a:cs typeface="+mn-cs"/>
-              </a:defRPr>
-            </a:lvl6pPr>
-            <a:lvl7pPr marL="2971800" indent="-228600" algn="l" defTabSz="914400" rtl="0" eaLnBrk="1" latinLnBrk="0" hangingPunct="1">
-              <a:spcBef>
-                <a:spcPct val="20000"/>
-              </a:spcBef>
-              <a:buFont typeface="Arial" panose="020B0604020202020204" pitchFamily="34" charset="0"/>
-              <a:buChar char="•"/>
-              <a:defRPr sz="2000" kern="1200">
-                <a:solidFill>
-                  <a:schemeClr val="tx1"/>
-                </a:solidFill>
-                <a:latin typeface="+mn-lt"/>
-                <a:ea typeface="+mn-ea"/>
-                <a:cs typeface="+mn-cs"/>
-              </a:defRPr>
-            </a:lvl7pPr>
-            <a:lvl8pPr marL="3429000" indent="-228600" algn="l" defTabSz="914400" rtl="0" eaLnBrk="1" latinLnBrk="0" hangingPunct="1">
-              <a:spcBef>
-                <a:spcPct val="20000"/>
-              </a:spcBef>
-              <a:buFont typeface="Arial" panose="020B0604020202020204" pitchFamily="34" charset="0"/>
-              <a:buChar char="•"/>
-              <a:defRPr sz="2000" kern="1200">
-                <a:solidFill>
-                  <a:schemeClr val="tx1"/>
-                </a:solidFill>
-                <a:latin typeface="+mn-lt"/>
-                <a:ea typeface="+mn-ea"/>
-                <a:cs typeface="+mn-cs"/>
-              </a:defRPr>
-            </a:lvl8pPr>
-            <a:lvl9pPr marL="3886200" indent="-228600" algn="l" defTabSz="914400" rtl="0" eaLnBrk="1" latinLnBrk="0" hangingPunct="1">
-              <a:spcBef>
-                <a:spcPct val="20000"/>
-              </a:spcBef>
-              <a:buFont typeface="Arial" panose="020B0604020202020204" pitchFamily="34" charset="0"/>
-              <a:buChar char="•"/>
-              <a:defRPr sz="2000" kern="1200">
-                <a:solidFill>
-                  <a:schemeClr val="tx1"/>
-                </a:solidFill>
-                <a:latin typeface="+mn-lt"/>
-                <a:ea typeface="+mn-ea"/>
-                <a:cs typeface="+mn-cs"/>
-              </a:defRPr>
-            </a:lvl9pPr>
-          </a:lstStyle>
-          <a:p>
-            <a:r>
-              <a:rPr lang="en-CA" sz="1500" dirty="0"/>
-              <a:t>1. Fetch all registered provider </a:t>
-            </a:r>
-            <a:r>
-              <a:rPr lang="en-CA" sz="1500" b="1" dirty="0"/>
-              <a:t>daily</a:t>
-            </a:r>
-            <a:r>
-              <a:rPr lang="en-CA" sz="1500" dirty="0"/>
-              <a:t> and store it locally</a:t>
-            </a:r>
-          </a:p>
-        </p:txBody>
-      </p:sp>
-      <p:sp>
-        <p:nvSpPr>
-          <p:cNvPr id="9" name="Text Placeholder 4">
-            <a:extLst>
-              <a:ext uri="{FF2B5EF4-FFF2-40B4-BE49-F238E27FC236}">
-                <a16:creationId xmlns:a16="http://schemas.microsoft.com/office/drawing/2014/main" id="{1782F598-D49A-76A8-C828-68B10BE83CCE}"/>
-              </a:ext>
-            </a:extLst>
-          </p:cNvPr>
-          <p:cNvSpPr txBox="1">
-            <a:spLocks/>
-          </p:cNvSpPr>
-          <p:nvPr/>
-        </p:nvSpPr>
-        <p:spPr>
-          <a:xfrm>
-            <a:off x="360000" y="540000"/>
-            <a:ext cx="11160000" cy="607011"/>
-          </a:xfrm>
-          <a:prstGeom prst="rect">
-            <a:avLst/>
-          </a:prstGeom>
-          <a:noFill/>
-        </p:spPr>
-        <p:txBody>
-          <a:bodyPr vert="horz" lIns="91440" tIns="45720" rIns="91440" bIns="45720" rtlCol="0" anchor="t">
-            <a:noAutofit/>
-          </a:bodyPr>
-          <a:lstStyle>
-            <a:lvl1pPr marL="0" indent="0" algn="l" defTabSz="914400" rtl="0" eaLnBrk="1" latinLnBrk="0" hangingPunct="1">
-              <a:lnSpc>
-                <a:spcPts val="3200"/>
-              </a:lnSpc>
-              <a:spcBef>
-                <a:spcPts val="1200"/>
-              </a:spcBef>
-              <a:buFont typeface="Arial" panose="020B0604020202020204" pitchFamily="34" charset="0"/>
-              <a:buNone/>
-              <a:defRPr sz="3600" kern="1200">
-                <a:solidFill>
-                  <a:srgbClr val="333D47"/>
-                </a:solidFill>
-                <a:latin typeface="Arial" panose="020B0604020202020204" pitchFamily="34" charset="0"/>
-                <a:ea typeface="+mn-ea"/>
-                <a:cs typeface="Arial" panose="020B0604020202020204" pitchFamily="34" charset="0"/>
-              </a:defRPr>
-            </a:lvl1pPr>
-            <a:lvl2pPr marL="457200" indent="0" algn="l" defTabSz="914400" rtl="0" eaLnBrk="1" latinLnBrk="0" hangingPunct="1">
-              <a:lnSpc>
-                <a:spcPct val="100000"/>
-              </a:lnSpc>
-              <a:spcBef>
-                <a:spcPts val="1200"/>
-              </a:spcBef>
-              <a:buFont typeface="Arial" panose="020B0604020202020204" pitchFamily="34" charset="0"/>
-              <a:buNone/>
-              <a:defRPr sz="1600" kern="1200">
-                <a:solidFill>
-                  <a:schemeClr val="tx1"/>
-                </a:solidFill>
-                <a:latin typeface="Arial" panose="020B0604020202020204" pitchFamily="34" charset="0"/>
-                <a:ea typeface="+mn-ea"/>
-                <a:cs typeface="Arial" panose="020B0604020202020204" pitchFamily="34" charset="0"/>
-              </a:defRPr>
-            </a:lvl2pPr>
-            <a:lvl3pPr marL="1143000" indent="-228600" algn="l" defTabSz="914400" rtl="0" eaLnBrk="1" latinLnBrk="0" hangingPunct="1">
-              <a:lnSpc>
-                <a:spcPct val="100000"/>
-              </a:lnSpc>
-              <a:spcBef>
-                <a:spcPts val="1200"/>
-              </a:spcBef>
-              <a:buFont typeface="Arial" panose="020B0604020202020204" pitchFamily="34" charset="0"/>
-              <a:buChar char="•"/>
-              <a:defRPr sz="1400" kern="1200">
-                <a:solidFill>
-                  <a:schemeClr val="tx1"/>
-                </a:solidFill>
-                <a:latin typeface="Arial" panose="020B0604020202020204" pitchFamily="34" charset="0"/>
-                <a:ea typeface="+mn-ea"/>
-                <a:cs typeface="Arial" panose="020B0604020202020204" pitchFamily="34" charset="0"/>
-              </a:defRPr>
-            </a:lvl3pPr>
-            <a:lvl4pPr marL="1600200" indent="-228600" algn="l" defTabSz="914400" rtl="0" eaLnBrk="1" latinLnBrk="0" hangingPunct="1">
-              <a:lnSpc>
-                <a:spcPct val="100000"/>
-              </a:lnSpc>
-              <a:spcBef>
-                <a:spcPts val="1200"/>
-              </a:spcBef>
-              <a:buFont typeface="Arial" panose="020B0604020202020204" pitchFamily="34" charset="0"/>
-              <a:buChar char="–"/>
-              <a:defRPr sz="1400" kern="1200">
-                <a:solidFill>
-                  <a:schemeClr val="tx1"/>
-                </a:solidFill>
-                <a:latin typeface="Arial" panose="020B0604020202020204" pitchFamily="34" charset="0"/>
-                <a:ea typeface="+mn-ea"/>
-                <a:cs typeface="Arial" panose="020B0604020202020204" pitchFamily="34" charset="0"/>
-              </a:defRPr>
-            </a:lvl4pPr>
-            <a:lvl5pPr marL="2057400" indent="-228600" algn="l" defTabSz="914400" rtl="0" eaLnBrk="1" latinLnBrk="0" hangingPunct="1">
-              <a:lnSpc>
-                <a:spcPct val="100000"/>
-              </a:lnSpc>
-              <a:spcBef>
-                <a:spcPts val="1200"/>
-              </a:spcBef>
-              <a:buFont typeface="Arial" panose="020B0604020202020204" pitchFamily="34" charset="0"/>
-              <a:buChar char="»"/>
-              <a:defRPr sz="1400" kern="1200">
-                <a:solidFill>
-                  <a:schemeClr val="tx1"/>
-                </a:solidFill>
-                <a:latin typeface="Arial" panose="020B0604020202020204" pitchFamily="34" charset="0"/>
-                <a:ea typeface="+mn-ea"/>
-                <a:cs typeface="Arial" panose="020B0604020202020204" pitchFamily="34" charset="0"/>
-              </a:defRPr>
-            </a:lvl5pPr>
-            <a:lvl6pPr marL="2514600" indent="-228600" algn="l" defTabSz="914400" rtl="0" eaLnBrk="1" latinLnBrk="0" hangingPunct="1">
-              <a:spcBef>
-                <a:spcPct val="20000"/>
-              </a:spcBef>
-              <a:buFont typeface="Arial" panose="020B0604020202020204" pitchFamily="34" charset="0"/>
-              <a:buChar char="•"/>
-              <a:defRPr sz="2000" kern="1200">
-                <a:solidFill>
-                  <a:schemeClr val="tx1"/>
-                </a:solidFill>
-                <a:latin typeface="+mn-lt"/>
-                <a:ea typeface="+mn-ea"/>
-                <a:cs typeface="+mn-cs"/>
-              </a:defRPr>
-            </a:lvl6pPr>
-            <a:lvl7pPr marL="2971800" indent="-228600" algn="l" defTabSz="914400" rtl="0" eaLnBrk="1" latinLnBrk="0" hangingPunct="1">
-              <a:spcBef>
-                <a:spcPct val="20000"/>
-              </a:spcBef>
-              <a:buFont typeface="Arial" panose="020B0604020202020204" pitchFamily="34" charset="0"/>
-              <a:buChar char="•"/>
-              <a:defRPr sz="2000" kern="1200">
-                <a:solidFill>
-                  <a:schemeClr val="tx1"/>
-                </a:solidFill>
-                <a:latin typeface="+mn-lt"/>
-                <a:ea typeface="+mn-ea"/>
-                <a:cs typeface="+mn-cs"/>
-              </a:defRPr>
-            </a:lvl7pPr>
-            <a:lvl8pPr marL="3429000" indent="-228600" algn="l" defTabSz="914400" rtl="0" eaLnBrk="1" latinLnBrk="0" hangingPunct="1">
-              <a:spcBef>
-                <a:spcPct val="20000"/>
-              </a:spcBef>
-              <a:buFont typeface="Arial" panose="020B0604020202020204" pitchFamily="34" charset="0"/>
-              <a:buChar char="•"/>
-              <a:defRPr sz="2000" kern="1200">
-                <a:solidFill>
-                  <a:schemeClr val="tx1"/>
-                </a:solidFill>
-                <a:latin typeface="+mn-lt"/>
-                <a:ea typeface="+mn-ea"/>
-                <a:cs typeface="+mn-cs"/>
-              </a:defRPr>
-            </a:lvl8pPr>
-            <a:lvl9pPr marL="3886200" indent="-228600" algn="l" defTabSz="914400" rtl="0" eaLnBrk="1" latinLnBrk="0" hangingPunct="1">
-              <a:spcBef>
-                <a:spcPct val="20000"/>
-              </a:spcBef>
-              <a:buFont typeface="Arial" panose="020B0604020202020204" pitchFamily="34" charset="0"/>
-              <a:buChar char="•"/>
-              <a:defRPr sz="2000" kern="1200">
-                <a:solidFill>
-                  <a:schemeClr val="tx1"/>
-                </a:solidFill>
-                <a:latin typeface="+mn-lt"/>
-                <a:ea typeface="+mn-ea"/>
-                <a:cs typeface="+mn-cs"/>
-              </a:defRPr>
-            </a:lvl9pPr>
-          </a:lstStyle>
-          <a:p>
-            <a:r>
-              <a:rPr lang="en-CA"/>
-              <a:t>Proposed Automated Solution</a:t>
-            </a:r>
-            <a:endParaRPr lang="en-GB" dirty="0"/>
-          </a:p>
-        </p:txBody>
-      </p:sp>
-      <p:sp>
-        <p:nvSpPr>
-          <p:cNvPr id="10" name="Text Placeholder 1">
-            <a:extLst>
-              <a:ext uri="{FF2B5EF4-FFF2-40B4-BE49-F238E27FC236}">
-                <a16:creationId xmlns:a16="http://schemas.microsoft.com/office/drawing/2014/main" id="{64D59FF1-BBD5-60D5-7D36-F0BD7FCD7AF4}"/>
-              </a:ext>
-            </a:extLst>
-          </p:cNvPr>
-          <p:cNvSpPr txBox="1">
-            <a:spLocks/>
-          </p:cNvSpPr>
-          <p:nvPr/>
-        </p:nvSpPr>
-        <p:spPr>
-          <a:xfrm>
-            <a:off x="6096000" y="1238262"/>
-            <a:ext cx="5526600" cy="350256"/>
-          </a:xfrm>
-          <a:prstGeom prst="rect">
-            <a:avLst/>
-          </a:prstGeom>
-        </p:spPr>
-        <p:txBody>
-          <a:bodyPr vert="horz" lIns="91440" tIns="45720" rIns="91440" bIns="45720" rtlCol="0" anchor="t">
-            <a:noAutofit/>
-          </a:bodyPr>
-          <a:lstStyle>
-            <a:lvl1pPr marL="285750" indent="-285750" algn="l" defTabSz="914400" rtl="0" eaLnBrk="1" latinLnBrk="0" hangingPunct="1">
-              <a:lnSpc>
-                <a:spcPct val="100000"/>
-              </a:lnSpc>
-              <a:spcBef>
-                <a:spcPts val="1200"/>
-              </a:spcBef>
-              <a:buClr>
-                <a:schemeClr val="accent1"/>
-              </a:buClr>
-              <a:buSzPct val="125000"/>
-              <a:buFont typeface="Courier New" panose="02070309020205020404" pitchFamily="49" charset="0"/>
-              <a:buChar char="o"/>
-              <a:defRPr sz="1600" kern="1200">
-                <a:solidFill>
-                  <a:schemeClr val="tx1"/>
-                </a:solidFill>
-                <a:latin typeface="Arial" panose="020B0604020202020204" pitchFamily="34" charset="0"/>
-                <a:ea typeface="+mn-ea"/>
-                <a:cs typeface="Arial" panose="020B0604020202020204" pitchFamily="34" charset="0"/>
-              </a:defRPr>
-            </a:lvl1pPr>
-            <a:lvl2pPr marL="742950" indent="-285750" algn="l" defTabSz="914400" rtl="0" eaLnBrk="1" latinLnBrk="0" hangingPunct="1">
-              <a:lnSpc>
-                <a:spcPct val="100000"/>
-              </a:lnSpc>
-              <a:spcBef>
-                <a:spcPts val="1200"/>
-              </a:spcBef>
-              <a:buClr>
-                <a:schemeClr val="accent1"/>
-              </a:buClr>
-              <a:buSzPct val="125000"/>
-              <a:buFont typeface="Courier New" panose="02070309020205020404" pitchFamily="49" charset="0"/>
-              <a:buChar char="o"/>
-              <a:defRPr sz="1600" kern="1200">
-                <a:solidFill>
-                  <a:schemeClr val="tx1"/>
-                </a:solidFill>
-                <a:latin typeface="Arial" panose="020B0604020202020204" pitchFamily="34" charset="0"/>
-                <a:ea typeface="+mn-ea"/>
-                <a:cs typeface="Arial" panose="020B0604020202020204" pitchFamily="34" charset="0"/>
-              </a:defRPr>
-            </a:lvl2pPr>
-            <a:lvl3pPr marL="1143000" indent="-228600" algn="l" defTabSz="914400" rtl="0" eaLnBrk="1" latinLnBrk="0" hangingPunct="1">
-              <a:lnSpc>
-                <a:spcPct val="100000"/>
-              </a:lnSpc>
-              <a:spcBef>
-                <a:spcPts val="1200"/>
-              </a:spcBef>
-              <a:buClr>
-                <a:schemeClr val="accent1"/>
-              </a:buClr>
-              <a:buSzPct val="125000"/>
-              <a:buFont typeface="Courier New" panose="02070309020205020404" pitchFamily="49" charset="0"/>
-              <a:buChar char="o"/>
-              <a:defRPr sz="1400" kern="1200">
-                <a:solidFill>
-                  <a:schemeClr val="tx1"/>
-                </a:solidFill>
-                <a:latin typeface="Arial" panose="020B0604020202020204" pitchFamily="34" charset="0"/>
-                <a:ea typeface="+mn-ea"/>
-                <a:cs typeface="Arial" panose="020B0604020202020204" pitchFamily="34" charset="0"/>
-              </a:defRPr>
-            </a:lvl3pPr>
-            <a:lvl4pPr marL="1600200" indent="-228600" algn="l" defTabSz="914400" rtl="0" eaLnBrk="1" latinLnBrk="0" hangingPunct="1">
-              <a:lnSpc>
-                <a:spcPct val="100000"/>
-              </a:lnSpc>
-              <a:spcBef>
-                <a:spcPts val="1200"/>
-              </a:spcBef>
-              <a:buClr>
-                <a:schemeClr val="accent1"/>
-              </a:buClr>
-              <a:buSzPct val="125000"/>
-              <a:buFont typeface="Courier New" panose="02070309020205020404" pitchFamily="49" charset="0"/>
-              <a:buChar char="o"/>
-              <a:defRPr sz="1400" kern="1200">
-                <a:solidFill>
-                  <a:schemeClr val="tx1"/>
-                </a:solidFill>
-                <a:latin typeface="Arial" panose="020B0604020202020204" pitchFamily="34" charset="0"/>
-                <a:ea typeface="+mn-ea"/>
-                <a:cs typeface="Arial" panose="020B0604020202020204" pitchFamily="34" charset="0"/>
-              </a:defRPr>
-            </a:lvl4pPr>
-            <a:lvl5pPr marL="2057400" indent="-228600" algn="l" defTabSz="914400" rtl="0" eaLnBrk="1" latinLnBrk="0" hangingPunct="1">
-              <a:lnSpc>
-                <a:spcPct val="100000"/>
-              </a:lnSpc>
-              <a:spcBef>
-                <a:spcPts val="1200"/>
-              </a:spcBef>
-              <a:buClr>
-                <a:schemeClr val="accent1"/>
-              </a:buClr>
-              <a:buSzPct val="125000"/>
-              <a:buFont typeface="Courier New" panose="02070309020205020404" pitchFamily="49" charset="0"/>
-              <a:buChar char="o"/>
-              <a:defRPr sz="1400" kern="1200">
-                <a:solidFill>
-                  <a:schemeClr val="tx1"/>
-                </a:solidFill>
-                <a:latin typeface="Arial" panose="020B0604020202020204" pitchFamily="34" charset="0"/>
-                <a:ea typeface="+mn-ea"/>
-                <a:cs typeface="Arial" panose="020B0604020202020204" pitchFamily="34" charset="0"/>
-              </a:defRPr>
-            </a:lvl5pPr>
-            <a:lvl6pPr marL="2514600" indent="-228600" algn="l" defTabSz="914400" rtl="0" eaLnBrk="1" latinLnBrk="0" hangingPunct="1">
-              <a:spcBef>
-                <a:spcPct val="20000"/>
-              </a:spcBef>
-              <a:buFont typeface="Arial" panose="020B0604020202020204" pitchFamily="34" charset="0"/>
-              <a:buChar char="•"/>
-              <a:defRPr sz="2000" kern="1200">
-                <a:solidFill>
-                  <a:schemeClr val="tx1"/>
-                </a:solidFill>
-                <a:latin typeface="+mn-lt"/>
-                <a:ea typeface="+mn-ea"/>
-                <a:cs typeface="+mn-cs"/>
-              </a:defRPr>
-            </a:lvl6pPr>
-            <a:lvl7pPr marL="2971800" indent="-228600" algn="l" defTabSz="914400" rtl="0" eaLnBrk="1" latinLnBrk="0" hangingPunct="1">
-              <a:spcBef>
-                <a:spcPct val="20000"/>
-              </a:spcBef>
-              <a:buFont typeface="Arial" panose="020B0604020202020204" pitchFamily="34" charset="0"/>
-              <a:buChar char="•"/>
-              <a:defRPr sz="2000" kern="1200">
-                <a:solidFill>
-                  <a:schemeClr val="tx1"/>
-                </a:solidFill>
-                <a:latin typeface="+mn-lt"/>
-                <a:ea typeface="+mn-ea"/>
-                <a:cs typeface="+mn-cs"/>
-              </a:defRPr>
-            </a:lvl7pPr>
-            <a:lvl8pPr marL="3429000" indent="-228600" algn="l" defTabSz="914400" rtl="0" eaLnBrk="1" latinLnBrk="0" hangingPunct="1">
-              <a:spcBef>
-                <a:spcPct val="20000"/>
-              </a:spcBef>
-              <a:buFont typeface="Arial" panose="020B0604020202020204" pitchFamily="34" charset="0"/>
-              <a:buChar char="•"/>
-              <a:defRPr sz="2000" kern="1200">
-                <a:solidFill>
-                  <a:schemeClr val="tx1"/>
-                </a:solidFill>
-                <a:latin typeface="+mn-lt"/>
-                <a:ea typeface="+mn-ea"/>
-                <a:cs typeface="+mn-cs"/>
-              </a:defRPr>
-            </a:lvl8pPr>
-            <a:lvl9pPr marL="3886200" indent="-228600" algn="l" defTabSz="914400" rtl="0" eaLnBrk="1" latinLnBrk="0" hangingPunct="1">
-              <a:spcBef>
-                <a:spcPct val="20000"/>
-              </a:spcBef>
-              <a:buFont typeface="Arial" panose="020B0604020202020204" pitchFamily="34" charset="0"/>
-              <a:buChar char="•"/>
-              <a:defRPr sz="2000" kern="1200">
-                <a:solidFill>
-                  <a:schemeClr val="tx1"/>
-                </a:solidFill>
-                <a:latin typeface="+mn-lt"/>
-                <a:ea typeface="+mn-ea"/>
-                <a:cs typeface="+mn-cs"/>
-              </a:defRPr>
-            </a:lvl9pPr>
-          </a:lstStyle>
-          <a:p>
-            <a:pPr marL="0" indent="0">
-              <a:buNone/>
-            </a:pPr>
-            <a:r>
-              <a:rPr lang="en-CA" sz="1500" dirty="0"/>
-              <a:t>2. OCR extracts provider names from scanned documents</a:t>
-            </a:r>
-          </a:p>
-        </p:txBody>
-      </p:sp>
-      <p:pic>
-        <p:nvPicPr>
-          <p:cNvPr id="11" name="Picture 10">
-            <a:extLst>
-              <a:ext uri="{FF2B5EF4-FFF2-40B4-BE49-F238E27FC236}">
-                <a16:creationId xmlns:a16="http://schemas.microsoft.com/office/drawing/2014/main" id="{D0253F74-597A-BA02-58D3-0D01B9F9537F}"/>
-              </a:ext>
-            </a:extLst>
-          </p:cNvPr>
-          <p:cNvPicPr>
-            <a:picLocks noChangeAspect="1"/>
-          </p:cNvPicPr>
-          <p:nvPr/>
-        </p:nvPicPr>
-        <p:blipFill>
-          <a:blip r:embed="rId2"/>
-          <a:stretch>
-            <a:fillRect/>
-          </a:stretch>
-        </p:blipFill>
-        <p:spPr>
-          <a:xfrm>
-            <a:off x="6433781" y="1866922"/>
-            <a:ext cx="3230691" cy="4206998"/>
-          </a:xfrm>
-          <a:prstGeom prst="rect">
-            <a:avLst/>
-          </a:prstGeom>
-        </p:spPr>
-      </p:pic>
-      <p:sp>
-        <p:nvSpPr>
-          <p:cNvPr id="12" name="Arrow: Right 11">
-            <a:extLst>
-              <a:ext uri="{FF2B5EF4-FFF2-40B4-BE49-F238E27FC236}">
-                <a16:creationId xmlns:a16="http://schemas.microsoft.com/office/drawing/2014/main" id="{7F910C63-E3F7-5407-3094-52D546F6B50E}"/>
-              </a:ext>
-            </a:extLst>
-          </p:cNvPr>
-          <p:cNvSpPr/>
-          <p:nvPr/>
-        </p:nvSpPr>
-        <p:spPr>
-          <a:xfrm>
-            <a:off x="4696326" y="3429000"/>
-            <a:ext cx="1259305" cy="541421"/>
-          </a:xfrm>
-          <a:prstGeom prst="rightArrow">
-            <a:avLst/>
-          </a:prstGeom>
-          <a:ln>
-            <a:noFill/>
-          </a:ln>
-        </p:spPr>
-        <p:style>
-          <a:lnRef idx="2">
-            <a:schemeClr val="accent1">
-              <a:shade val="50000"/>
-            </a:schemeClr>
-          </a:lnRef>
-          <a:fillRef idx="1">
-            <a:schemeClr val="accent1"/>
-          </a:fillRef>
-          <a:effectRef idx="0">
-            <a:schemeClr val="accent1"/>
-          </a:effectRef>
-          <a:fontRef idx="minor">
-            <a:schemeClr val="lt1"/>
-          </a:fontRef>
-        </p:style>
-        <p:txBody>
-          <a:bodyPr rtlCol="0" anchor="ctr"/>
-          <a:lstStyle/>
-          <a:p>
-            <a:pPr algn="ctr"/>
-            <a:endParaRPr lang="en-GB"/>
-          </a:p>
-        </p:txBody>
-      </p:sp>
-      <p:sp>
-        <p:nvSpPr>
-          <p:cNvPr id="13" name="Arrow: Right 12">
-            <a:extLst>
-              <a:ext uri="{FF2B5EF4-FFF2-40B4-BE49-F238E27FC236}">
-                <a16:creationId xmlns:a16="http://schemas.microsoft.com/office/drawing/2014/main" id="{5B6F317E-94E0-95C5-C791-5F2EC304FC12}"/>
-              </a:ext>
-            </a:extLst>
-          </p:cNvPr>
-          <p:cNvSpPr/>
-          <p:nvPr/>
-        </p:nvSpPr>
-        <p:spPr>
-          <a:xfrm>
-            <a:off x="10142622" y="3429000"/>
-            <a:ext cx="1259305" cy="541421"/>
-          </a:xfrm>
-          <a:prstGeom prst="rightArrow">
-            <a:avLst/>
-          </a:prstGeom>
-          <a:ln>
-            <a:noFill/>
-          </a:ln>
-        </p:spPr>
-        <p:style>
-          <a:lnRef idx="2">
-            <a:schemeClr val="accent1">
-              <a:shade val="50000"/>
-            </a:schemeClr>
-          </a:lnRef>
-          <a:fillRef idx="1">
-            <a:schemeClr val="accent1"/>
-          </a:fillRef>
-          <a:effectRef idx="0">
-            <a:schemeClr val="accent1"/>
-          </a:effectRef>
-          <a:fontRef idx="minor">
-            <a:schemeClr val="lt1"/>
-          </a:fontRef>
-        </p:style>
-        <p:txBody>
-          <a:bodyPr rtlCol="0" anchor="ctr"/>
-          <a:lstStyle/>
-          <a:p>
-            <a:pPr algn="ctr"/>
-            <a:endParaRPr lang="en-GB"/>
-          </a:p>
-        </p:txBody>
-      </p:sp>
-      <p:pic>
-        <p:nvPicPr>
-          <p:cNvPr id="14" name="Picture 13">
-            <a:extLst>
-              <a:ext uri="{FF2B5EF4-FFF2-40B4-BE49-F238E27FC236}">
-                <a16:creationId xmlns:a16="http://schemas.microsoft.com/office/drawing/2014/main" id="{6AFF982F-7206-FA8F-C8D6-0109487B8B97}"/>
-              </a:ext>
-            </a:extLst>
-          </p:cNvPr>
-          <p:cNvPicPr>
-            <a:picLocks noChangeAspect="1"/>
-          </p:cNvPicPr>
-          <p:nvPr/>
-        </p:nvPicPr>
-        <p:blipFill>
-          <a:blip r:embed="rId3"/>
-          <a:stretch>
-            <a:fillRect/>
-          </a:stretch>
-        </p:blipFill>
-        <p:spPr>
-          <a:xfrm>
-            <a:off x="553562" y="2304735"/>
-            <a:ext cx="3947932" cy="2896263"/>
-          </a:xfrm>
-          <a:prstGeom prst="rect">
-            <a:avLst/>
-          </a:prstGeom>
-        </p:spPr>
-      </p:pic>
     </p:spTree>
     <p:extLst>
       <p:ext uri="{BB962C8B-B14F-4D97-AF65-F5344CB8AC3E}">
-        <p14:creationId xmlns:p14="http://schemas.microsoft.com/office/powerpoint/2010/main" val="1313106138"/>
+        <p14:creationId xmlns:p14="http://schemas.microsoft.com/office/powerpoint/2010/main" val="2340582072"/>
       </p:ext>
     </p:extLst>
   </p:cSld>
@@ -7910,12 +10048,69 @@
           <a:chExt cx="0" cy="0"/>
         </a:xfrm>
       </p:grpSpPr>
+      <p:graphicFrame>
+        <p:nvGraphicFramePr>
+          <p:cNvPr id="16" name="Diagram 15">
+            <a:extLst>
+              <a:ext uri="{FF2B5EF4-FFF2-40B4-BE49-F238E27FC236}">
+                <a16:creationId xmlns:a16="http://schemas.microsoft.com/office/drawing/2014/main" id="{B73CE050-8A69-6B3B-0A83-C0FA3BB8F5FF}"/>
+              </a:ext>
+            </a:extLst>
+          </p:cNvPr>
+          <p:cNvGraphicFramePr/>
+          <p:nvPr>
+            <p:extLst>
+              <p:ext uri="{D42A27DB-BD31-4B8C-83A1-F6EECF244321}">
+                <p14:modId xmlns:p14="http://schemas.microsoft.com/office/powerpoint/2010/main" val="2966800135"/>
+              </p:ext>
+            </p:extLst>
+          </p:nvPr>
+        </p:nvGraphicFramePr>
+        <p:xfrm>
+          <a:off x="360000" y="1800000"/>
+          <a:ext cx="9241200" cy="4256262"/>
+        </p:xfrm>
+        <a:graphic>
+          <a:graphicData uri="http://schemas.openxmlformats.org/drawingml/2006/diagram">
+            <dgm:relIds xmlns:dgm="http://schemas.openxmlformats.org/drawingml/2006/diagram" xmlns:r="http://schemas.openxmlformats.org/officeDocument/2006/relationships" r:dm="rId2" r:lo="rId3" r:qs="rId4" r:cs="rId5"/>
+          </a:graphicData>
+        </a:graphic>
+      </p:graphicFrame>
+      <p:sp>
+        <p:nvSpPr>
+          <p:cNvPr id="4" name="Text Placeholder 3">
+            <a:extLst>
+              <a:ext uri="{FF2B5EF4-FFF2-40B4-BE49-F238E27FC236}">
+                <a16:creationId xmlns:a16="http://schemas.microsoft.com/office/drawing/2014/main" id="{D5781A7C-50C1-A0EF-9C53-729E74D159D0}"/>
+              </a:ext>
+            </a:extLst>
+          </p:cNvPr>
+          <p:cNvSpPr>
+            <a:spLocks noGrp="1"/>
+          </p:cNvSpPr>
+          <p:nvPr>
+            <p:ph type="body" sz="quarter" idx="10"/>
+          </p:nvPr>
+        </p:nvSpPr>
+        <p:spPr/>
+        <p:txBody>
+          <a:bodyPr/>
+          <a:lstStyle/>
+          <a:p>
+            <a:r>
+              <a:rPr lang="en-US" dirty="0"/>
+              <a:t>Proposed Control Enhancement</a:t>
+            </a:r>
+            <a:endParaRPr lang="en-GB" dirty="0"/>
+          </a:p>
+        </p:txBody>
+      </p:sp>
       <p:sp>
         <p:nvSpPr>
           <p:cNvPr id="5" name="Slide Number Placeholder 4">
             <a:extLst>
               <a:ext uri="{FF2B5EF4-FFF2-40B4-BE49-F238E27FC236}">
-                <a16:creationId xmlns:a16="http://schemas.microsoft.com/office/drawing/2014/main" id="{3223E683-D198-9CB3-EFEE-183B06A99ABA}"/>
+                <a16:creationId xmlns:a16="http://schemas.microsoft.com/office/drawing/2014/main" id="{978C3773-0362-A33A-9847-6CEC7815EE7F}"/>
               </a:ext>
             </a:extLst>
           </p:cNvPr>
@@ -7940,744 +10135,10 @@
           </a:p>
         </p:txBody>
       </p:sp>
-      <p:sp>
-        <p:nvSpPr>
-          <p:cNvPr id="6" name="Slide Number Placeholder 2">
-            <a:extLst>
-              <a:ext uri="{FF2B5EF4-FFF2-40B4-BE49-F238E27FC236}">
-                <a16:creationId xmlns:a16="http://schemas.microsoft.com/office/drawing/2014/main" id="{B5A79430-4EC7-D69E-C24B-B01C3AEB5BDB}"/>
-              </a:ext>
-            </a:extLst>
-          </p:cNvPr>
-          <p:cNvSpPr txBox="1">
-            <a:spLocks/>
-          </p:cNvSpPr>
-          <p:nvPr/>
-        </p:nvSpPr>
-        <p:spPr>
-          <a:xfrm>
-            <a:off x="359999" y="6264872"/>
-            <a:ext cx="360000" cy="360000"/>
-          </a:xfrm>
-          <a:prstGeom prst="rect">
-            <a:avLst/>
-          </a:prstGeom>
-        </p:spPr>
-        <p:txBody>
-          <a:bodyPr vert="horz" lIns="91440" tIns="45720" rIns="91440" bIns="45720" rtlCol="0" anchor="ctr"/>
-          <a:lstStyle>
-            <a:defPPr>
-              <a:defRPr lang="en-US"/>
-            </a:defPPr>
-            <a:lvl1pPr marL="0" algn="l" defTabSz="914400" rtl="0" eaLnBrk="1" latinLnBrk="0" hangingPunct="1">
-              <a:defRPr sz="800" b="0" i="0" kern="1200">
-                <a:solidFill>
-                  <a:schemeClr val="tx1"/>
-                </a:solidFill>
-                <a:latin typeface="Arial" panose="020B0604020202020204" pitchFamily="34" charset="0"/>
-                <a:ea typeface="+mn-ea"/>
-                <a:cs typeface="Arial" panose="020B0604020202020204" pitchFamily="34" charset="0"/>
-              </a:defRPr>
-            </a:lvl1pPr>
-            <a:lvl2pPr marL="457200" algn="l" defTabSz="914400" rtl="0" eaLnBrk="1" latinLnBrk="0" hangingPunct="1">
-              <a:defRPr sz="1800" kern="1200">
-                <a:solidFill>
-                  <a:schemeClr val="tx1"/>
-                </a:solidFill>
-                <a:latin typeface="+mn-lt"/>
-                <a:ea typeface="+mn-ea"/>
-                <a:cs typeface="+mn-cs"/>
-              </a:defRPr>
-            </a:lvl2pPr>
-            <a:lvl3pPr marL="914400" algn="l" defTabSz="914400" rtl="0" eaLnBrk="1" latinLnBrk="0" hangingPunct="1">
-              <a:defRPr sz="1800" kern="1200">
-                <a:solidFill>
-                  <a:schemeClr val="tx1"/>
-                </a:solidFill>
-                <a:latin typeface="+mn-lt"/>
-                <a:ea typeface="+mn-ea"/>
-                <a:cs typeface="+mn-cs"/>
-              </a:defRPr>
-            </a:lvl3pPr>
-            <a:lvl4pPr marL="1371600" algn="l" defTabSz="914400" rtl="0" eaLnBrk="1" latinLnBrk="0" hangingPunct="1">
-              <a:defRPr sz="1800" kern="1200">
-                <a:solidFill>
-                  <a:schemeClr val="tx1"/>
-                </a:solidFill>
-                <a:latin typeface="+mn-lt"/>
-                <a:ea typeface="+mn-ea"/>
-                <a:cs typeface="+mn-cs"/>
-              </a:defRPr>
-            </a:lvl4pPr>
-            <a:lvl5pPr marL="1828800" algn="l" defTabSz="914400" rtl="0" eaLnBrk="1" latinLnBrk="0" hangingPunct="1">
-              <a:defRPr sz="1800" kern="1200">
-                <a:solidFill>
-                  <a:schemeClr val="tx1"/>
-                </a:solidFill>
-                <a:latin typeface="+mn-lt"/>
-                <a:ea typeface="+mn-ea"/>
-                <a:cs typeface="+mn-cs"/>
-              </a:defRPr>
-            </a:lvl5pPr>
-            <a:lvl6pPr marL="2286000" algn="l" defTabSz="914400" rtl="0" eaLnBrk="1" latinLnBrk="0" hangingPunct="1">
-              <a:defRPr sz="1800" kern="1200">
-                <a:solidFill>
-                  <a:schemeClr val="tx1"/>
-                </a:solidFill>
-                <a:latin typeface="+mn-lt"/>
-                <a:ea typeface="+mn-ea"/>
-                <a:cs typeface="+mn-cs"/>
-              </a:defRPr>
-            </a:lvl6pPr>
-            <a:lvl7pPr marL="2743200" algn="l" defTabSz="914400" rtl="0" eaLnBrk="1" latinLnBrk="0" hangingPunct="1">
-              <a:defRPr sz="1800" kern="1200">
-                <a:solidFill>
-                  <a:schemeClr val="tx1"/>
-                </a:solidFill>
-                <a:latin typeface="+mn-lt"/>
-                <a:ea typeface="+mn-ea"/>
-                <a:cs typeface="+mn-cs"/>
-              </a:defRPr>
-            </a:lvl7pPr>
-            <a:lvl8pPr marL="3200400" algn="l" defTabSz="914400" rtl="0" eaLnBrk="1" latinLnBrk="0" hangingPunct="1">
-              <a:defRPr sz="1800" kern="1200">
-                <a:solidFill>
-                  <a:schemeClr val="tx1"/>
-                </a:solidFill>
-                <a:latin typeface="+mn-lt"/>
-                <a:ea typeface="+mn-ea"/>
-                <a:cs typeface="+mn-cs"/>
-              </a:defRPr>
-            </a:lvl8pPr>
-            <a:lvl9pPr marL="3657600" algn="l" defTabSz="914400" rtl="0" eaLnBrk="1" latinLnBrk="0" hangingPunct="1">
-              <a:defRPr sz="1800" kern="1200">
-                <a:solidFill>
-                  <a:schemeClr val="tx1"/>
-                </a:solidFill>
-                <a:latin typeface="+mn-lt"/>
-                <a:ea typeface="+mn-ea"/>
-                <a:cs typeface="+mn-cs"/>
-              </a:defRPr>
-            </a:lvl9pPr>
-          </a:lstStyle>
-          <a:p>
-            <a:fld id="{18A41853-EF22-D446-BDBC-A7CF3FE93503}" type="slidenum">
-              <a:rPr lang="en-US" smtClean="0"/>
-              <a:pPr/>
-              <a:t>7</a:t>
-            </a:fld>
-            <a:endParaRPr lang="en-US" dirty="0"/>
-          </a:p>
-        </p:txBody>
-      </p:sp>
-      <p:sp>
-        <p:nvSpPr>
-          <p:cNvPr id="7" name="Text Placeholder 1">
-            <a:extLst>
-              <a:ext uri="{FF2B5EF4-FFF2-40B4-BE49-F238E27FC236}">
-                <a16:creationId xmlns:a16="http://schemas.microsoft.com/office/drawing/2014/main" id="{17DCACF2-9A91-4227-C883-265010DDD3CE}"/>
-              </a:ext>
-            </a:extLst>
-          </p:cNvPr>
-          <p:cNvSpPr txBox="1">
-            <a:spLocks/>
-          </p:cNvSpPr>
-          <p:nvPr/>
-        </p:nvSpPr>
-        <p:spPr>
-          <a:xfrm>
-            <a:off x="6729405" y="1206666"/>
-            <a:ext cx="4107364" cy="525880"/>
-          </a:xfrm>
-          <a:prstGeom prst="rect">
-            <a:avLst/>
-          </a:prstGeom>
-        </p:spPr>
-        <p:txBody>
-          <a:bodyPr vert="horz" lIns="91440" tIns="45720" rIns="91440" bIns="45720" rtlCol="0" anchor="t">
-            <a:noAutofit/>
-          </a:bodyPr>
-          <a:lstStyle>
-            <a:lvl1pPr marL="285750" indent="-285750" algn="l" defTabSz="914400" rtl="0" eaLnBrk="1" latinLnBrk="0" hangingPunct="1">
-              <a:lnSpc>
-                <a:spcPct val="100000"/>
-              </a:lnSpc>
-              <a:spcBef>
-                <a:spcPts val="1200"/>
-              </a:spcBef>
-              <a:buClr>
-                <a:schemeClr val="accent1"/>
-              </a:buClr>
-              <a:buSzPct val="125000"/>
-              <a:buFont typeface="Courier New" panose="02070309020205020404" pitchFamily="49" charset="0"/>
-              <a:buChar char="o"/>
-              <a:defRPr sz="1600" kern="1200">
-                <a:solidFill>
-                  <a:schemeClr val="tx1"/>
-                </a:solidFill>
-                <a:latin typeface="Arial" panose="020B0604020202020204" pitchFamily="34" charset="0"/>
-                <a:ea typeface="+mn-ea"/>
-                <a:cs typeface="Arial" panose="020B0604020202020204" pitchFamily="34" charset="0"/>
-              </a:defRPr>
-            </a:lvl1pPr>
-            <a:lvl2pPr marL="742950" indent="-285750" algn="l" defTabSz="914400" rtl="0" eaLnBrk="1" latinLnBrk="0" hangingPunct="1">
-              <a:lnSpc>
-                <a:spcPct val="100000"/>
-              </a:lnSpc>
-              <a:spcBef>
-                <a:spcPts val="1200"/>
-              </a:spcBef>
-              <a:buClr>
-                <a:schemeClr val="accent1"/>
-              </a:buClr>
-              <a:buSzPct val="125000"/>
-              <a:buFont typeface="Courier New" panose="02070309020205020404" pitchFamily="49" charset="0"/>
-              <a:buChar char="o"/>
-              <a:defRPr sz="1600" kern="1200">
-                <a:solidFill>
-                  <a:schemeClr val="tx1"/>
-                </a:solidFill>
-                <a:latin typeface="Arial" panose="020B0604020202020204" pitchFamily="34" charset="0"/>
-                <a:ea typeface="+mn-ea"/>
-                <a:cs typeface="Arial" panose="020B0604020202020204" pitchFamily="34" charset="0"/>
-              </a:defRPr>
-            </a:lvl2pPr>
-            <a:lvl3pPr marL="1143000" indent="-228600" algn="l" defTabSz="914400" rtl="0" eaLnBrk="1" latinLnBrk="0" hangingPunct="1">
-              <a:lnSpc>
-                <a:spcPct val="100000"/>
-              </a:lnSpc>
-              <a:spcBef>
-                <a:spcPts val="1200"/>
-              </a:spcBef>
-              <a:buClr>
-                <a:schemeClr val="accent1"/>
-              </a:buClr>
-              <a:buSzPct val="125000"/>
-              <a:buFont typeface="Courier New" panose="02070309020205020404" pitchFamily="49" charset="0"/>
-              <a:buChar char="o"/>
-              <a:defRPr sz="1400" kern="1200">
-                <a:solidFill>
-                  <a:schemeClr val="tx1"/>
-                </a:solidFill>
-                <a:latin typeface="Arial" panose="020B0604020202020204" pitchFamily="34" charset="0"/>
-                <a:ea typeface="+mn-ea"/>
-                <a:cs typeface="Arial" panose="020B0604020202020204" pitchFamily="34" charset="0"/>
-              </a:defRPr>
-            </a:lvl3pPr>
-            <a:lvl4pPr marL="1600200" indent="-228600" algn="l" defTabSz="914400" rtl="0" eaLnBrk="1" latinLnBrk="0" hangingPunct="1">
-              <a:lnSpc>
-                <a:spcPct val="100000"/>
-              </a:lnSpc>
-              <a:spcBef>
-                <a:spcPts val="1200"/>
-              </a:spcBef>
-              <a:buClr>
-                <a:schemeClr val="accent1"/>
-              </a:buClr>
-              <a:buSzPct val="125000"/>
-              <a:buFont typeface="Courier New" panose="02070309020205020404" pitchFamily="49" charset="0"/>
-              <a:buChar char="o"/>
-              <a:defRPr sz="1400" kern="1200">
-                <a:solidFill>
-                  <a:schemeClr val="tx1"/>
-                </a:solidFill>
-                <a:latin typeface="Arial" panose="020B0604020202020204" pitchFamily="34" charset="0"/>
-                <a:ea typeface="+mn-ea"/>
-                <a:cs typeface="Arial" panose="020B0604020202020204" pitchFamily="34" charset="0"/>
-              </a:defRPr>
-            </a:lvl4pPr>
-            <a:lvl5pPr marL="2057400" indent="-228600" algn="l" defTabSz="914400" rtl="0" eaLnBrk="1" latinLnBrk="0" hangingPunct="1">
-              <a:lnSpc>
-                <a:spcPct val="100000"/>
-              </a:lnSpc>
-              <a:spcBef>
-                <a:spcPts val="1200"/>
-              </a:spcBef>
-              <a:buClr>
-                <a:schemeClr val="accent1"/>
-              </a:buClr>
-              <a:buSzPct val="125000"/>
-              <a:buFont typeface="Courier New" panose="02070309020205020404" pitchFamily="49" charset="0"/>
-              <a:buChar char="o"/>
-              <a:defRPr sz="1400" kern="1200">
-                <a:solidFill>
-                  <a:schemeClr val="tx1"/>
-                </a:solidFill>
-                <a:latin typeface="Arial" panose="020B0604020202020204" pitchFamily="34" charset="0"/>
-                <a:ea typeface="+mn-ea"/>
-                <a:cs typeface="Arial" panose="020B0604020202020204" pitchFamily="34" charset="0"/>
-              </a:defRPr>
-            </a:lvl5pPr>
-            <a:lvl6pPr marL="2514600" indent="-228600" algn="l" defTabSz="914400" rtl="0" eaLnBrk="1" latinLnBrk="0" hangingPunct="1">
-              <a:spcBef>
-                <a:spcPct val="20000"/>
-              </a:spcBef>
-              <a:buFont typeface="Arial" panose="020B0604020202020204" pitchFamily="34" charset="0"/>
-              <a:buChar char="•"/>
-              <a:defRPr sz="2000" kern="1200">
-                <a:solidFill>
-                  <a:schemeClr val="tx1"/>
-                </a:solidFill>
-                <a:latin typeface="+mn-lt"/>
-                <a:ea typeface="+mn-ea"/>
-                <a:cs typeface="+mn-cs"/>
-              </a:defRPr>
-            </a:lvl6pPr>
-            <a:lvl7pPr marL="2971800" indent="-228600" algn="l" defTabSz="914400" rtl="0" eaLnBrk="1" latinLnBrk="0" hangingPunct="1">
-              <a:spcBef>
-                <a:spcPct val="20000"/>
-              </a:spcBef>
-              <a:buFont typeface="Arial" panose="020B0604020202020204" pitchFamily="34" charset="0"/>
-              <a:buChar char="•"/>
-              <a:defRPr sz="2000" kern="1200">
-                <a:solidFill>
-                  <a:schemeClr val="tx1"/>
-                </a:solidFill>
-                <a:latin typeface="+mn-lt"/>
-                <a:ea typeface="+mn-ea"/>
-                <a:cs typeface="+mn-cs"/>
-              </a:defRPr>
-            </a:lvl7pPr>
-            <a:lvl8pPr marL="3429000" indent="-228600" algn="l" defTabSz="914400" rtl="0" eaLnBrk="1" latinLnBrk="0" hangingPunct="1">
-              <a:spcBef>
-                <a:spcPct val="20000"/>
-              </a:spcBef>
-              <a:buFont typeface="Arial" panose="020B0604020202020204" pitchFamily="34" charset="0"/>
-              <a:buChar char="•"/>
-              <a:defRPr sz="2000" kern="1200">
-                <a:solidFill>
-                  <a:schemeClr val="tx1"/>
-                </a:solidFill>
-                <a:latin typeface="+mn-lt"/>
-                <a:ea typeface="+mn-ea"/>
-                <a:cs typeface="+mn-cs"/>
-              </a:defRPr>
-            </a:lvl8pPr>
-            <a:lvl9pPr marL="3886200" indent="-228600" algn="l" defTabSz="914400" rtl="0" eaLnBrk="1" latinLnBrk="0" hangingPunct="1">
-              <a:spcBef>
-                <a:spcPct val="20000"/>
-              </a:spcBef>
-              <a:buFont typeface="Arial" panose="020B0604020202020204" pitchFamily="34" charset="0"/>
-              <a:buChar char="•"/>
-              <a:defRPr sz="2000" kern="1200">
-                <a:solidFill>
-                  <a:schemeClr val="tx1"/>
-                </a:solidFill>
-                <a:latin typeface="+mn-lt"/>
-                <a:ea typeface="+mn-ea"/>
-                <a:cs typeface="+mn-cs"/>
-              </a:defRPr>
-            </a:lvl9pPr>
-          </a:lstStyle>
-          <a:p>
-            <a:pPr marL="0" indent="0">
-              <a:buFont typeface="Courier New" panose="02070309020205020404" pitchFamily="49" charset="0"/>
-              <a:buNone/>
-            </a:pPr>
-            <a:r>
-              <a:rPr lang="en-CA" sz="1500"/>
-              <a:t>4. Results exported for audit and analytics</a:t>
-            </a:r>
-            <a:endParaRPr lang="en-GB" sz="1500" dirty="0"/>
-          </a:p>
-        </p:txBody>
-      </p:sp>
-      <p:sp>
-        <p:nvSpPr>
-          <p:cNvPr id="8" name="Arrow: Right 7">
-            <a:extLst>
-              <a:ext uri="{FF2B5EF4-FFF2-40B4-BE49-F238E27FC236}">
-                <a16:creationId xmlns:a16="http://schemas.microsoft.com/office/drawing/2014/main" id="{941779F8-63DF-ADA9-B644-05FB838B45F0}"/>
-              </a:ext>
-            </a:extLst>
-          </p:cNvPr>
-          <p:cNvSpPr/>
-          <p:nvPr/>
-        </p:nvSpPr>
-        <p:spPr>
-          <a:xfrm>
-            <a:off x="191556" y="3158289"/>
-            <a:ext cx="1259305" cy="541421"/>
-          </a:xfrm>
-          <a:prstGeom prst="rightArrow">
-            <a:avLst/>
-          </a:prstGeom>
-          <a:ln>
-            <a:noFill/>
-          </a:ln>
-        </p:spPr>
-        <p:style>
-          <a:lnRef idx="2">
-            <a:schemeClr val="accent1">
-              <a:shade val="50000"/>
-            </a:schemeClr>
-          </a:lnRef>
-          <a:fillRef idx="1">
-            <a:schemeClr val="accent1"/>
-          </a:fillRef>
-          <a:effectRef idx="0">
-            <a:schemeClr val="accent1"/>
-          </a:effectRef>
-          <a:fontRef idx="minor">
-            <a:schemeClr val="lt1"/>
-          </a:fontRef>
-        </p:style>
-        <p:txBody>
-          <a:bodyPr rtlCol="0" anchor="ctr"/>
-          <a:lstStyle/>
-          <a:p>
-            <a:pPr algn="ctr"/>
-            <a:endParaRPr lang="en-GB"/>
-          </a:p>
-        </p:txBody>
-      </p:sp>
-      <p:pic>
-        <p:nvPicPr>
-          <p:cNvPr id="9" name="Picture 8">
-            <a:extLst>
-              <a:ext uri="{FF2B5EF4-FFF2-40B4-BE49-F238E27FC236}">
-                <a16:creationId xmlns:a16="http://schemas.microsoft.com/office/drawing/2014/main" id="{CA9E65A5-C530-3C46-55D2-7BEC85B5E882}"/>
-              </a:ext>
-            </a:extLst>
-          </p:cNvPr>
-          <p:cNvPicPr>
-            <a:picLocks noChangeAspect="1"/>
-          </p:cNvPicPr>
-          <p:nvPr/>
-        </p:nvPicPr>
-        <p:blipFill>
-          <a:blip r:embed="rId2"/>
-          <a:stretch>
-            <a:fillRect/>
-          </a:stretch>
-        </p:blipFill>
-        <p:spPr>
-          <a:xfrm>
-            <a:off x="6729405" y="2346613"/>
-            <a:ext cx="4736423" cy="1972264"/>
-          </a:xfrm>
-          <a:prstGeom prst="rect">
-            <a:avLst/>
-          </a:prstGeom>
-        </p:spPr>
-      </p:pic>
-      <p:sp>
-        <p:nvSpPr>
-          <p:cNvPr id="10" name="Text Placeholder 1">
-            <a:extLst>
-              <a:ext uri="{FF2B5EF4-FFF2-40B4-BE49-F238E27FC236}">
-                <a16:creationId xmlns:a16="http://schemas.microsoft.com/office/drawing/2014/main" id="{68A62E35-9689-B607-CDA0-DC5A687C2511}"/>
-              </a:ext>
-            </a:extLst>
-          </p:cNvPr>
-          <p:cNvSpPr txBox="1">
-            <a:spLocks/>
-          </p:cNvSpPr>
-          <p:nvPr/>
-        </p:nvSpPr>
-        <p:spPr>
-          <a:xfrm>
-            <a:off x="467810" y="1206666"/>
-            <a:ext cx="5815521" cy="525880"/>
-          </a:xfrm>
-          <a:prstGeom prst="rect">
-            <a:avLst/>
-          </a:prstGeom>
-        </p:spPr>
-        <p:txBody>
-          <a:bodyPr vert="horz" lIns="91440" tIns="45720" rIns="91440" bIns="45720" rtlCol="0" anchor="t">
-            <a:noAutofit/>
-          </a:bodyPr>
-          <a:lstStyle>
-            <a:lvl1pPr marL="285750" indent="-285750" algn="l" defTabSz="914400" rtl="0" eaLnBrk="1" latinLnBrk="0" hangingPunct="1">
-              <a:lnSpc>
-                <a:spcPct val="100000"/>
-              </a:lnSpc>
-              <a:spcBef>
-                <a:spcPts val="1200"/>
-              </a:spcBef>
-              <a:buClr>
-                <a:schemeClr val="accent1"/>
-              </a:buClr>
-              <a:buSzPct val="125000"/>
-              <a:buFont typeface="Courier New" panose="02070309020205020404" pitchFamily="49" charset="0"/>
-              <a:buChar char="o"/>
-              <a:defRPr sz="1600" kern="1200">
-                <a:solidFill>
-                  <a:schemeClr val="tx1"/>
-                </a:solidFill>
-                <a:latin typeface="Arial" panose="020B0604020202020204" pitchFamily="34" charset="0"/>
-                <a:ea typeface="+mn-ea"/>
-                <a:cs typeface="Arial" panose="020B0604020202020204" pitchFamily="34" charset="0"/>
-              </a:defRPr>
-            </a:lvl1pPr>
-            <a:lvl2pPr marL="742950" indent="-285750" algn="l" defTabSz="914400" rtl="0" eaLnBrk="1" latinLnBrk="0" hangingPunct="1">
-              <a:lnSpc>
-                <a:spcPct val="100000"/>
-              </a:lnSpc>
-              <a:spcBef>
-                <a:spcPts val="1200"/>
-              </a:spcBef>
-              <a:buClr>
-                <a:schemeClr val="accent1"/>
-              </a:buClr>
-              <a:buSzPct val="125000"/>
-              <a:buFont typeface="Courier New" panose="02070309020205020404" pitchFamily="49" charset="0"/>
-              <a:buChar char="o"/>
-              <a:defRPr sz="1600" kern="1200">
-                <a:solidFill>
-                  <a:schemeClr val="tx1"/>
-                </a:solidFill>
-                <a:latin typeface="Arial" panose="020B0604020202020204" pitchFamily="34" charset="0"/>
-                <a:ea typeface="+mn-ea"/>
-                <a:cs typeface="Arial" panose="020B0604020202020204" pitchFamily="34" charset="0"/>
-              </a:defRPr>
-            </a:lvl2pPr>
-            <a:lvl3pPr marL="1143000" indent="-228600" algn="l" defTabSz="914400" rtl="0" eaLnBrk="1" latinLnBrk="0" hangingPunct="1">
-              <a:lnSpc>
-                <a:spcPct val="100000"/>
-              </a:lnSpc>
-              <a:spcBef>
-                <a:spcPts val="1200"/>
-              </a:spcBef>
-              <a:buClr>
-                <a:schemeClr val="accent1"/>
-              </a:buClr>
-              <a:buSzPct val="125000"/>
-              <a:buFont typeface="Courier New" panose="02070309020205020404" pitchFamily="49" charset="0"/>
-              <a:buChar char="o"/>
-              <a:defRPr sz="1400" kern="1200">
-                <a:solidFill>
-                  <a:schemeClr val="tx1"/>
-                </a:solidFill>
-                <a:latin typeface="Arial" panose="020B0604020202020204" pitchFamily="34" charset="0"/>
-                <a:ea typeface="+mn-ea"/>
-                <a:cs typeface="Arial" panose="020B0604020202020204" pitchFamily="34" charset="0"/>
-              </a:defRPr>
-            </a:lvl3pPr>
-            <a:lvl4pPr marL="1600200" indent="-228600" algn="l" defTabSz="914400" rtl="0" eaLnBrk="1" latinLnBrk="0" hangingPunct="1">
-              <a:lnSpc>
-                <a:spcPct val="100000"/>
-              </a:lnSpc>
-              <a:spcBef>
-                <a:spcPts val="1200"/>
-              </a:spcBef>
-              <a:buClr>
-                <a:schemeClr val="accent1"/>
-              </a:buClr>
-              <a:buSzPct val="125000"/>
-              <a:buFont typeface="Courier New" panose="02070309020205020404" pitchFamily="49" charset="0"/>
-              <a:buChar char="o"/>
-              <a:defRPr sz="1400" kern="1200">
-                <a:solidFill>
-                  <a:schemeClr val="tx1"/>
-                </a:solidFill>
-                <a:latin typeface="Arial" panose="020B0604020202020204" pitchFamily="34" charset="0"/>
-                <a:ea typeface="+mn-ea"/>
-                <a:cs typeface="Arial" panose="020B0604020202020204" pitchFamily="34" charset="0"/>
-              </a:defRPr>
-            </a:lvl4pPr>
-            <a:lvl5pPr marL="2057400" indent="-228600" algn="l" defTabSz="914400" rtl="0" eaLnBrk="1" latinLnBrk="0" hangingPunct="1">
-              <a:lnSpc>
-                <a:spcPct val="100000"/>
-              </a:lnSpc>
-              <a:spcBef>
-                <a:spcPts val="1200"/>
-              </a:spcBef>
-              <a:buClr>
-                <a:schemeClr val="accent1"/>
-              </a:buClr>
-              <a:buSzPct val="125000"/>
-              <a:buFont typeface="Courier New" panose="02070309020205020404" pitchFamily="49" charset="0"/>
-              <a:buChar char="o"/>
-              <a:defRPr sz="1400" kern="1200">
-                <a:solidFill>
-                  <a:schemeClr val="tx1"/>
-                </a:solidFill>
-                <a:latin typeface="Arial" panose="020B0604020202020204" pitchFamily="34" charset="0"/>
-                <a:ea typeface="+mn-ea"/>
-                <a:cs typeface="Arial" panose="020B0604020202020204" pitchFamily="34" charset="0"/>
-              </a:defRPr>
-            </a:lvl5pPr>
-            <a:lvl6pPr marL="2514600" indent="-228600" algn="l" defTabSz="914400" rtl="0" eaLnBrk="1" latinLnBrk="0" hangingPunct="1">
-              <a:spcBef>
-                <a:spcPct val="20000"/>
-              </a:spcBef>
-              <a:buFont typeface="Arial" panose="020B0604020202020204" pitchFamily="34" charset="0"/>
-              <a:buChar char="•"/>
-              <a:defRPr sz="2000" kern="1200">
-                <a:solidFill>
-                  <a:schemeClr val="tx1"/>
-                </a:solidFill>
-                <a:latin typeface="+mn-lt"/>
-                <a:ea typeface="+mn-ea"/>
-                <a:cs typeface="+mn-cs"/>
-              </a:defRPr>
-            </a:lvl6pPr>
-            <a:lvl7pPr marL="2971800" indent="-228600" algn="l" defTabSz="914400" rtl="0" eaLnBrk="1" latinLnBrk="0" hangingPunct="1">
-              <a:spcBef>
-                <a:spcPct val="20000"/>
-              </a:spcBef>
-              <a:buFont typeface="Arial" panose="020B0604020202020204" pitchFamily="34" charset="0"/>
-              <a:buChar char="•"/>
-              <a:defRPr sz="2000" kern="1200">
-                <a:solidFill>
-                  <a:schemeClr val="tx1"/>
-                </a:solidFill>
-                <a:latin typeface="+mn-lt"/>
-                <a:ea typeface="+mn-ea"/>
-                <a:cs typeface="+mn-cs"/>
-              </a:defRPr>
-            </a:lvl7pPr>
-            <a:lvl8pPr marL="3429000" indent="-228600" algn="l" defTabSz="914400" rtl="0" eaLnBrk="1" latinLnBrk="0" hangingPunct="1">
-              <a:spcBef>
-                <a:spcPct val="20000"/>
-              </a:spcBef>
-              <a:buFont typeface="Arial" panose="020B0604020202020204" pitchFamily="34" charset="0"/>
-              <a:buChar char="•"/>
-              <a:defRPr sz="2000" kern="1200">
-                <a:solidFill>
-                  <a:schemeClr val="tx1"/>
-                </a:solidFill>
-                <a:latin typeface="+mn-lt"/>
-                <a:ea typeface="+mn-ea"/>
-                <a:cs typeface="+mn-cs"/>
-              </a:defRPr>
-            </a:lvl8pPr>
-            <a:lvl9pPr marL="3886200" indent="-228600" algn="l" defTabSz="914400" rtl="0" eaLnBrk="1" latinLnBrk="0" hangingPunct="1">
-              <a:spcBef>
-                <a:spcPct val="20000"/>
-              </a:spcBef>
-              <a:buFont typeface="Arial" panose="020B0604020202020204" pitchFamily="34" charset="0"/>
-              <a:buChar char="•"/>
-              <a:defRPr sz="2000" kern="1200">
-                <a:solidFill>
-                  <a:schemeClr val="tx1"/>
-                </a:solidFill>
-                <a:latin typeface="+mn-lt"/>
-                <a:ea typeface="+mn-ea"/>
-                <a:cs typeface="+mn-cs"/>
-              </a:defRPr>
-            </a:lvl9pPr>
-          </a:lstStyle>
-          <a:p>
-            <a:pPr marL="0" indent="0">
-              <a:buNone/>
-            </a:pPr>
-            <a:r>
-              <a:rPr lang="en-CA" sz="1500" dirty="0"/>
-              <a:t>3. Names are matched against registered doctor list</a:t>
-            </a:r>
-          </a:p>
-          <a:p>
-            <a:pPr marL="0" indent="0">
-              <a:buFont typeface="Courier New" panose="02070309020205020404" pitchFamily="49" charset="0"/>
-              <a:buNone/>
-            </a:pPr>
-            <a:endParaRPr lang="en-GB" dirty="0"/>
-          </a:p>
-        </p:txBody>
-      </p:sp>
-      <p:sp>
-        <p:nvSpPr>
-          <p:cNvPr id="11" name="Arrow: Right 10">
-            <a:extLst>
-              <a:ext uri="{FF2B5EF4-FFF2-40B4-BE49-F238E27FC236}">
-                <a16:creationId xmlns:a16="http://schemas.microsoft.com/office/drawing/2014/main" id="{0776C8FB-54BE-DF74-3C02-F7EBB28FD733}"/>
-              </a:ext>
-            </a:extLst>
-          </p:cNvPr>
-          <p:cNvSpPr/>
-          <p:nvPr/>
-        </p:nvSpPr>
-        <p:spPr>
-          <a:xfrm>
-            <a:off x="5287840" y="3158288"/>
-            <a:ext cx="1259305" cy="541421"/>
-          </a:xfrm>
-          <a:prstGeom prst="rightArrow">
-            <a:avLst/>
-          </a:prstGeom>
-          <a:ln>
-            <a:noFill/>
-          </a:ln>
-        </p:spPr>
-        <p:style>
-          <a:lnRef idx="2">
-            <a:schemeClr val="accent1">
-              <a:shade val="50000"/>
-            </a:schemeClr>
-          </a:lnRef>
-          <a:fillRef idx="1">
-            <a:schemeClr val="accent1"/>
-          </a:fillRef>
-          <a:effectRef idx="0">
-            <a:schemeClr val="accent1"/>
-          </a:effectRef>
-          <a:fontRef idx="minor">
-            <a:schemeClr val="lt1"/>
-          </a:fontRef>
-        </p:style>
-        <p:txBody>
-          <a:bodyPr rtlCol="0" anchor="ctr"/>
-          <a:lstStyle/>
-          <a:p>
-            <a:pPr algn="ctr"/>
-            <a:endParaRPr lang="en-GB"/>
-          </a:p>
-        </p:txBody>
-      </p:sp>
-      <p:pic>
-        <p:nvPicPr>
-          <p:cNvPr id="12" name="Picture 2" descr="Learning Options">
-            <a:extLst>
-              <a:ext uri="{FF2B5EF4-FFF2-40B4-BE49-F238E27FC236}">
-                <a16:creationId xmlns:a16="http://schemas.microsoft.com/office/drawing/2014/main" id="{1AB66C1D-A785-7CB6-0528-BFA7E6B442E0}"/>
-              </a:ext>
-            </a:extLst>
-          </p:cNvPr>
-          <p:cNvPicPr>
-            <a:picLocks noChangeAspect="1" noChangeArrowheads="1"/>
-          </p:cNvPicPr>
-          <p:nvPr/>
-        </p:nvPicPr>
-        <p:blipFill>
-          <a:blip r:embed="rId3" cstate="print">
-            <a:extLst>
-              <a:ext uri="{28A0092B-C50C-407E-A947-70E740481C1C}">
-                <a14:useLocalDpi xmlns:a14="http://schemas.microsoft.com/office/drawing/2010/main" val="0"/>
-              </a:ext>
-            </a:extLst>
-          </a:blip>
-          <a:srcRect/>
-          <a:stretch>
-            <a:fillRect/>
-          </a:stretch>
-        </p:blipFill>
-        <p:spPr bwMode="auto">
-          <a:xfrm>
-            <a:off x="1711622" y="2117558"/>
-            <a:ext cx="2831432" cy="2831432"/>
-          </a:xfrm>
-          <a:prstGeom prst="rect">
-            <a:avLst/>
-          </a:prstGeom>
-          <a:noFill/>
-          <a:extLst>
-            <a:ext uri="{909E8E84-426E-40DD-AFC4-6F175D3DCCD1}">
-              <a14:hiddenFill xmlns:a14="http://schemas.microsoft.com/office/drawing/2010/main">
-                <a:solidFill>
-                  <a:srgbClr val="FFFFFF"/>
-                </a:solidFill>
-              </a14:hiddenFill>
-            </a:ext>
-          </a:extLst>
-        </p:spPr>
-      </p:pic>
     </p:spTree>
     <p:extLst>
       <p:ext uri="{BB962C8B-B14F-4D97-AF65-F5344CB8AC3E}">
-        <p14:creationId xmlns:p14="http://schemas.microsoft.com/office/powerpoint/2010/main" val="1079284273"/>
+        <p14:creationId xmlns:p14="http://schemas.microsoft.com/office/powerpoint/2010/main" val="4271284800"/>
       </p:ext>
     </p:extLst>
   </p:cSld>
@@ -8918,7 +10379,7 @@
             </a:pPr>
             <a:r>
               <a:rPr lang="en-CA" sz="2000" dirty="0"/>
-              <a:t>Eliminates manual checking</a:t>
+              <a:t>Eliminates manual checking.</a:t>
             </a:r>
           </a:p>
           <a:p>
@@ -8928,7 +10389,7 @@
             </a:pPr>
             <a:r>
               <a:rPr lang="en-CA" sz="2000" dirty="0"/>
-              <a:t>Ensures consistent verification</a:t>
+              <a:t>Ensures consistent verification.</a:t>
             </a:r>
           </a:p>
           <a:p>
@@ -8938,7 +10399,7 @@
             </a:pPr>
             <a:r>
               <a:rPr lang="en-CA" sz="2000" dirty="0"/>
-              <a:t>Scales to high claim volumes</a:t>
+              <a:t>Strengthens ongoing provider eligibility control.</a:t>
             </a:r>
           </a:p>
         </p:txBody>

--- a/powerpoint/doctor_validation_ppt.pptx
+++ b/powerpoint/doctor_validation_ppt.pptx
@@ -910,7 +910,7 @@
         <a:p>
           <a:r>
             <a:rPr lang="en-US" sz="2200" dirty="0"/>
-            <a:t>1. Retrieve Official Medical Registry Periodically</a:t>
+            <a:t>Retrieve Official Medical Registry Periodically</a:t>
           </a:r>
           <a:endParaRPr lang="en-GB" sz="2200" dirty="0"/>
         </a:p>
@@ -947,7 +947,7 @@
         <a:p>
           <a:r>
             <a:rPr lang="en-GB" sz="1800" dirty="0"/>
-            <a:t>Download the latest registered provider list from the official medical authority (daily/weekly)</a:t>
+            <a:t>Download the latest registered provider list from the official medical authority (daily/weekly).</a:t>
           </a:r>
         </a:p>
       </dgm:t>
@@ -983,7 +983,7 @@
         <a:p>
           <a:r>
             <a:rPr lang="en-GB" sz="2200" dirty="0"/>
-            <a:t>2. Reconcile Entire Internal Provider List</a:t>
+            <a:t>Reconcile Entire Internal Provider List</a:t>
           </a:r>
         </a:p>
       </dgm:t>
@@ -1019,7 +1019,7 @@
         <a:p>
           <a:r>
             <a:rPr lang="en-GB" sz="1800" dirty="0"/>
-            <a:t>Perform automated comparison between the internal provider list and official registry</a:t>
+            <a:t>Perform automated comparison between the internal provider list and official registry.</a:t>
           </a:r>
         </a:p>
       </dgm:t>
@@ -1055,7 +1055,7 @@
         <a:p>
           <a:r>
             <a:rPr lang="en-GB" sz="2200" dirty="0"/>
-            <a:t>3. Identify and Flag Discrepancies</a:t>
+            <a:t>Identify and Flag Discrepancies</a:t>
           </a:r>
         </a:p>
       </dgm:t>
@@ -1127,7 +1127,7 @@
         <a:p>
           <a:r>
             <a:rPr lang="en-GB" sz="1800" dirty="0"/>
-            <a:t>Provider not found in official registry </a:t>
+            <a:t>Provider not found in official registry.</a:t>
           </a:r>
         </a:p>
       </dgm:t>
@@ -1163,7 +1163,7 @@
         <a:p>
           <a:r>
             <a:rPr lang="en-GB" sz="1800" dirty="0"/>
-            <a:t>Registration status changed (e.g. suspended, expired, deregistered)</a:t>
+            <a:t>Registration status changed (e.g. suspended, expired, deregistered).</a:t>
           </a:r>
         </a:p>
       </dgm:t>
@@ -1233,7 +1233,7 @@
       <dgm:spPr/>
     </dgm:pt>
     <dgm:pt modelId="{9DF24910-F2B3-4A40-B3FB-2B06AE81A9C7}" type="pres">
-      <dgm:prSet presAssocID="{23C0F704-0F71-4287-84C9-ACE3A20F8FC4}" presName="parentText" presStyleLbl="node1" presStyleIdx="0" presStyleCnt="3">
+      <dgm:prSet presAssocID="{23C0F704-0F71-4287-84C9-ACE3A20F8FC4}" presName="parentText" presStyleLbl="node1" presStyleIdx="0" presStyleCnt="3" custLinFactNeighborX="0" custLinFactNeighborY="-41699">
         <dgm:presLayoutVars>
           <dgm:chMax val="0"/>
           <dgm:bulletEnabled val="1"/>
@@ -1336,7 +1336,7 @@
       </dsp:nvSpPr>
       <dsp:spPr>
         <a:xfrm>
-          <a:off x="0" y="13299"/>
+          <a:off x="0" y="0"/>
           <a:ext cx="9241200" cy="655200"/>
         </a:xfrm>
         <a:prstGeom prst="roundRect">
@@ -1397,13 +1397,13 @@
           </a:pPr>
           <a:r>
             <a:rPr lang="en-US" sz="2200" kern="1200" dirty="0"/>
-            <a:t>1. Retrieve Official Medical Registry Periodically</a:t>
+            <a:t>Retrieve Official Medical Registry Periodically</a:t>
           </a:r>
           <a:endParaRPr lang="en-GB" sz="2200" kern="1200" dirty="0"/>
         </a:p>
       </dsp:txBody>
       <dsp:txXfrm>
-        <a:off x="31984" y="45283"/>
+        <a:off x="31984" y="31984"/>
         <a:ext cx="9177232" cy="591232"/>
       </dsp:txXfrm>
     </dsp:sp>
@@ -1458,7 +1458,7 @@
           </a:pPr>
           <a:r>
             <a:rPr lang="en-GB" sz="1800" kern="1200" dirty="0"/>
-            <a:t>Download the latest registered provider list from the official medical authority (daily/weekly)</a:t>
+            <a:t>Download the latest registered provider list from the official medical authority (daily/weekly).</a:t>
           </a:r>
         </a:p>
         <a:p>
@@ -1550,7 +1550,7 @@
           </a:pPr>
           <a:r>
             <a:rPr lang="en-GB" sz="2200" kern="1200" dirty="0"/>
-            <a:t>2. Reconcile Entire Internal Provider List</a:t>
+            <a:t>Reconcile Entire Internal Provider List</a:t>
           </a:r>
         </a:p>
       </dsp:txBody>
@@ -1610,7 +1610,7 @@
           </a:pPr>
           <a:r>
             <a:rPr lang="en-GB" sz="1800" kern="1200" dirty="0"/>
-            <a:t>Perform automated comparison between the internal provider list and official registry</a:t>
+            <a:t>Perform automated comparison between the internal provider list and official registry.</a:t>
           </a:r>
         </a:p>
       </dsp:txBody>
@@ -1687,7 +1687,7 @@
           </a:pPr>
           <a:r>
             <a:rPr lang="en-GB" sz="2200" kern="1200" dirty="0"/>
-            <a:t>3. Identify and Flag Discrepancies</a:t>
+            <a:t>Identify and Flag Discrepancies</a:t>
           </a:r>
         </a:p>
       </dsp:txBody>
@@ -1765,7 +1765,7 @@
           </a:pPr>
           <a:r>
             <a:rPr lang="en-GB" sz="1800" kern="1200" dirty="0"/>
-            <a:t>Provider not found in official registry </a:t>
+            <a:t>Provider not found in official registry.</a:t>
           </a:r>
         </a:p>
         <a:p>
@@ -1783,7 +1783,7 @@
           </a:pPr>
           <a:r>
             <a:rPr lang="en-GB" sz="1800" kern="1200" dirty="0"/>
-            <a:t>Registration status changed (e.g. suspended, expired, deregistered)</a:t>
+            <a:t>Registration status changed (e.g. suspended, expired, deregistered).</a:t>
           </a:r>
         </a:p>
       </dsp:txBody>
@@ -8819,8 +8819,8 @@
         </p:nvSpPr>
         <p:spPr>
           <a:xfrm>
-            <a:off x="360000" y="2160000"/>
-            <a:ext cx="5942830" cy="2371180"/>
+            <a:off x="359999" y="2159999"/>
+            <a:ext cx="6171429" cy="2387507"/>
           </a:xfrm>
         </p:spPr>
         <p:txBody>
@@ -8828,10 +8828,10 @@
           <a:lstStyle/>
           <a:p>
             <a:r>
-              <a:rPr lang="en-US" dirty="0"/>
+              <a:rPr lang="en-US" sz="4000" dirty="0"/>
               <a:t>Enhancing Doctor Status Re-Validation in Customer Claims STP Process</a:t>
             </a:r>
-            <a:endParaRPr lang="en-GB" dirty="0"/>
+            <a:endParaRPr lang="en-GB" sz="4000" dirty="0"/>
           </a:p>
         </p:txBody>
       </p:sp>
@@ -9312,7 +9312,7 @@
         </p:blipFill>
         <p:spPr bwMode="auto">
           <a:xfrm>
-            <a:off x="359999" y="2326128"/>
+            <a:off x="227874" y="2326128"/>
             <a:ext cx="11604126" cy="2205743"/>
           </a:xfrm>
           <a:prstGeom prst="rect">
@@ -9360,6 +9360,87 @@
           <a:chExt cx="0" cy="0"/>
         </a:xfrm>
       </p:grpSpPr>
+      <p:grpSp>
+        <p:nvGrpSpPr>
+          <p:cNvPr id="22" name="Group 21">
+            <a:extLst>
+              <a:ext uri="{FF2B5EF4-FFF2-40B4-BE49-F238E27FC236}">
+                <a16:creationId xmlns:a16="http://schemas.microsoft.com/office/drawing/2014/main" id="{3ACB7038-835A-51FA-DB2B-5DE9EE74C51F}"/>
+              </a:ext>
+            </a:extLst>
+          </p:cNvPr>
+          <p:cNvGrpSpPr/>
+          <p:nvPr/>
+        </p:nvGrpSpPr>
+        <p:grpSpPr>
+          <a:xfrm>
+            <a:off x="1361378" y="1106842"/>
+            <a:ext cx="8121070" cy="3465962"/>
+            <a:chOff x="1361378" y="1106842"/>
+            <a:chExt cx="8121070" cy="3465962"/>
+          </a:xfrm>
+        </p:grpSpPr>
+        <p:pic>
+          <p:nvPicPr>
+            <p:cNvPr id="7" name="Picture 6">
+              <a:extLst>
+                <a:ext uri="{FF2B5EF4-FFF2-40B4-BE49-F238E27FC236}">
+                  <a16:creationId xmlns:a16="http://schemas.microsoft.com/office/drawing/2014/main" id="{7980684D-119B-74FD-5AC5-B0864F6EAE2F}"/>
+                </a:ext>
+              </a:extLst>
+            </p:cNvPr>
+            <p:cNvPicPr>
+              <a:picLocks noChangeAspect="1"/>
+            </p:cNvPicPr>
+            <p:nvPr/>
+          </p:nvPicPr>
+          <p:blipFill>
+            <a:blip r:embed="rId2"/>
+            <a:stretch>
+              <a:fillRect/>
+            </a:stretch>
+          </p:blipFill>
+          <p:spPr>
+            <a:xfrm>
+              <a:off x="1564792" y="1106842"/>
+              <a:ext cx="7917656" cy="3465962"/>
+            </a:xfrm>
+            <a:prstGeom prst="rect">
+              <a:avLst/>
+            </a:prstGeom>
+          </p:spPr>
+        </p:pic>
+        <p:pic>
+          <p:nvPicPr>
+            <p:cNvPr id="20" name="Picture 19">
+              <a:extLst>
+                <a:ext uri="{FF2B5EF4-FFF2-40B4-BE49-F238E27FC236}">
+                  <a16:creationId xmlns:a16="http://schemas.microsoft.com/office/drawing/2014/main" id="{D6426A51-F073-FF83-E460-D95943B01B0B}"/>
+                </a:ext>
+              </a:extLst>
+            </p:cNvPr>
+            <p:cNvPicPr>
+              <a:picLocks noChangeAspect="1"/>
+            </p:cNvPicPr>
+            <p:nvPr/>
+          </p:nvPicPr>
+          <p:blipFill>
+            <a:blip r:embed="rId3"/>
+            <a:stretch>
+              <a:fillRect/>
+            </a:stretch>
+          </p:blipFill>
+          <p:spPr>
+            <a:xfrm>
+              <a:off x="1361378" y="2585572"/>
+              <a:ext cx="1618587" cy="1093640"/>
+            </a:xfrm>
+            <a:prstGeom prst="rect">
+              <a:avLst/>
+            </a:prstGeom>
+          </p:spPr>
+        </p:pic>
+      </p:grpSp>
       <p:sp>
         <p:nvSpPr>
           <p:cNvPr id="4" name="Text Placeholder 3">
@@ -9413,7 +9494,12 @@
             <p:ph type="sldNum" sz="quarter" idx="4"/>
           </p:nvPr>
         </p:nvSpPr>
-        <p:spPr/>
+        <p:spPr>
+          <a:xfrm>
+            <a:off x="751885" y="6264872"/>
+            <a:ext cx="360000" cy="360000"/>
+          </a:xfrm>
+        </p:spPr>
         <p:txBody>
           <a:bodyPr/>
           <a:lstStyle/>
@@ -9429,10 +9515,10 @@
       </p:sp>
       <p:pic>
         <p:nvPicPr>
-          <p:cNvPr id="7" name="Picture 6">
+          <p:cNvPr id="15" name="Picture 14">
             <a:extLst>
               <a:ext uri="{FF2B5EF4-FFF2-40B4-BE49-F238E27FC236}">
-                <a16:creationId xmlns:a16="http://schemas.microsoft.com/office/drawing/2014/main" id="{7980684D-119B-74FD-5AC5-B0864F6EAE2F}"/>
+                <a16:creationId xmlns:a16="http://schemas.microsoft.com/office/drawing/2014/main" id="{63068430-F7CA-4862-FBA4-F3CEFD528F55}"/>
               </a:ext>
             </a:extLst>
           </p:cNvPr>
@@ -9442,15 +9528,15 @@
           <p:nvPr/>
         </p:nvPicPr>
         <p:blipFill>
-          <a:blip r:embed="rId2"/>
+          <a:blip r:embed="rId4"/>
           <a:stretch>
             <a:fillRect/>
           </a:stretch>
         </p:blipFill>
         <p:spPr>
           <a:xfrm>
-            <a:off x="1981170" y="1298121"/>
-            <a:ext cx="7917656" cy="3465962"/>
+            <a:off x="5682337" y="4509452"/>
+            <a:ext cx="4229721" cy="1799121"/>
           </a:xfrm>
           <a:prstGeom prst="rect">
             <a:avLst/>
@@ -9459,10 +9545,68 @@
       </p:pic>
       <p:sp>
         <p:nvSpPr>
-          <p:cNvPr id="10" name="Text Placeholder 2">
+          <p:cNvPr id="13" name="Arrow: Left-Right 12">
             <a:extLst>
               <a:ext uri="{FF2B5EF4-FFF2-40B4-BE49-F238E27FC236}">
-                <a16:creationId xmlns:a16="http://schemas.microsoft.com/office/drawing/2014/main" id="{851840E7-F9CC-E0FC-4DF1-AD21C2EB9AB2}"/>
+                <a16:creationId xmlns:a16="http://schemas.microsoft.com/office/drawing/2014/main" id="{48D8E093-837A-CF0F-21AF-96BF104CDC91}"/>
+              </a:ext>
+            </a:extLst>
+          </p:cNvPr>
+          <p:cNvSpPr/>
+          <p:nvPr/>
+        </p:nvSpPr>
+        <p:spPr>
+          <a:xfrm rot="1633990">
+            <a:off x="3683285" y="3798899"/>
+            <a:ext cx="2007799" cy="352513"/>
+          </a:xfrm>
+          <a:prstGeom prst="leftRightArrow">
+            <a:avLst/>
+          </a:prstGeom>
+          <a:solidFill>
+            <a:schemeClr val="tx1">
+              <a:lumMod val="75000"/>
+            </a:schemeClr>
+          </a:solidFill>
+          <a:ln>
+            <a:noFill/>
+          </a:ln>
+        </p:spPr>
+        <p:style>
+          <a:lnRef idx="2">
+            <a:schemeClr val="accent1">
+              <a:shade val="50000"/>
+            </a:schemeClr>
+          </a:lnRef>
+          <a:fillRef idx="1">
+            <a:schemeClr val="accent1"/>
+          </a:fillRef>
+          <a:effectRef idx="0">
+            <a:schemeClr val="accent1"/>
+          </a:effectRef>
+          <a:fontRef idx="minor">
+            <a:schemeClr val="lt1"/>
+          </a:fontRef>
+        </p:style>
+        <p:txBody>
+          <a:bodyPr rtlCol="0" anchor="ctr"/>
+          <a:lstStyle/>
+          <a:p>
+            <a:pPr algn="ctr"/>
+            <a:endParaRPr lang="en-GB">
+              <a:solidFill>
+                <a:schemeClr val="bg2"/>
+              </a:solidFill>
+            </a:endParaRPr>
+          </a:p>
+        </p:txBody>
+      </p:sp>
+      <p:sp>
+        <p:nvSpPr>
+          <p:cNvPr id="18" name="Text Placeholder 2">
+            <a:extLst>
+              <a:ext uri="{FF2B5EF4-FFF2-40B4-BE49-F238E27FC236}">
+                <a16:creationId xmlns:a16="http://schemas.microsoft.com/office/drawing/2014/main" id="{550B1E92-ECBF-BF8A-ACB4-AA7E605F2E7F}"/>
               </a:ext>
             </a:extLst>
           </p:cNvPr>
@@ -9473,8 +9617,8 @@
         </p:nvSpPr>
         <p:spPr>
           <a:xfrm>
-            <a:off x="3728704" y="4764083"/>
-            <a:ext cx="4422589" cy="697247"/>
+            <a:off x="1905078" y="4509453"/>
+            <a:ext cx="3262916" cy="630193"/>
           </a:xfrm>
           <a:prstGeom prst="rect">
             <a:avLst/>
@@ -9639,14 +9783,14 @@
           <a:p>
             <a:pPr algn="ctr"/>
             <a:r>
-              <a:rPr lang="en-US" sz="2000" dirty="0">
+              <a:rPr lang="en-US" dirty="0">
                 <a:solidFill>
                   <a:srgbClr val="FF0000"/>
                 </a:solidFill>
               </a:rPr>
-              <a:t>Validation occurs at onboarding only.</a:t>
+              <a:t>not periodically reconciled against the official medical registry.</a:t>
             </a:r>
-            <a:endParaRPr lang="en-GB" sz="2000" dirty="0">
+            <a:endParaRPr lang="en-GB" dirty="0">
               <a:solidFill>
                 <a:srgbClr val="FF0000"/>
               </a:solidFill>
@@ -9654,6 +9798,53 @@
           </a:p>
         </p:txBody>
       </p:sp>
+      <p:pic>
+        <p:nvPicPr>
+          <p:cNvPr id="1034" name="Picture 10" descr="Red X Transparent PNGs for Free Download">
+            <a:extLst>
+              <a:ext uri="{FF2B5EF4-FFF2-40B4-BE49-F238E27FC236}">
+                <a16:creationId xmlns:a16="http://schemas.microsoft.com/office/drawing/2014/main" id="{123C824E-D1D7-6B30-7AC8-D19F729E9014}"/>
+              </a:ext>
+            </a:extLst>
+          </p:cNvPr>
+          <p:cNvPicPr>
+            <a:picLocks noChangeAspect="1" noChangeArrowheads="1"/>
+          </p:cNvPicPr>
+          <p:nvPr/>
+        </p:nvPicPr>
+        <p:blipFill>
+          <a:blip r:embed="rId5" cstate="print">
+            <a:extLst>
+              <a:ext uri="{28A0092B-C50C-407E-A947-70E740481C1C}">
+                <a14:useLocalDpi xmlns:a14="http://schemas.microsoft.com/office/drawing/2010/main" val="0"/>
+              </a:ext>
+            </a:extLst>
+          </a:blip>
+          <a:srcRect/>
+          <a:stretch>
+            <a:fillRect/>
+          </a:stretch>
+        </p:blipFill>
+        <p:spPr bwMode="auto">
+          <a:xfrm>
+            <a:off x="4403223" y="3733614"/>
+            <a:ext cx="567922" cy="557567"/>
+          </a:xfrm>
+          <a:prstGeom prst="rect">
+            <a:avLst/>
+          </a:prstGeom>
+          <a:noFill/>
+          <a:extLst>
+            <a:ext uri="{909E8E84-426E-40DD-AFC4-6F175D3DCCD1}">
+              <a14:hiddenFill xmlns:a14="http://schemas.microsoft.com/office/drawing/2010/main">
+                <a:solidFill>
+                  <a:srgbClr val="FFFFFF"/>
+                </a:solidFill>
+              </a14:hiddenFill>
+            </a:ext>
+          </a:extLst>
+        </p:spPr>
+      </p:pic>
     </p:spTree>
     <p:extLst>
       <p:ext uri="{BB962C8B-B14F-4D97-AF65-F5344CB8AC3E}">
@@ -9940,19 +10131,6 @@
             </a:pPr>
             <a:r>
               <a:rPr lang="en-US" sz="2000" dirty="0"/>
-              <a:t>Exposure to compliance and audit findings.</a:t>
-            </a:r>
-          </a:p>
-          <a:p>
-            <a:pPr marL="285750" indent="-285750">
-              <a:lnSpc>
-                <a:spcPct val="150000"/>
-              </a:lnSpc>
-              <a:buFont typeface="Arial" panose="020B0604020202020204" pitchFamily="34" charset="0"/>
-              <a:buChar char="•"/>
-            </a:pPr>
-            <a:r>
-              <a:rPr lang="en-US" sz="2000" dirty="0"/>
               <a:t>Process design does not ensure ongoing eligibility.</a:t>
             </a:r>
             <a:endParaRPr lang="en-GB" sz="2000" dirty="0"/>
@@ -10061,13 +10239,13 @@
           <p:nvPr>
             <p:extLst>
               <p:ext uri="{D42A27DB-BD31-4B8C-83A1-F6EECF244321}">
-                <p14:modId xmlns:p14="http://schemas.microsoft.com/office/powerpoint/2010/main" val="2966800135"/>
+                <p14:modId xmlns:p14="http://schemas.microsoft.com/office/powerpoint/2010/main" val="2879365097"/>
               </p:ext>
             </p:extLst>
           </p:nvPr>
         </p:nvGraphicFramePr>
         <p:xfrm>
-          <a:off x="360000" y="1800000"/>
+          <a:off x="359999" y="1506086"/>
           <a:ext cx="9241200" cy="4256262"/>
         </p:xfrm>
         <a:graphic>
@@ -11843,4 +12021,26 @@
     </a:ext>
   </a:extLst>
 </a:theme>
+</file>
+
+<file path=ppt/webextensions/taskpanes.xml><?xml version="1.0" encoding="utf-8"?>
+<wetp:taskpanes xmlns:wetp="http://schemas.microsoft.com/office/webextensions/taskpanes/2010/11">
+  <wetp:taskpane dockstate="right" visibility="0" width="350" row="0">
+    <wetp:webextensionref xmlns:r="http://schemas.openxmlformats.org/officeDocument/2006/relationships" r:id="rId1"/>
+  </wetp:taskpane>
+</wetp:taskpanes>
+</file>
+
+<file path=ppt/webextensions/webextension1.xml><?xml version="1.0" encoding="utf-8"?>
+<we:webextension xmlns:we="http://schemas.microsoft.com/office/webextensions/webextension/2010/11" id="{D9A21BD7-A56D-489F-86C7-911BE5D30823}">
+  <we:reference id="d4e2c1dc-eac0-4ff5-968e-dae0a03d352f" version="1.0.0.3" store="EXCatalog" storeType="EXCatalog"/>
+  <we:alternateReferences/>
+  <we:properties>
+    <we:property name="belongUser" value="&quot;U2FsdGVkX1+HOd+N+g1InpZ+rI2OtYIWz3a5DLgwO0CKBEQo9WgrAyKNUC/6x2wv&quot;"/>
+    <we:property name="chat_history" value="&quot;U2FsdGVkX188lpgiKkHVUkdnXidlKzGhGlzRR2unTdHbpj/QZPT2lopRA3UXDZOIbpwmLKzQTRRBAWPsXdhfH67T+9kKGkfpO1qkxPgS5dOTJ7893UZfG8eSBncKh1aMwObTZru3mvFu2t19o0M31stLdyg6asftQAf+1vaNfc62wFwvkjfV2kvMOC66L1sjHWjG2GR78nvQeMizGvPU4eVDdaieHZH7s9cojXUqgd2ocG/fKu0VdctUBWvQdrJrwUbjPDcS/HMgidBS5ndFQ+JLiRuiRQbrbcsxul4GBzaEVnE4c1iHcTClUHcFtMr+CCdHxTfnzt7HebPM2QmXSXzQA8nNMarXCswPlio4GTKvvjtWP34vGFnuNg49AWXb6gj7g4pKk2M7HvZUTda62/WtvzGkz2XBL1Bhr7K7Djs0F5eAk+/VmhIRyL16e/cxfFP6z9O3fYZgl/z/aOHpVIEoX0vz9QsN8U46jAMC37fyy9umBifPYX1+wsmbqyYRaNh5nfIx6OxLEaWPvMPRxTogPKIzKGvOy78T+sBfbCUNu3P5iCJCRkJdXajJ93thD3uCDN/KQMX/P7D8xff+8/TzX1KI0HIvhAgH9R1u1PgOW4/RRvEBd3xW276AvVLi7i5bzRSAritvWJzy7cFtupREOux9tIekzV+70SrkUxfUTlK2RyGjJ625TUnjuPliISems5xhKpoWYXlhBo6x8SPwaYIJaPU/EckBPDTXjq9BTR1H6NZcP0FB+/HkyaBU/dOqGU1s1kZSGjfRwlnWThqRflfy3bYfZHmuvpsTSVUNmMZ/XLhC0iRV3ORN6/5OGvOd1MFfI3Xxo2yeB0ydtbdIOxade0Hb9RukydVqLKP7x3o3ZfHQcBfpVcnpcX2Bp2YPseokHeq496u7sM31xgz9o8rRRf28J3hxiyTgYCOFAoWOsodzKYv5TzE+d6uIjUQ2LY6o5kBDUDEPK4q2ngAltgzN6Wj1gSI2TFhV9rG9mH5xqEBDjCNO7kNY8EopTYf7wNp4oQA4LBt7CHLUcrL+ssg9fVyp+8w6sSk9J2B7IfWkY5r0hTzLRjIQSAZy6WmvW/SvnWHzWeS3kQPvNfhHubY9unIVLGvMVBHy5woys2H92iE4gFlwmnGutWBw3nrF2xn9OH7OHU1Ji0bF6xw4f/kypMK/WCcTXEwMnFHJPmhm0LZhh+zsXlq4nfNjF/BkiMHP2zFA03jwKSb26ygQNpsCMs/1aTsvQhEK9WysEhNG3wvmjOVDv7OAJlyzKMJVjmWAttS9x+mR76JBi5ePo3XJcyP32Y2j/ehwCyHi53p3Wg7WhUajrtIsImK4pkyjtvprRBJ8A4ElWx0fGkblpt6/okxUFm3yC07aOIBPSKEun6LkWyAmZfvU/+dGPdL1YkotBwRzAsTN/qXJqZSVaaTqmx6LSkn/cOBA5niNae1ZsmbZcD4UmlPqIWKTMXQtNXPoOB4KhbjPdljgXso4t6xwm59SE6ZjoWVpnv1xeeZs8YmEFzBgoH1EUZsMCh7UbzwWmtkp95Q1BXGDNjZdA3da7IViBdhL6h1Gtu/vFZ7aCHw3tfT9OJpeSnGkJcOyge12KobtlrfTBTi8r0E9GzVs2s9pp9tK2F0NA1yVlqulXXw+3I4n+HN5/rIVTGldhPyXszZw28kSiC2AQqQ11whYcWlY7smQt7exkL/f9oGdNodZMfcK87LI2mf11Ut2TzrPtxEFzo+QWLuiCMwUtHxfo1+U3QizGVi3v8WCtkJMlXgp8EndLh4cf08cYrbAIC1vLRD5ss1Jr9F4+rODqtsX+80crtP4ICYfSfdUjnHqgQtchlygZ8wXihX7rZKknsgo/jspyX4bcyHLQV6zBxvLq1XKXonVdh3Kg5oCfF6I6DMV4YI3pJQ2hioy1Je+D3o2agdwt0miwieIKbFp6FgZVUUjlHTpYF7f2Dq+ECZzJnYt+T0HWK+u20j4R+9/MCze429qlCL2Jdey1+VP/5P7WbDb7qqRRnytSgPzX0kFGQWvYiL3cVMo5q4Lor1q18k+bJ5BksLY7qY98VP0X+nxy02ICkzVUu88+uIqYWbHcnVh1pNW7altE+7owm2jXAt0xUx5HqZP6qIxj8JA2EZ2/u98Vplo1TYbaLc=&quot;"/>
+    <we:property name="chat_history_msgids" value="&quot;U2FsdGVkX18TnM4jByWFMEwNNqzuJQiSzcNQdLMiZgc=&quot;"/>
+  </we:properties>
+  <we:bindings/>
+  <we:snapshot xmlns:r="http://schemas.openxmlformats.org/officeDocument/2006/relationships"/>
+</we:webextension>
 </file>
--- a/powerpoint/doctor_validation_ppt.pptx
+++ b/powerpoint/doctor_validation_ppt.pptx
@@ -1125,6 +1125,10 @@
         <a:bodyPr/>
         <a:lstStyle/>
         <a:p>
+          <a:pPr>
+            <a:buFont typeface="+mj-lt"/>
+            <a:buAutoNum type="arabicPeriod"/>
+          </a:pPr>
           <a:r>
             <a:rPr lang="en-GB" sz="1800" dirty="0"/>
             <a:t>Provider not found in official registry.</a:t>
@@ -1161,6 +1165,10 @@
         <a:bodyPr/>
         <a:lstStyle/>
         <a:p>
+          <a:pPr>
+            <a:buFont typeface="+mj-lt"/>
+            <a:buAutoNum type="arabicPeriod"/>
+          </a:pPr>
           <a:r>
             <a:rPr lang="en-GB" sz="1800" dirty="0"/>
             <a:t>Registration status changed (e.g. suspended, expired, deregistered).</a:t>
@@ -1286,13 +1294,13 @@
   </dgm:ptLst>
   <dgm:cxnLst>
     <dgm:cxn modelId="{7AB71E16-39F0-428B-9341-FA70BB3F8E24}" type="presOf" srcId="{23C0F704-0F71-4287-84C9-ACE3A20F8FC4}" destId="{9DF24910-F2B3-4A40-B3FB-2B06AE81A9C7}" srcOrd="0" destOrd="0" presId="urn:microsoft.com/office/officeart/2005/8/layout/vList2"/>
-    <dgm:cxn modelId="{80DE181E-95DC-4E31-B9ED-75A3E91925E1}" srcId="{75939562-C762-4A16-9E48-3A2CB9D37433}" destId="{B433A020-31BE-41DE-AD5C-CC63054D7AB4}" srcOrd="2" destOrd="0" parTransId="{176F3136-3322-466A-B99E-98C897FA19C8}" sibTransId="{60561AF6-3AC8-4BDA-9C05-6294DE119C86}"/>
+    <dgm:cxn modelId="{80DE181E-95DC-4E31-B9ED-75A3E91925E1}" srcId="{94C324DB-28BB-4568-962F-5843D0530B81}" destId="{B433A020-31BE-41DE-AD5C-CC63054D7AB4}" srcOrd="1" destOrd="0" parTransId="{176F3136-3322-466A-B99E-98C897FA19C8}" sibTransId="{60561AF6-3AC8-4BDA-9C05-6294DE119C86}"/>
     <dgm:cxn modelId="{C12EF725-EA68-4901-9FCA-D08C53A1231F}" type="presOf" srcId="{DEA76871-F657-4082-9A15-E4F59F6DC88E}" destId="{28ED37E8-D1C4-4124-BEE1-2C3A05A85DC0}" srcOrd="0" destOrd="0" presId="urn:microsoft.com/office/officeart/2005/8/layout/vList2"/>
     <dgm:cxn modelId="{F1C3902D-EE72-47EF-BDCD-0618D69C531F}" type="presOf" srcId="{75939562-C762-4A16-9E48-3A2CB9D37433}" destId="{1B86791A-5AEE-4E24-B0F1-FBF6616DB5DD}" srcOrd="0" destOrd="0" presId="urn:microsoft.com/office/officeart/2005/8/layout/vList2"/>
     <dgm:cxn modelId="{AE043733-E04F-4F9C-8C32-70015DAE9A14}" srcId="{AF72F1B2-BC9A-4183-9C5C-E7B6C0A496FD}" destId="{75939562-C762-4A16-9E48-3A2CB9D37433}" srcOrd="2" destOrd="0" parTransId="{D5FBBE52-D9C3-434F-A318-2E2292587F46}" sibTransId="{D8F4099F-5548-4E63-B4ED-C0034940E65F}"/>
     <dgm:cxn modelId="{EFFEE83E-B8F3-420E-AA30-B29A88C435F0}" srcId="{5391143F-3CAD-4968-9590-BDA76B5A6C6A}" destId="{35E5C449-1353-47CA-8AEA-F52F2B887F67}" srcOrd="0" destOrd="0" parTransId="{40C1B47E-5E28-4F43-AFE3-1FC45D9B9FE2}" sibTransId="{0DD0F408-487D-40E0-A294-1049859B96EB}"/>
     <dgm:cxn modelId="{3FB0705D-C906-4029-9ADE-150C63860E83}" type="presOf" srcId="{4C3B8F69-A3AF-428B-965B-E11F01F1EC22}" destId="{28ED37E8-D1C4-4124-BEE1-2C3A05A85DC0}" srcOrd="0" destOrd="1" presId="urn:microsoft.com/office/officeart/2005/8/layout/vList2"/>
-    <dgm:cxn modelId="{8C5B8146-6694-4640-A9D9-6FA4974C2531}" srcId="{75939562-C762-4A16-9E48-3A2CB9D37433}" destId="{E1FFD5BC-8DD4-4B60-B977-F30F37D352CE}" srcOrd="1" destOrd="0" parTransId="{D5155580-BAA9-4FF2-B8A5-23F6C8638921}" sibTransId="{926FDBBB-DB96-488A-AA7E-68FCED98C9C1}"/>
+    <dgm:cxn modelId="{8C5B8146-6694-4640-A9D9-6FA4974C2531}" srcId="{94C324DB-28BB-4568-962F-5843D0530B81}" destId="{E1FFD5BC-8DD4-4B60-B977-F30F37D352CE}" srcOrd="0" destOrd="0" parTransId="{D5155580-BAA9-4FF2-B8A5-23F6C8638921}" sibTransId="{926FDBBB-DB96-488A-AA7E-68FCED98C9C1}"/>
     <dgm:cxn modelId="{748F3867-D0BC-4F84-AE87-9B7E564F6E23}" srcId="{AF72F1B2-BC9A-4183-9C5C-E7B6C0A496FD}" destId="{5391143F-3CAD-4968-9590-BDA76B5A6C6A}" srcOrd="1" destOrd="0" parTransId="{1A181EA8-05FD-49BB-AD68-A1E630BED8F4}" sibTransId="{86EC2B25-ADB3-4377-9BE6-2431A8647464}"/>
     <dgm:cxn modelId="{9B3B1549-8898-439F-91B9-F5C37B309870}" type="presOf" srcId="{E1FFD5BC-8DD4-4B60-B977-F30F37D352CE}" destId="{CEEDDDCB-A1C6-42A4-AC81-0E4BE0D9E449}" srcOrd="0" destOrd="1" presId="urn:microsoft.com/office/officeart/2005/8/layout/vList2"/>
     <dgm:cxn modelId="{77CD076B-C366-4D12-B4F5-1BCBA17A21AD}" type="presOf" srcId="{5391143F-3CAD-4968-9590-BDA76B5A6C6A}" destId="{EC646298-8F3A-4CED-9852-67DF7E52E49B}" srcOrd="0" destOrd="0" presId="urn:microsoft.com/office/officeart/2005/8/layout/vList2"/>
@@ -1751,7 +1759,7 @@
           </a:r>
         </a:p>
         <a:p>
-          <a:pPr marL="171450" lvl="1" indent="-171450" algn="l" defTabSz="800100">
+          <a:pPr marL="342900" lvl="2" indent="-171450" algn="l" defTabSz="800100">
             <a:lnSpc>
               <a:spcPct val="90000"/>
             </a:lnSpc>
@@ -1761,7 +1769,8 @@
             <a:spcAft>
               <a:spcPct val="20000"/>
             </a:spcAft>
-            <a:buChar char="•"/>
+            <a:buFont typeface="+mj-lt"/>
+            <a:buAutoNum type="arabicPeriod"/>
           </a:pPr>
           <a:r>
             <a:rPr lang="en-GB" sz="1800" kern="1200" dirty="0"/>
@@ -1769,7 +1778,7 @@
           </a:r>
         </a:p>
         <a:p>
-          <a:pPr marL="171450" lvl="1" indent="-171450" algn="l" defTabSz="800100">
+          <a:pPr marL="342900" lvl="2" indent="-171450" algn="l" defTabSz="800100">
             <a:lnSpc>
               <a:spcPct val="90000"/>
             </a:lnSpc>
@@ -1779,7 +1788,8 @@
             <a:spcAft>
               <a:spcPct val="20000"/>
             </a:spcAft>
-            <a:buChar char="•"/>
+            <a:buFont typeface="+mj-lt"/>
+            <a:buAutoNum type="arabicPeriod"/>
           </a:pPr>
           <a:r>
             <a:rPr lang="en-GB" sz="1800" kern="1200" dirty="0"/>
@@ -3079,7 +3089,7 @@
           <a:p>
             <a:fld id="{C3218ECE-A34A-49B3-9686-CAB705FE9FAE}" type="datetimeFigureOut">
               <a:rPr lang="en-GB" smtClean="0"/>
-              <a:t>13/02/2026</a:t>
+              <a:t>16/02/2026</a:t>
             </a:fld>
             <a:endParaRPr lang="en-GB"/>
           </a:p>
@@ -3245,7 +3255,7 @@
           <a:p>
             <a:fld id="{BFECA36D-3A4E-49AB-8998-33E386CC9347}" type="datetimeFigureOut">
               <a:rPr lang="en-US" smtClean="0"/>
-              <a:t>2/13/2026</a:t>
+              <a:t>2/16/2026</a:t>
             </a:fld>
             <a:endParaRPr lang="en-US"/>
           </a:p>
@@ -10088,8 +10098,8 @@
         </p:nvSpPr>
         <p:spPr>
           <a:xfrm>
-            <a:off x="360000" y="1800000"/>
-            <a:ext cx="7477714" cy="4256262"/>
+            <a:off x="359999" y="1800000"/>
+            <a:ext cx="9486130" cy="4256262"/>
           </a:xfrm>
         </p:spPr>
         <p:txBody>
@@ -10104,8 +10114,12 @@
               <a:buChar char="•"/>
             </a:pPr>
             <a:r>
-              <a:rPr lang="en-US" sz="2000" dirty="0"/>
-              <a:t>Reliance on static internal list.</a:t>
+              <a:rPr lang="en-GB" sz="2000" b="1" dirty="0"/>
+              <a:t>Financial Risk</a:t>
+            </a:r>
+            <a:r>
+              <a:rPr lang="en-GB" sz="2000" dirty="0"/>
+              <a:t> – Fraudulent payouts, inflated billing, cumulative losses.</a:t>
             </a:r>
           </a:p>
           <a:p>
@@ -10117,8 +10131,12 @@
               <a:buChar char="•"/>
             </a:pPr>
             <a:r>
-              <a:rPr lang="en-US" sz="2000" dirty="0"/>
-              <a:t>Potential outdated provider status.</a:t>
+              <a:rPr lang="en-GB" sz="2000" b="1" dirty="0"/>
+              <a:t>Operational Risk</a:t>
+            </a:r>
+            <a:r>
+              <a:rPr lang="en-GB" sz="2000" dirty="0"/>
+              <a:t> – Increased claim processing costs, resource drain</a:t>
             </a:r>
           </a:p>
           <a:p>
@@ -10130,10 +10148,13 @@
               <a:buChar char="•"/>
             </a:pPr>
             <a:r>
-              <a:rPr lang="en-US" sz="2000" dirty="0"/>
-              <a:t>Process design does not ensure ongoing eligibility.</a:t>
+              <a:rPr lang="en-GB" sz="2000" b="1" dirty="0"/>
+              <a:t>Strategic Risk</a:t>
             </a:r>
-            <a:endParaRPr lang="en-GB" sz="2000" dirty="0"/>
+            <a:r>
+              <a:rPr lang="en-GB" sz="2000" dirty="0"/>
+              <a:t> – Higher loss ratio, premium hikes, reduced investor confidence.</a:t>
+            </a:r>
           </a:p>
         </p:txBody>
       </p:sp>
@@ -10239,7 +10260,7 @@
           <p:nvPr>
             <p:extLst>
               <p:ext uri="{D42A27DB-BD31-4B8C-83A1-F6EECF244321}">
-                <p14:modId xmlns:p14="http://schemas.microsoft.com/office/powerpoint/2010/main" val="2879365097"/>
+                <p14:modId xmlns:p14="http://schemas.microsoft.com/office/powerpoint/2010/main" val="910089742"/>
               </p:ext>
             </p:extLst>
           </p:nvPr>
@@ -10552,16 +10573,9 @@
           </a:lstStyle>
           <a:p>
             <a:pPr marL="285750" indent="-285750">
-              <a:buFont typeface="Arial" panose="020B0604020202020204" pitchFamily="34" charset="0"/>
-              <a:buChar char="•"/>
-            </a:pPr>
-            <a:r>
-              <a:rPr lang="en-CA" sz="2000" dirty="0"/>
-              <a:t>Eliminates manual checking.</a:t>
-            </a:r>
-          </a:p>
-          <a:p>
-            <a:pPr marL="285750" indent="-285750">
+              <a:lnSpc>
+                <a:spcPct val="150000"/>
+              </a:lnSpc>
               <a:buFont typeface="Arial" panose="020B0604020202020204" pitchFamily="34" charset="0"/>
               <a:buChar char="•"/>
             </a:pPr>
@@ -10572,6 +10586,9 @@
           </a:p>
           <a:p>
             <a:pPr marL="285750" indent="-285750">
+              <a:lnSpc>
+                <a:spcPct val="150000"/>
+              </a:lnSpc>
               <a:buFont typeface="Arial" panose="020B0604020202020204" pitchFamily="34" charset="0"/>
               <a:buChar char="•"/>
             </a:pPr>
@@ -10579,6 +10596,36 @@
               <a:rPr lang="en-CA" sz="2000" dirty="0"/>
               <a:t>Strengthens ongoing provider eligibility control.</a:t>
             </a:r>
+          </a:p>
+          <a:p>
+            <a:pPr marL="285750" indent="-285750">
+              <a:lnSpc>
+                <a:spcPct val="150000"/>
+              </a:lnSpc>
+              <a:buFont typeface="Arial" panose="020B0604020202020204" pitchFamily="34" charset="0"/>
+              <a:buChar char="•"/>
+            </a:pPr>
+            <a:r>
+              <a:rPr lang="en-GB" sz="2000" dirty="0"/>
+              <a:t>Positions the insurer as a leader in fraud prevention.</a:t>
+            </a:r>
+            <a:endParaRPr lang="en-CA" sz="2000" dirty="0"/>
+          </a:p>
+          <a:p>
+            <a:pPr marL="285750" indent="-285750">
+              <a:lnSpc>
+                <a:spcPct val="150000"/>
+              </a:lnSpc>
+              <a:buFont typeface="Arial" panose="020B0604020202020204" pitchFamily="34" charset="0"/>
+              <a:buChar char="•"/>
+            </a:pPr>
+            <a:r>
+              <a:rPr lang="en-GB" sz="2000" dirty="0"/>
+              <a:t>Prevents payouts on fraudulent claims from fake or unlicensed doctors.</a:t>
+            </a:r>
+          </a:p>
+          <a:p>
+            <a:endParaRPr lang="en-CA" sz="2000" dirty="0"/>
           </a:p>
         </p:txBody>
       </p:sp>
@@ -10596,8 +10643,8 @@
         </p:nvGrpSpPr>
         <p:grpSpPr>
           <a:xfrm>
-            <a:off x="4553760" y="1061786"/>
-            <a:ext cx="6228260" cy="5007477"/>
+            <a:off x="6459233" y="1385513"/>
+            <a:ext cx="4962603" cy="4086973"/>
             <a:chOff x="3841490" y="936657"/>
             <a:chExt cx="6228260" cy="5007477"/>
           </a:xfrm>
